--- a/test_applications/1min_presentation_testapplications.pptx
+++ b/test_applications/1min_presentation_testapplications.pptx
@@ -7,19 +7,21 @@
     <p:sldMasterId id="2147483674" r:id="rId4"/>
     <p:sldMasterId id="2147483687" r:id="rId5"/>
     <p:sldMasterId id="2147483700" r:id="rId6"/>
+    <p:sldMasterId id="2147483713" r:id="rId7"/>
   </p:sldMasterIdLst>
   <p:sldIdLst>
-    <p:sldId id="256" r:id="rId7"/>
-    <p:sldId id="257" r:id="rId8"/>
-    <p:sldId id="258" r:id="rId9"/>
-    <p:sldId id="259" r:id="rId10"/>
-    <p:sldId id="260" r:id="rId11"/>
-    <p:sldId id="261" r:id="rId12"/>
-    <p:sldId id="262" r:id="rId13"/>
-    <p:sldId id="263" r:id="rId14"/>
-    <p:sldId id="264" r:id="rId15"/>
-    <p:sldId id="265" r:id="rId16"/>
-    <p:sldId id="266" r:id="rId17"/>
+    <p:sldId id="256" r:id="rId8"/>
+    <p:sldId id="257" r:id="rId9"/>
+    <p:sldId id="258" r:id="rId10"/>
+    <p:sldId id="259" r:id="rId11"/>
+    <p:sldId id="260" r:id="rId12"/>
+    <p:sldId id="261" r:id="rId13"/>
+    <p:sldId id="262" r:id="rId14"/>
+    <p:sldId id="263" r:id="rId15"/>
+    <p:sldId id="264" r:id="rId16"/>
+    <p:sldId id="265" r:id="rId17"/>
+    <p:sldId id="266" r:id="rId18"/>
+    <p:sldId id="267" r:id="rId19"/>
   </p:sldIdLst>
   <p:sldSz cx="9720262" cy="6480175"/>
   <p:notesSz cx="7559675" cy="10691812"/>
@@ -78,7 +80,7 @@
         <p:spPr>
           <a:xfrm>
             <a:off x="486000" y="258480"/>
-            <a:ext cx="8743680" cy="1077840"/>
+            <a:ext cx="8742960" cy="1077120"/>
           </a:xfrm>
           <a:prstGeom prst="rect">
             <a:avLst/>
@@ -109,7 +111,7 @@
         <p:spPr>
           <a:xfrm>
             <a:off x="486000" y="1516320"/>
-            <a:ext cx="8747640" cy="1792440"/>
+            <a:ext cx="8747280" cy="1792080"/>
           </a:xfrm>
           <a:prstGeom prst="rect">
             <a:avLst/>
@@ -138,8 +140,8 @@
         </p:nvSpPr>
         <p:spPr>
           <a:xfrm>
-            <a:off x="486000" y="3479400"/>
-            <a:ext cx="8747640" cy="1792440"/>
+            <a:off x="486000" y="3479040"/>
+            <a:ext cx="8747280" cy="1792080"/>
           </a:xfrm>
           <a:prstGeom prst="rect">
             <a:avLst/>
@@ -191,7 +193,7 @@
         <p:spPr>
           <a:xfrm>
             <a:off x="486000" y="258480"/>
-            <a:ext cx="8743680" cy="1077840"/>
+            <a:ext cx="8742960" cy="1077120"/>
           </a:xfrm>
           <a:prstGeom prst="rect">
             <a:avLst/>
@@ -222,7 +224,7 @@
         <p:spPr>
           <a:xfrm>
             <a:off x="486000" y="1516320"/>
-            <a:ext cx="4268520" cy="1792440"/>
+            <a:ext cx="4268520" cy="1792080"/>
           </a:xfrm>
           <a:prstGeom prst="rect">
             <a:avLst/>
@@ -252,7 +254,7 @@
         <p:spPr>
           <a:xfrm>
             <a:off x="4968360" y="1516320"/>
-            <a:ext cx="4268520" cy="1792440"/>
+            <a:ext cx="4268520" cy="1792080"/>
           </a:xfrm>
           <a:prstGeom prst="rect">
             <a:avLst/>
@@ -281,8 +283,8 @@
         </p:nvSpPr>
         <p:spPr>
           <a:xfrm>
-            <a:off x="486000" y="3479400"/>
-            <a:ext cx="4268520" cy="1792440"/>
+            <a:off x="486000" y="3479040"/>
+            <a:ext cx="4268520" cy="1792080"/>
           </a:xfrm>
           <a:prstGeom prst="rect">
             <a:avLst/>
@@ -311,8 +313,8 @@
         </p:nvSpPr>
         <p:spPr>
           <a:xfrm>
-            <a:off x="4968360" y="3479400"/>
-            <a:ext cx="4268520" cy="1792440"/>
+            <a:off x="4968360" y="3479040"/>
+            <a:ext cx="4268520" cy="1792080"/>
           </a:xfrm>
           <a:prstGeom prst="rect">
             <a:avLst/>
@@ -364,7 +366,7 @@
         <p:spPr>
           <a:xfrm>
             <a:off x="486000" y="258480"/>
-            <a:ext cx="8743680" cy="1077840"/>
+            <a:ext cx="8742960" cy="1077120"/>
           </a:xfrm>
           <a:prstGeom prst="rect">
             <a:avLst/>
@@ -395,7 +397,7 @@
         <p:spPr>
           <a:xfrm>
             <a:off x="486000" y="1516320"/>
-            <a:ext cx="2816640" cy="1792440"/>
+            <a:ext cx="2816280" cy="1792080"/>
           </a:xfrm>
           <a:prstGeom prst="rect">
             <a:avLst/>
@@ -424,8 +426,8 @@
         </p:nvSpPr>
         <p:spPr>
           <a:xfrm>
-            <a:off x="3443760" y="1516320"/>
-            <a:ext cx="2816640" cy="1792440"/>
+            <a:off x="3443400" y="1516320"/>
+            <a:ext cx="2816280" cy="1792080"/>
           </a:xfrm>
           <a:prstGeom prst="rect">
             <a:avLst/>
@@ -454,8 +456,8 @@
         </p:nvSpPr>
         <p:spPr>
           <a:xfrm>
-            <a:off x="6401880" y="1516320"/>
-            <a:ext cx="2816640" cy="1792440"/>
+            <a:off x="6400800" y="1516320"/>
+            <a:ext cx="2816280" cy="1792080"/>
           </a:xfrm>
           <a:prstGeom prst="rect">
             <a:avLst/>
@@ -484,8 +486,8 @@
         </p:nvSpPr>
         <p:spPr>
           <a:xfrm>
-            <a:off x="486000" y="3479400"/>
-            <a:ext cx="2816640" cy="1792440"/>
+            <a:off x="486000" y="3479040"/>
+            <a:ext cx="2816280" cy="1792080"/>
           </a:xfrm>
           <a:prstGeom prst="rect">
             <a:avLst/>
@@ -514,8 +516,8 @@
         </p:nvSpPr>
         <p:spPr>
           <a:xfrm>
-            <a:off x="3443760" y="3479400"/>
-            <a:ext cx="2816640" cy="1792440"/>
+            <a:off x="3443400" y="3479040"/>
+            <a:ext cx="2816280" cy="1792080"/>
           </a:xfrm>
           <a:prstGeom prst="rect">
             <a:avLst/>
@@ -544,8 +546,8 @@
         </p:nvSpPr>
         <p:spPr>
           <a:xfrm>
-            <a:off x="6401880" y="3479400"/>
-            <a:ext cx="2816640" cy="1792440"/>
+            <a:off x="6400800" y="3479040"/>
+            <a:ext cx="2816280" cy="1792080"/>
           </a:xfrm>
           <a:prstGeom prst="rect">
             <a:avLst/>
@@ -619,7 +621,7 @@
         <p:spPr>
           <a:xfrm>
             <a:off x="486000" y="258480"/>
-            <a:ext cx="8743680" cy="1077840"/>
+            <a:ext cx="8742960" cy="1077120"/>
           </a:xfrm>
           <a:prstGeom prst="rect">
             <a:avLst/>
@@ -650,7 +652,7 @@
         <p:spPr>
           <a:xfrm>
             <a:off x="486000" y="1516320"/>
-            <a:ext cx="8747640" cy="3758040"/>
+            <a:ext cx="8747280" cy="3757680"/>
           </a:xfrm>
           <a:prstGeom prst="rect">
             <a:avLst/>
@@ -703,7 +705,7 @@
         <p:spPr>
           <a:xfrm>
             <a:off x="486000" y="258480"/>
-            <a:ext cx="8743680" cy="1077840"/>
+            <a:ext cx="8742960" cy="1077120"/>
           </a:xfrm>
           <a:prstGeom prst="rect">
             <a:avLst/>
@@ -734,7 +736,7 @@
         <p:spPr>
           <a:xfrm>
             <a:off x="486000" y="1516320"/>
-            <a:ext cx="8747640" cy="3758040"/>
+            <a:ext cx="8747280" cy="3757680"/>
           </a:xfrm>
           <a:prstGeom prst="rect">
             <a:avLst/>
@@ -786,7 +788,7 @@
         <p:spPr>
           <a:xfrm>
             <a:off x="486000" y="258480"/>
-            <a:ext cx="8743680" cy="1077840"/>
+            <a:ext cx="8742960" cy="1077120"/>
           </a:xfrm>
           <a:prstGeom prst="rect">
             <a:avLst/>
@@ -817,7 +819,7 @@
         <p:spPr>
           <a:xfrm>
             <a:off x="486000" y="1516320"/>
-            <a:ext cx="4268520" cy="3758040"/>
+            <a:ext cx="4268520" cy="3757680"/>
           </a:xfrm>
           <a:prstGeom prst="rect">
             <a:avLst/>
@@ -847,7 +849,7 @@
         <p:spPr>
           <a:xfrm>
             <a:off x="4968360" y="1516320"/>
-            <a:ext cx="4268520" cy="3758040"/>
+            <a:ext cx="4268520" cy="3757680"/>
           </a:xfrm>
           <a:prstGeom prst="rect">
             <a:avLst/>
@@ -899,7 +901,7 @@
         <p:spPr>
           <a:xfrm>
             <a:off x="486000" y="258480"/>
-            <a:ext cx="8743680" cy="1077840"/>
+            <a:ext cx="8742960" cy="1077120"/>
           </a:xfrm>
           <a:prstGeom prst="rect">
             <a:avLst/>
@@ -952,7 +954,7 @@
         <p:spPr>
           <a:xfrm>
             <a:off x="486000" y="258480"/>
-            <a:ext cx="8743680" cy="4997520"/>
+            <a:ext cx="8742960" cy="4994280"/>
           </a:xfrm>
           <a:prstGeom prst="rect">
             <a:avLst/>
@@ -1005,7 +1007,7 @@
         <p:spPr>
           <a:xfrm>
             <a:off x="486000" y="258480"/>
-            <a:ext cx="8743680" cy="1077840"/>
+            <a:ext cx="8742960" cy="1077120"/>
           </a:xfrm>
           <a:prstGeom prst="rect">
             <a:avLst/>
@@ -1036,7 +1038,7 @@
         <p:spPr>
           <a:xfrm>
             <a:off x="486000" y="1516320"/>
-            <a:ext cx="4268520" cy="1792440"/>
+            <a:ext cx="4268520" cy="1792080"/>
           </a:xfrm>
           <a:prstGeom prst="rect">
             <a:avLst/>
@@ -1066,7 +1068,7 @@
         <p:spPr>
           <a:xfrm>
             <a:off x="4968360" y="1516320"/>
-            <a:ext cx="4268520" cy="3758040"/>
+            <a:ext cx="4268520" cy="3757680"/>
           </a:xfrm>
           <a:prstGeom prst="rect">
             <a:avLst/>
@@ -1095,8 +1097,8 @@
         </p:nvSpPr>
         <p:spPr>
           <a:xfrm>
-            <a:off x="486000" y="3479400"/>
-            <a:ext cx="4268520" cy="1792440"/>
+            <a:off x="486000" y="3479040"/>
+            <a:ext cx="4268520" cy="1792080"/>
           </a:xfrm>
           <a:prstGeom prst="rect">
             <a:avLst/>
@@ -1148,7 +1150,7 @@
         <p:spPr>
           <a:xfrm>
             <a:off x="486000" y="258480"/>
-            <a:ext cx="8743680" cy="1077840"/>
+            <a:ext cx="8742960" cy="1077120"/>
           </a:xfrm>
           <a:prstGeom prst="rect">
             <a:avLst/>
@@ -1179,7 +1181,7 @@
         <p:spPr>
           <a:xfrm>
             <a:off x="486000" y="1516320"/>
-            <a:ext cx="8747640" cy="3758040"/>
+            <a:ext cx="8747280" cy="3757680"/>
           </a:xfrm>
           <a:prstGeom prst="rect">
             <a:avLst/>
@@ -1232,7 +1234,7 @@
         <p:spPr>
           <a:xfrm>
             <a:off x="486000" y="258480"/>
-            <a:ext cx="8743680" cy="1077840"/>
+            <a:ext cx="8742960" cy="1077120"/>
           </a:xfrm>
           <a:prstGeom prst="rect">
             <a:avLst/>
@@ -1263,7 +1265,7 @@
         <p:spPr>
           <a:xfrm>
             <a:off x="486000" y="1516320"/>
-            <a:ext cx="4268520" cy="3758040"/>
+            <a:ext cx="4268520" cy="3757680"/>
           </a:xfrm>
           <a:prstGeom prst="rect">
             <a:avLst/>
@@ -1293,7 +1295,7 @@
         <p:spPr>
           <a:xfrm>
             <a:off x="4968360" y="1516320"/>
-            <a:ext cx="4268520" cy="1792440"/>
+            <a:ext cx="4268520" cy="1792080"/>
           </a:xfrm>
           <a:prstGeom prst="rect">
             <a:avLst/>
@@ -1322,8 +1324,8 @@
         </p:nvSpPr>
         <p:spPr>
           <a:xfrm>
-            <a:off x="4968360" y="3479400"/>
-            <a:ext cx="4268520" cy="1792440"/>
+            <a:off x="4968360" y="3479040"/>
+            <a:ext cx="4268520" cy="1792080"/>
           </a:xfrm>
           <a:prstGeom prst="rect">
             <a:avLst/>
@@ -1375,7 +1377,7 @@
         <p:spPr>
           <a:xfrm>
             <a:off x="486000" y="258480"/>
-            <a:ext cx="8743680" cy="1077840"/>
+            <a:ext cx="8742960" cy="1077120"/>
           </a:xfrm>
           <a:prstGeom prst="rect">
             <a:avLst/>
@@ -1406,7 +1408,7 @@
         <p:spPr>
           <a:xfrm>
             <a:off x="486000" y="1516320"/>
-            <a:ext cx="4268520" cy="1792440"/>
+            <a:ext cx="4268520" cy="1792080"/>
           </a:xfrm>
           <a:prstGeom prst="rect">
             <a:avLst/>
@@ -1436,7 +1438,7 @@
         <p:spPr>
           <a:xfrm>
             <a:off x="4968360" y="1516320"/>
-            <a:ext cx="4268520" cy="1792440"/>
+            <a:ext cx="4268520" cy="1792080"/>
           </a:xfrm>
           <a:prstGeom prst="rect">
             <a:avLst/>
@@ -1465,8 +1467,8 @@
         </p:nvSpPr>
         <p:spPr>
           <a:xfrm>
-            <a:off x="486000" y="3479400"/>
-            <a:ext cx="8747640" cy="1792440"/>
+            <a:off x="486000" y="3479040"/>
+            <a:ext cx="8747280" cy="1792080"/>
           </a:xfrm>
           <a:prstGeom prst="rect">
             <a:avLst/>
@@ -1518,7 +1520,7 @@
         <p:spPr>
           <a:xfrm>
             <a:off x="486000" y="258480"/>
-            <a:ext cx="8743680" cy="1077840"/>
+            <a:ext cx="8742960" cy="1077120"/>
           </a:xfrm>
           <a:prstGeom prst="rect">
             <a:avLst/>
@@ -1549,7 +1551,7 @@
         <p:spPr>
           <a:xfrm>
             <a:off x="486000" y="1516320"/>
-            <a:ext cx="8747640" cy="1792440"/>
+            <a:ext cx="8747280" cy="1792080"/>
           </a:xfrm>
           <a:prstGeom prst="rect">
             <a:avLst/>
@@ -1578,8 +1580,8 @@
         </p:nvSpPr>
         <p:spPr>
           <a:xfrm>
-            <a:off x="486000" y="3479400"/>
-            <a:ext cx="8747640" cy="1792440"/>
+            <a:off x="486000" y="3479040"/>
+            <a:ext cx="8747280" cy="1792080"/>
           </a:xfrm>
           <a:prstGeom prst="rect">
             <a:avLst/>
@@ -1631,7 +1633,7 @@
         <p:spPr>
           <a:xfrm>
             <a:off x="486000" y="258480"/>
-            <a:ext cx="8743680" cy="1077840"/>
+            <a:ext cx="8742960" cy="1077120"/>
           </a:xfrm>
           <a:prstGeom prst="rect">
             <a:avLst/>
@@ -1662,7 +1664,7 @@
         <p:spPr>
           <a:xfrm>
             <a:off x="486000" y="1516320"/>
-            <a:ext cx="4268520" cy="1792440"/>
+            <a:ext cx="4268520" cy="1792080"/>
           </a:xfrm>
           <a:prstGeom prst="rect">
             <a:avLst/>
@@ -1692,7 +1694,7 @@
         <p:spPr>
           <a:xfrm>
             <a:off x="4968360" y="1516320"/>
-            <a:ext cx="4268520" cy="1792440"/>
+            <a:ext cx="4268520" cy="1792080"/>
           </a:xfrm>
           <a:prstGeom prst="rect">
             <a:avLst/>
@@ -1721,8 +1723,8 @@
         </p:nvSpPr>
         <p:spPr>
           <a:xfrm>
-            <a:off x="486000" y="3479400"/>
-            <a:ext cx="4268520" cy="1792440"/>
+            <a:off x="486000" y="3479040"/>
+            <a:ext cx="4268520" cy="1792080"/>
           </a:xfrm>
           <a:prstGeom prst="rect">
             <a:avLst/>
@@ -1751,8 +1753,8 @@
         </p:nvSpPr>
         <p:spPr>
           <a:xfrm>
-            <a:off x="4968360" y="3479400"/>
-            <a:ext cx="4268520" cy="1792440"/>
+            <a:off x="4968360" y="3479040"/>
+            <a:ext cx="4268520" cy="1792080"/>
           </a:xfrm>
           <a:prstGeom prst="rect">
             <a:avLst/>
@@ -1804,7 +1806,7 @@
         <p:spPr>
           <a:xfrm>
             <a:off x="486000" y="258480"/>
-            <a:ext cx="8743680" cy="1077840"/>
+            <a:ext cx="8742960" cy="1077120"/>
           </a:xfrm>
           <a:prstGeom prst="rect">
             <a:avLst/>
@@ -1835,7 +1837,7 @@
         <p:spPr>
           <a:xfrm>
             <a:off x="486000" y="1516320"/>
-            <a:ext cx="2816640" cy="1792440"/>
+            <a:ext cx="2816280" cy="1792080"/>
           </a:xfrm>
           <a:prstGeom prst="rect">
             <a:avLst/>
@@ -1864,8 +1866,8 @@
         </p:nvSpPr>
         <p:spPr>
           <a:xfrm>
-            <a:off x="3443760" y="1516320"/>
-            <a:ext cx="2816640" cy="1792440"/>
+            <a:off x="3443400" y="1516320"/>
+            <a:ext cx="2816280" cy="1792080"/>
           </a:xfrm>
           <a:prstGeom prst="rect">
             <a:avLst/>
@@ -1894,8 +1896,8 @@
         </p:nvSpPr>
         <p:spPr>
           <a:xfrm>
-            <a:off x="6401880" y="1516320"/>
-            <a:ext cx="2816640" cy="1792440"/>
+            <a:off x="6400800" y="1516320"/>
+            <a:ext cx="2816280" cy="1792080"/>
           </a:xfrm>
           <a:prstGeom prst="rect">
             <a:avLst/>
@@ -1924,8 +1926,8 @@
         </p:nvSpPr>
         <p:spPr>
           <a:xfrm>
-            <a:off x="486000" y="3479400"/>
-            <a:ext cx="2816640" cy="1792440"/>
+            <a:off x="486000" y="3479040"/>
+            <a:ext cx="2816280" cy="1792080"/>
           </a:xfrm>
           <a:prstGeom prst="rect">
             <a:avLst/>
@@ -1954,8 +1956,8 @@
         </p:nvSpPr>
         <p:spPr>
           <a:xfrm>
-            <a:off x="3443760" y="3479400"/>
-            <a:ext cx="2816640" cy="1792440"/>
+            <a:off x="3443400" y="3479040"/>
+            <a:ext cx="2816280" cy="1792080"/>
           </a:xfrm>
           <a:prstGeom prst="rect">
             <a:avLst/>
@@ -1984,8 +1986,8 @@
         </p:nvSpPr>
         <p:spPr>
           <a:xfrm>
-            <a:off x="6401880" y="3479400"/>
-            <a:ext cx="2816640" cy="1792440"/>
+            <a:off x="6400800" y="3479040"/>
+            <a:ext cx="2816280" cy="1792080"/>
           </a:xfrm>
           <a:prstGeom prst="rect">
             <a:avLst/>
@@ -2059,7 +2061,7 @@
         <p:spPr>
           <a:xfrm>
             <a:off x="486000" y="258480"/>
-            <a:ext cx="8743680" cy="1077840"/>
+            <a:ext cx="8742960" cy="1077120"/>
           </a:xfrm>
           <a:prstGeom prst="rect">
             <a:avLst/>
@@ -2090,7 +2092,7 @@
         <p:spPr>
           <a:xfrm>
             <a:off x="486000" y="1516320"/>
-            <a:ext cx="8747640" cy="3758040"/>
+            <a:ext cx="8747280" cy="3757680"/>
           </a:xfrm>
           <a:prstGeom prst="rect">
             <a:avLst/>
@@ -2143,7 +2145,7 @@
         <p:spPr>
           <a:xfrm>
             <a:off x="486000" y="258480"/>
-            <a:ext cx="8743680" cy="1077840"/>
+            <a:ext cx="8742960" cy="1077120"/>
           </a:xfrm>
           <a:prstGeom prst="rect">
             <a:avLst/>
@@ -2174,7 +2176,7 @@
         <p:spPr>
           <a:xfrm>
             <a:off x="486000" y="1516320"/>
-            <a:ext cx="8747640" cy="3758040"/>
+            <a:ext cx="8747280" cy="3757680"/>
           </a:xfrm>
           <a:prstGeom prst="rect">
             <a:avLst/>
@@ -2226,7 +2228,7 @@
         <p:spPr>
           <a:xfrm>
             <a:off x="486000" y="258480"/>
-            <a:ext cx="8743680" cy="1077840"/>
+            <a:ext cx="8742960" cy="1077120"/>
           </a:xfrm>
           <a:prstGeom prst="rect">
             <a:avLst/>
@@ -2257,7 +2259,7 @@
         <p:spPr>
           <a:xfrm>
             <a:off x="486000" y="1516320"/>
-            <a:ext cx="4268520" cy="3758040"/>
+            <a:ext cx="4268520" cy="3757680"/>
           </a:xfrm>
           <a:prstGeom prst="rect">
             <a:avLst/>
@@ -2287,7 +2289,7 @@
         <p:spPr>
           <a:xfrm>
             <a:off x="4968360" y="1516320"/>
-            <a:ext cx="4268520" cy="3758040"/>
+            <a:ext cx="4268520" cy="3757680"/>
           </a:xfrm>
           <a:prstGeom prst="rect">
             <a:avLst/>
@@ -2339,7 +2341,7 @@
         <p:spPr>
           <a:xfrm>
             <a:off x="486000" y="258480"/>
-            <a:ext cx="8743680" cy="1077840"/>
+            <a:ext cx="8742960" cy="1077120"/>
           </a:xfrm>
           <a:prstGeom prst="rect">
             <a:avLst/>
@@ -2392,7 +2394,7 @@
         <p:spPr>
           <a:xfrm>
             <a:off x="486000" y="258480"/>
-            <a:ext cx="8743680" cy="1077840"/>
+            <a:ext cx="8742960" cy="1077120"/>
           </a:xfrm>
           <a:prstGeom prst="rect">
             <a:avLst/>
@@ -2423,7 +2425,7 @@
         <p:spPr>
           <a:xfrm>
             <a:off x="486000" y="1516320"/>
-            <a:ext cx="8747640" cy="3758040"/>
+            <a:ext cx="8747280" cy="3757680"/>
           </a:xfrm>
           <a:prstGeom prst="rect">
             <a:avLst/>
@@ -2475,7 +2477,7 @@
         <p:spPr>
           <a:xfrm>
             <a:off x="486000" y="258480"/>
-            <a:ext cx="8743680" cy="4997520"/>
+            <a:ext cx="8742960" cy="4994280"/>
           </a:xfrm>
           <a:prstGeom prst="rect">
             <a:avLst/>
@@ -2528,7 +2530,7 @@
         <p:spPr>
           <a:xfrm>
             <a:off x="486000" y="258480"/>
-            <a:ext cx="8743680" cy="1077840"/>
+            <a:ext cx="8742960" cy="1077120"/>
           </a:xfrm>
           <a:prstGeom prst="rect">
             <a:avLst/>
@@ -2559,7 +2561,7 @@
         <p:spPr>
           <a:xfrm>
             <a:off x="486000" y="1516320"/>
-            <a:ext cx="4268520" cy="1792440"/>
+            <a:ext cx="4268520" cy="1792080"/>
           </a:xfrm>
           <a:prstGeom prst="rect">
             <a:avLst/>
@@ -2589,7 +2591,7 @@
         <p:spPr>
           <a:xfrm>
             <a:off x="4968360" y="1516320"/>
-            <a:ext cx="4268520" cy="3758040"/>
+            <a:ext cx="4268520" cy="3757680"/>
           </a:xfrm>
           <a:prstGeom prst="rect">
             <a:avLst/>
@@ -2618,8 +2620,8 @@
         </p:nvSpPr>
         <p:spPr>
           <a:xfrm>
-            <a:off x="486000" y="3479400"/>
-            <a:ext cx="4268520" cy="1792440"/>
+            <a:off x="486000" y="3479040"/>
+            <a:ext cx="4268520" cy="1792080"/>
           </a:xfrm>
           <a:prstGeom prst="rect">
             <a:avLst/>
@@ -2671,7 +2673,7 @@
         <p:spPr>
           <a:xfrm>
             <a:off x="486000" y="258480"/>
-            <a:ext cx="8743680" cy="1077840"/>
+            <a:ext cx="8742960" cy="1077120"/>
           </a:xfrm>
           <a:prstGeom prst="rect">
             <a:avLst/>
@@ -2702,7 +2704,7 @@
         <p:spPr>
           <a:xfrm>
             <a:off x="486000" y="1516320"/>
-            <a:ext cx="4268520" cy="3758040"/>
+            <a:ext cx="4268520" cy="3757680"/>
           </a:xfrm>
           <a:prstGeom prst="rect">
             <a:avLst/>
@@ -2732,7 +2734,7 @@
         <p:spPr>
           <a:xfrm>
             <a:off x="4968360" y="1516320"/>
-            <a:ext cx="4268520" cy="1792440"/>
+            <a:ext cx="4268520" cy="1792080"/>
           </a:xfrm>
           <a:prstGeom prst="rect">
             <a:avLst/>
@@ -2761,8 +2763,8 @@
         </p:nvSpPr>
         <p:spPr>
           <a:xfrm>
-            <a:off x="4968360" y="3479400"/>
-            <a:ext cx="4268520" cy="1792440"/>
+            <a:off x="4968360" y="3479040"/>
+            <a:ext cx="4268520" cy="1792080"/>
           </a:xfrm>
           <a:prstGeom prst="rect">
             <a:avLst/>
@@ -2814,7 +2816,7 @@
         <p:spPr>
           <a:xfrm>
             <a:off x="486000" y="258480"/>
-            <a:ext cx="8743680" cy="1077840"/>
+            <a:ext cx="8742960" cy="1077120"/>
           </a:xfrm>
           <a:prstGeom prst="rect">
             <a:avLst/>
@@ -2845,7 +2847,7 @@
         <p:spPr>
           <a:xfrm>
             <a:off x="486000" y="1516320"/>
-            <a:ext cx="4268520" cy="1792440"/>
+            <a:ext cx="4268520" cy="1792080"/>
           </a:xfrm>
           <a:prstGeom prst="rect">
             <a:avLst/>
@@ -2875,7 +2877,7 @@
         <p:spPr>
           <a:xfrm>
             <a:off x="4968360" y="1516320"/>
-            <a:ext cx="4268520" cy="1792440"/>
+            <a:ext cx="4268520" cy="1792080"/>
           </a:xfrm>
           <a:prstGeom prst="rect">
             <a:avLst/>
@@ -2904,8 +2906,8 @@
         </p:nvSpPr>
         <p:spPr>
           <a:xfrm>
-            <a:off x="486000" y="3479400"/>
-            <a:ext cx="8747640" cy="1792440"/>
+            <a:off x="486000" y="3479040"/>
+            <a:ext cx="8747280" cy="1792080"/>
           </a:xfrm>
           <a:prstGeom prst="rect">
             <a:avLst/>
@@ -2957,7 +2959,7 @@
         <p:spPr>
           <a:xfrm>
             <a:off x="486000" y="258480"/>
-            <a:ext cx="8743680" cy="1077840"/>
+            <a:ext cx="8742960" cy="1077120"/>
           </a:xfrm>
           <a:prstGeom prst="rect">
             <a:avLst/>
@@ -2988,7 +2990,7 @@
         <p:spPr>
           <a:xfrm>
             <a:off x="486000" y="1516320"/>
-            <a:ext cx="8747640" cy="1792440"/>
+            <a:ext cx="8747280" cy="1792080"/>
           </a:xfrm>
           <a:prstGeom prst="rect">
             <a:avLst/>
@@ -3017,8 +3019,8 @@
         </p:nvSpPr>
         <p:spPr>
           <a:xfrm>
-            <a:off x="486000" y="3479400"/>
-            <a:ext cx="8747640" cy="1792440"/>
+            <a:off x="486000" y="3479040"/>
+            <a:ext cx="8747280" cy="1792080"/>
           </a:xfrm>
           <a:prstGeom prst="rect">
             <a:avLst/>
@@ -3070,7 +3072,7 @@
         <p:spPr>
           <a:xfrm>
             <a:off x="486000" y="258480"/>
-            <a:ext cx="8743680" cy="1077840"/>
+            <a:ext cx="8742960" cy="1077120"/>
           </a:xfrm>
           <a:prstGeom prst="rect">
             <a:avLst/>
@@ -3101,7 +3103,7 @@
         <p:spPr>
           <a:xfrm>
             <a:off x="486000" y="1516320"/>
-            <a:ext cx="4268520" cy="1792440"/>
+            <a:ext cx="4268520" cy="1792080"/>
           </a:xfrm>
           <a:prstGeom prst="rect">
             <a:avLst/>
@@ -3131,7 +3133,7 @@
         <p:spPr>
           <a:xfrm>
             <a:off x="4968360" y="1516320"/>
-            <a:ext cx="4268520" cy="1792440"/>
+            <a:ext cx="4268520" cy="1792080"/>
           </a:xfrm>
           <a:prstGeom prst="rect">
             <a:avLst/>
@@ -3160,8 +3162,8 @@
         </p:nvSpPr>
         <p:spPr>
           <a:xfrm>
-            <a:off x="486000" y="3479400"/>
-            <a:ext cx="4268520" cy="1792440"/>
+            <a:off x="486000" y="3479040"/>
+            <a:ext cx="4268520" cy="1792080"/>
           </a:xfrm>
           <a:prstGeom prst="rect">
             <a:avLst/>
@@ -3190,8 +3192,8 @@
         </p:nvSpPr>
         <p:spPr>
           <a:xfrm>
-            <a:off x="4968360" y="3479400"/>
-            <a:ext cx="4268520" cy="1792440"/>
+            <a:off x="4968360" y="3479040"/>
+            <a:ext cx="4268520" cy="1792080"/>
           </a:xfrm>
           <a:prstGeom prst="rect">
             <a:avLst/>
@@ -3243,7 +3245,7 @@
         <p:spPr>
           <a:xfrm>
             <a:off x="486000" y="258480"/>
-            <a:ext cx="8743680" cy="1077840"/>
+            <a:ext cx="8742960" cy="1077120"/>
           </a:xfrm>
           <a:prstGeom prst="rect">
             <a:avLst/>
@@ -3274,7 +3276,7 @@
         <p:spPr>
           <a:xfrm>
             <a:off x="486000" y="1516320"/>
-            <a:ext cx="2816640" cy="1792440"/>
+            <a:ext cx="2816280" cy="1792080"/>
           </a:xfrm>
           <a:prstGeom prst="rect">
             <a:avLst/>
@@ -3303,8 +3305,8 @@
         </p:nvSpPr>
         <p:spPr>
           <a:xfrm>
-            <a:off x="3443760" y="1516320"/>
-            <a:ext cx="2816640" cy="1792440"/>
+            <a:off x="3443400" y="1516320"/>
+            <a:ext cx="2816280" cy="1792080"/>
           </a:xfrm>
           <a:prstGeom prst="rect">
             <a:avLst/>
@@ -3333,8 +3335,8 @@
         </p:nvSpPr>
         <p:spPr>
           <a:xfrm>
-            <a:off x="6401880" y="1516320"/>
-            <a:ext cx="2816640" cy="1792440"/>
+            <a:off x="6400800" y="1516320"/>
+            <a:ext cx="2816280" cy="1792080"/>
           </a:xfrm>
           <a:prstGeom prst="rect">
             <a:avLst/>
@@ -3363,8 +3365,8 @@
         </p:nvSpPr>
         <p:spPr>
           <a:xfrm>
-            <a:off x="486000" y="3479400"/>
-            <a:ext cx="2816640" cy="1792440"/>
+            <a:off x="486000" y="3479040"/>
+            <a:ext cx="2816280" cy="1792080"/>
           </a:xfrm>
           <a:prstGeom prst="rect">
             <a:avLst/>
@@ -3393,8 +3395,8 @@
         </p:nvSpPr>
         <p:spPr>
           <a:xfrm>
-            <a:off x="3443760" y="3479400"/>
-            <a:ext cx="2816640" cy="1792440"/>
+            <a:off x="3443400" y="3479040"/>
+            <a:ext cx="2816280" cy="1792080"/>
           </a:xfrm>
           <a:prstGeom prst="rect">
             <a:avLst/>
@@ -3423,8 +3425,8 @@
         </p:nvSpPr>
         <p:spPr>
           <a:xfrm>
-            <a:off x="6401880" y="3479400"/>
-            <a:ext cx="2816640" cy="1792440"/>
+            <a:off x="6400800" y="3479040"/>
+            <a:ext cx="2816280" cy="1792080"/>
           </a:xfrm>
           <a:prstGeom prst="rect">
             <a:avLst/>
@@ -3498,7 +3500,7 @@
         <p:spPr>
           <a:xfrm>
             <a:off x="486000" y="258480"/>
-            <a:ext cx="8743680" cy="1077840"/>
+            <a:ext cx="8742960" cy="1077120"/>
           </a:xfrm>
           <a:prstGeom prst="rect">
             <a:avLst/>
@@ -3529,7 +3531,7 @@
         <p:spPr>
           <a:xfrm>
             <a:off x="486000" y="1516320"/>
-            <a:ext cx="8747640" cy="3758040"/>
+            <a:ext cx="8747280" cy="3757680"/>
           </a:xfrm>
           <a:prstGeom prst="rect">
             <a:avLst/>
@@ -3582,7 +3584,7 @@
         <p:spPr>
           <a:xfrm>
             <a:off x="486000" y="258480"/>
-            <a:ext cx="8743680" cy="1077840"/>
+            <a:ext cx="8742960" cy="1077120"/>
           </a:xfrm>
           <a:prstGeom prst="rect">
             <a:avLst/>
@@ -3613,7 +3615,7 @@
         <p:spPr>
           <a:xfrm>
             <a:off x="486000" y="1516320"/>
-            <a:ext cx="8747640" cy="3758040"/>
+            <a:ext cx="8747280" cy="3757680"/>
           </a:xfrm>
           <a:prstGeom prst="rect">
             <a:avLst/>
@@ -3665,7 +3667,7 @@
         <p:spPr>
           <a:xfrm>
             <a:off x="486000" y="258480"/>
-            <a:ext cx="8743680" cy="1077840"/>
+            <a:ext cx="8742960" cy="1077120"/>
           </a:xfrm>
           <a:prstGeom prst="rect">
             <a:avLst/>
@@ -3696,7 +3698,7 @@
         <p:spPr>
           <a:xfrm>
             <a:off x="486000" y="1516320"/>
-            <a:ext cx="4268520" cy="3758040"/>
+            <a:ext cx="4268520" cy="3757680"/>
           </a:xfrm>
           <a:prstGeom prst="rect">
             <a:avLst/>
@@ -3726,7 +3728,7 @@
         <p:spPr>
           <a:xfrm>
             <a:off x="4968360" y="1516320"/>
-            <a:ext cx="4268520" cy="3758040"/>
+            <a:ext cx="4268520" cy="3757680"/>
           </a:xfrm>
           <a:prstGeom prst="rect">
             <a:avLst/>
@@ -3778,7 +3780,7 @@
         <p:spPr>
           <a:xfrm>
             <a:off x="486000" y="258480"/>
-            <a:ext cx="8743680" cy="1077840"/>
+            <a:ext cx="8742960" cy="1077120"/>
           </a:xfrm>
           <a:prstGeom prst="rect">
             <a:avLst/>
@@ -3809,7 +3811,7 @@
         <p:spPr>
           <a:xfrm>
             <a:off x="486000" y="1516320"/>
-            <a:ext cx="4268520" cy="3758040"/>
+            <a:ext cx="4268520" cy="3757680"/>
           </a:xfrm>
           <a:prstGeom prst="rect">
             <a:avLst/>
@@ -3839,7 +3841,7 @@
         <p:spPr>
           <a:xfrm>
             <a:off x="4968360" y="1516320"/>
-            <a:ext cx="4268520" cy="3758040"/>
+            <a:ext cx="4268520" cy="3757680"/>
           </a:xfrm>
           <a:prstGeom prst="rect">
             <a:avLst/>
@@ -3891,7 +3893,7 @@
         <p:spPr>
           <a:xfrm>
             <a:off x="486000" y="258480"/>
-            <a:ext cx="8743680" cy="1077840"/>
+            <a:ext cx="8742960" cy="1077120"/>
           </a:xfrm>
           <a:prstGeom prst="rect">
             <a:avLst/>
@@ -3944,7 +3946,7 @@
         <p:spPr>
           <a:xfrm>
             <a:off x="486000" y="258480"/>
-            <a:ext cx="8743680" cy="4997520"/>
+            <a:ext cx="8742960" cy="4994280"/>
           </a:xfrm>
           <a:prstGeom prst="rect">
             <a:avLst/>
@@ -3997,7 +3999,7 @@
         <p:spPr>
           <a:xfrm>
             <a:off x="486000" y="258480"/>
-            <a:ext cx="8743680" cy="1077840"/>
+            <a:ext cx="8742960" cy="1077120"/>
           </a:xfrm>
           <a:prstGeom prst="rect">
             <a:avLst/>
@@ -4028,7 +4030,7 @@
         <p:spPr>
           <a:xfrm>
             <a:off x="486000" y="1516320"/>
-            <a:ext cx="4268520" cy="1792440"/>
+            <a:ext cx="4268520" cy="1792080"/>
           </a:xfrm>
           <a:prstGeom prst="rect">
             <a:avLst/>
@@ -4058,7 +4060,7 @@
         <p:spPr>
           <a:xfrm>
             <a:off x="4968360" y="1516320"/>
-            <a:ext cx="4268520" cy="3758040"/>
+            <a:ext cx="4268520" cy="3757680"/>
           </a:xfrm>
           <a:prstGeom prst="rect">
             <a:avLst/>
@@ -4087,8 +4089,8 @@
         </p:nvSpPr>
         <p:spPr>
           <a:xfrm>
-            <a:off x="486000" y="3479400"/>
-            <a:ext cx="4268520" cy="1792440"/>
+            <a:off x="486000" y="3479040"/>
+            <a:ext cx="4268520" cy="1792080"/>
           </a:xfrm>
           <a:prstGeom prst="rect">
             <a:avLst/>
@@ -4140,7 +4142,7 @@
         <p:spPr>
           <a:xfrm>
             <a:off x="486000" y="258480"/>
-            <a:ext cx="8743680" cy="1077840"/>
+            <a:ext cx="8742960" cy="1077120"/>
           </a:xfrm>
           <a:prstGeom prst="rect">
             <a:avLst/>
@@ -4171,7 +4173,7 @@
         <p:spPr>
           <a:xfrm>
             <a:off x="486000" y="1516320"/>
-            <a:ext cx="4268520" cy="3758040"/>
+            <a:ext cx="4268520" cy="3757680"/>
           </a:xfrm>
           <a:prstGeom prst="rect">
             <a:avLst/>
@@ -4201,7 +4203,7 @@
         <p:spPr>
           <a:xfrm>
             <a:off x="4968360" y="1516320"/>
-            <a:ext cx="4268520" cy="1792440"/>
+            <a:ext cx="4268520" cy="1792080"/>
           </a:xfrm>
           <a:prstGeom prst="rect">
             <a:avLst/>
@@ -4230,8 +4232,8 @@
         </p:nvSpPr>
         <p:spPr>
           <a:xfrm>
-            <a:off x="4968360" y="3479400"/>
-            <a:ext cx="4268520" cy="1792440"/>
+            <a:off x="4968360" y="3479040"/>
+            <a:ext cx="4268520" cy="1792080"/>
           </a:xfrm>
           <a:prstGeom prst="rect">
             <a:avLst/>
@@ -4283,7 +4285,7 @@
         <p:spPr>
           <a:xfrm>
             <a:off x="486000" y="258480"/>
-            <a:ext cx="8743680" cy="1077840"/>
+            <a:ext cx="8742960" cy="1077120"/>
           </a:xfrm>
           <a:prstGeom prst="rect">
             <a:avLst/>
@@ -4314,7 +4316,7 @@
         <p:spPr>
           <a:xfrm>
             <a:off x="486000" y="1516320"/>
-            <a:ext cx="4268520" cy="1792440"/>
+            <a:ext cx="4268520" cy="1792080"/>
           </a:xfrm>
           <a:prstGeom prst="rect">
             <a:avLst/>
@@ -4344,7 +4346,7 @@
         <p:spPr>
           <a:xfrm>
             <a:off x="4968360" y="1516320"/>
-            <a:ext cx="4268520" cy="1792440"/>
+            <a:ext cx="4268520" cy="1792080"/>
           </a:xfrm>
           <a:prstGeom prst="rect">
             <a:avLst/>
@@ -4373,8 +4375,8 @@
         </p:nvSpPr>
         <p:spPr>
           <a:xfrm>
-            <a:off x="486000" y="3479400"/>
-            <a:ext cx="8747640" cy="1792440"/>
+            <a:off x="486000" y="3479040"/>
+            <a:ext cx="8747280" cy="1792080"/>
           </a:xfrm>
           <a:prstGeom prst="rect">
             <a:avLst/>
@@ -4426,7 +4428,7 @@
         <p:spPr>
           <a:xfrm>
             <a:off x="486000" y="258480"/>
-            <a:ext cx="8743680" cy="1077840"/>
+            <a:ext cx="8742960" cy="1077120"/>
           </a:xfrm>
           <a:prstGeom prst="rect">
             <a:avLst/>
@@ -4457,7 +4459,7 @@
         <p:spPr>
           <a:xfrm>
             <a:off x="486000" y="1516320"/>
-            <a:ext cx="8747640" cy="1792440"/>
+            <a:ext cx="8747280" cy="1792080"/>
           </a:xfrm>
           <a:prstGeom prst="rect">
             <a:avLst/>
@@ -4486,8 +4488,8 @@
         </p:nvSpPr>
         <p:spPr>
           <a:xfrm>
-            <a:off x="486000" y="3479400"/>
-            <a:ext cx="8747640" cy="1792440"/>
+            <a:off x="486000" y="3479040"/>
+            <a:ext cx="8747280" cy="1792080"/>
           </a:xfrm>
           <a:prstGeom prst="rect">
             <a:avLst/>
@@ -4539,7 +4541,7 @@
         <p:spPr>
           <a:xfrm>
             <a:off x="486000" y="258480"/>
-            <a:ext cx="8743680" cy="1077840"/>
+            <a:ext cx="8742960" cy="1077120"/>
           </a:xfrm>
           <a:prstGeom prst="rect">
             <a:avLst/>
@@ -4570,7 +4572,7 @@
         <p:spPr>
           <a:xfrm>
             <a:off x="486000" y="1516320"/>
-            <a:ext cx="4268520" cy="1792440"/>
+            <a:ext cx="4268520" cy="1792080"/>
           </a:xfrm>
           <a:prstGeom prst="rect">
             <a:avLst/>
@@ -4600,7 +4602,7 @@
         <p:spPr>
           <a:xfrm>
             <a:off x="4968360" y="1516320"/>
-            <a:ext cx="4268520" cy="1792440"/>
+            <a:ext cx="4268520" cy="1792080"/>
           </a:xfrm>
           <a:prstGeom prst="rect">
             <a:avLst/>
@@ -4629,8 +4631,8 @@
         </p:nvSpPr>
         <p:spPr>
           <a:xfrm>
-            <a:off x="486000" y="3479400"/>
-            <a:ext cx="4268520" cy="1792440"/>
+            <a:off x="486000" y="3479040"/>
+            <a:ext cx="4268520" cy="1792080"/>
           </a:xfrm>
           <a:prstGeom prst="rect">
             <a:avLst/>
@@ -4659,8 +4661,8 @@
         </p:nvSpPr>
         <p:spPr>
           <a:xfrm>
-            <a:off x="4968360" y="3479400"/>
-            <a:ext cx="4268520" cy="1792440"/>
+            <a:off x="4968360" y="3479040"/>
+            <a:ext cx="4268520" cy="1792080"/>
           </a:xfrm>
           <a:prstGeom prst="rect">
             <a:avLst/>
@@ -4712,7 +4714,7 @@
         <p:spPr>
           <a:xfrm>
             <a:off x="486000" y="258480"/>
-            <a:ext cx="8743680" cy="1077840"/>
+            <a:ext cx="8742960" cy="1077120"/>
           </a:xfrm>
           <a:prstGeom prst="rect">
             <a:avLst/>
@@ -4743,7 +4745,7 @@
         <p:spPr>
           <a:xfrm>
             <a:off x="486000" y="1516320"/>
-            <a:ext cx="2816640" cy="1792440"/>
+            <a:ext cx="2816280" cy="1792080"/>
           </a:xfrm>
           <a:prstGeom prst="rect">
             <a:avLst/>
@@ -4772,8 +4774,8 @@
         </p:nvSpPr>
         <p:spPr>
           <a:xfrm>
-            <a:off x="3443760" y="1516320"/>
-            <a:ext cx="2816640" cy="1792440"/>
+            <a:off x="3443400" y="1516320"/>
+            <a:ext cx="2816280" cy="1792080"/>
           </a:xfrm>
           <a:prstGeom prst="rect">
             <a:avLst/>
@@ -4802,8 +4804,8 @@
         </p:nvSpPr>
         <p:spPr>
           <a:xfrm>
-            <a:off x="6401880" y="1516320"/>
-            <a:ext cx="2816640" cy="1792440"/>
+            <a:off x="6400800" y="1516320"/>
+            <a:ext cx="2816280" cy="1792080"/>
           </a:xfrm>
           <a:prstGeom prst="rect">
             <a:avLst/>
@@ -4832,8 +4834,8 @@
         </p:nvSpPr>
         <p:spPr>
           <a:xfrm>
-            <a:off x="486000" y="3479400"/>
-            <a:ext cx="2816640" cy="1792440"/>
+            <a:off x="486000" y="3479040"/>
+            <a:ext cx="2816280" cy="1792080"/>
           </a:xfrm>
           <a:prstGeom prst="rect">
             <a:avLst/>
@@ -4862,8 +4864,8 @@
         </p:nvSpPr>
         <p:spPr>
           <a:xfrm>
-            <a:off x="3443760" y="3479400"/>
-            <a:ext cx="2816640" cy="1792440"/>
+            <a:off x="3443400" y="3479040"/>
+            <a:ext cx="2816280" cy="1792080"/>
           </a:xfrm>
           <a:prstGeom prst="rect">
             <a:avLst/>
@@ -4892,8 +4894,8 @@
         </p:nvSpPr>
         <p:spPr>
           <a:xfrm>
-            <a:off x="6401880" y="3479400"/>
-            <a:ext cx="2816640" cy="1792440"/>
+            <a:off x="6400800" y="3479040"/>
+            <a:ext cx="2816280" cy="1792080"/>
           </a:xfrm>
           <a:prstGeom prst="rect">
             <a:avLst/>
@@ -4967,7 +4969,7 @@
         <p:spPr>
           <a:xfrm>
             <a:off x="486000" y="258480"/>
-            <a:ext cx="8743680" cy="1077840"/>
+            <a:ext cx="8742960" cy="1077120"/>
           </a:xfrm>
           <a:prstGeom prst="rect">
             <a:avLst/>
@@ -5020,7 +5022,7 @@
         <p:spPr>
           <a:xfrm>
             <a:off x="486000" y="258480"/>
-            <a:ext cx="8743680" cy="1077840"/>
+            <a:ext cx="8742960" cy="1077120"/>
           </a:xfrm>
           <a:prstGeom prst="rect">
             <a:avLst/>
@@ -5051,7 +5053,7 @@
         <p:spPr>
           <a:xfrm>
             <a:off x="486000" y="1516320"/>
-            <a:ext cx="8747640" cy="3758040"/>
+            <a:ext cx="8747280" cy="3757680"/>
           </a:xfrm>
           <a:prstGeom prst="rect">
             <a:avLst/>
@@ -5104,7 +5106,7 @@
         <p:spPr>
           <a:xfrm>
             <a:off x="486000" y="258480"/>
-            <a:ext cx="8743680" cy="1077840"/>
+            <a:ext cx="8742960" cy="1077120"/>
           </a:xfrm>
           <a:prstGeom prst="rect">
             <a:avLst/>
@@ -5135,7 +5137,7 @@
         <p:spPr>
           <a:xfrm>
             <a:off x="486000" y="1516320"/>
-            <a:ext cx="8747640" cy="3758040"/>
+            <a:ext cx="8747280" cy="3757680"/>
           </a:xfrm>
           <a:prstGeom prst="rect">
             <a:avLst/>
@@ -5187,7 +5189,7 @@
         <p:spPr>
           <a:xfrm>
             <a:off x="486000" y="258480"/>
-            <a:ext cx="8743680" cy="1077840"/>
+            <a:ext cx="8742960" cy="1077120"/>
           </a:xfrm>
           <a:prstGeom prst="rect">
             <a:avLst/>
@@ -5218,7 +5220,7 @@
         <p:spPr>
           <a:xfrm>
             <a:off x="486000" y="1516320"/>
-            <a:ext cx="4268520" cy="3758040"/>
+            <a:ext cx="4268520" cy="3757680"/>
           </a:xfrm>
           <a:prstGeom prst="rect">
             <a:avLst/>
@@ -5248,7 +5250,7 @@
         <p:spPr>
           <a:xfrm>
             <a:off x="4968360" y="1516320"/>
-            <a:ext cx="4268520" cy="3758040"/>
+            <a:ext cx="4268520" cy="3757680"/>
           </a:xfrm>
           <a:prstGeom prst="rect">
             <a:avLst/>
@@ -5300,7 +5302,7 @@
         <p:spPr>
           <a:xfrm>
             <a:off x="486000" y="258480"/>
-            <a:ext cx="8743680" cy="1077840"/>
+            <a:ext cx="8742960" cy="1077120"/>
           </a:xfrm>
           <a:prstGeom prst="rect">
             <a:avLst/>
@@ -5353,7 +5355,7 @@
         <p:spPr>
           <a:xfrm>
             <a:off x="486000" y="258480"/>
-            <a:ext cx="8743680" cy="4997520"/>
+            <a:ext cx="8742960" cy="4994280"/>
           </a:xfrm>
           <a:prstGeom prst="rect">
             <a:avLst/>
@@ -5406,7 +5408,7 @@
         <p:spPr>
           <a:xfrm>
             <a:off x="486000" y="258480"/>
-            <a:ext cx="8743680" cy="1077840"/>
+            <a:ext cx="8742960" cy="1077120"/>
           </a:xfrm>
           <a:prstGeom prst="rect">
             <a:avLst/>
@@ -5437,7 +5439,7 @@
         <p:spPr>
           <a:xfrm>
             <a:off x="486000" y="1516320"/>
-            <a:ext cx="4268520" cy="1792440"/>
+            <a:ext cx="4268520" cy="1792080"/>
           </a:xfrm>
           <a:prstGeom prst="rect">
             <a:avLst/>
@@ -5467,7 +5469,7 @@
         <p:spPr>
           <a:xfrm>
             <a:off x="4968360" y="1516320"/>
-            <a:ext cx="4268520" cy="3758040"/>
+            <a:ext cx="4268520" cy="3757680"/>
           </a:xfrm>
           <a:prstGeom prst="rect">
             <a:avLst/>
@@ -5496,8 +5498,8 @@
         </p:nvSpPr>
         <p:spPr>
           <a:xfrm>
-            <a:off x="486000" y="3479400"/>
-            <a:ext cx="4268520" cy="1792440"/>
+            <a:off x="486000" y="3479040"/>
+            <a:ext cx="4268520" cy="1792080"/>
           </a:xfrm>
           <a:prstGeom prst="rect">
             <a:avLst/>
@@ -5549,7 +5551,7 @@
         <p:spPr>
           <a:xfrm>
             <a:off x="486000" y="258480"/>
-            <a:ext cx="8743680" cy="1077840"/>
+            <a:ext cx="8742960" cy="1077120"/>
           </a:xfrm>
           <a:prstGeom prst="rect">
             <a:avLst/>
@@ -5580,7 +5582,7 @@
         <p:spPr>
           <a:xfrm>
             <a:off x="486000" y="1516320"/>
-            <a:ext cx="4268520" cy="3758040"/>
+            <a:ext cx="4268520" cy="3757680"/>
           </a:xfrm>
           <a:prstGeom prst="rect">
             <a:avLst/>
@@ -5610,7 +5612,7 @@
         <p:spPr>
           <a:xfrm>
             <a:off x="4968360" y="1516320"/>
-            <a:ext cx="4268520" cy="1792440"/>
+            <a:ext cx="4268520" cy="1792080"/>
           </a:xfrm>
           <a:prstGeom prst="rect">
             <a:avLst/>
@@ -5639,8 +5641,8 @@
         </p:nvSpPr>
         <p:spPr>
           <a:xfrm>
-            <a:off x="4968360" y="3479400"/>
-            <a:ext cx="4268520" cy="1792440"/>
+            <a:off x="4968360" y="3479040"/>
+            <a:ext cx="4268520" cy="1792080"/>
           </a:xfrm>
           <a:prstGeom prst="rect">
             <a:avLst/>
@@ -5692,7 +5694,7 @@
         <p:spPr>
           <a:xfrm>
             <a:off x="486000" y="258480"/>
-            <a:ext cx="8743680" cy="1077840"/>
+            <a:ext cx="8742960" cy="1077120"/>
           </a:xfrm>
           <a:prstGeom prst="rect">
             <a:avLst/>
@@ -5723,7 +5725,7 @@
         <p:spPr>
           <a:xfrm>
             <a:off x="486000" y="1516320"/>
-            <a:ext cx="4268520" cy="1792440"/>
+            <a:ext cx="4268520" cy="1792080"/>
           </a:xfrm>
           <a:prstGeom prst="rect">
             <a:avLst/>
@@ -5753,7 +5755,7 @@
         <p:spPr>
           <a:xfrm>
             <a:off x="4968360" y="1516320"/>
-            <a:ext cx="4268520" cy="1792440"/>
+            <a:ext cx="4268520" cy="1792080"/>
           </a:xfrm>
           <a:prstGeom prst="rect">
             <a:avLst/>
@@ -5782,8 +5784,8 @@
         </p:nvSpPr>
         <p:spPr>
           <a:xfrm>
-            <a:off x="486000" y="3479400"/>
-            <a:ext cx="8747640" cy="1792440"/>
+            <a:off x="486000" y="3479040"/>
+            <a:ext cx="8747280" cy="1792080"/>
           </a:xfrm>
           <a:prstGeom prst="rect">
             <a:avLst/>
@@ -5835,7 +5837,7 @@
         <p:spPr>
           <a:xfrm>
             <a:off x="486000" y="258480"/>
-            <a:ext cx="8743680" cy="1077840"/>
+            <a:ext cx="8742960" cy="1077120"/>
           </a:xfrm>
           <a:prstGeom prst="rect">
             <a:avLst/>
@@ -5866,7 +5868,7 @@
         <p:spPr>
           <a:xfrm>
             <a:off x="486000" y="1516320"/>
-            <a:ext cx="8747640" cy="1792440"/>
+            <a:ext cx="8747280" cy="1792080"/>
           </a:xfrm>
           <a:prstGeom prst="rect">
             <a:avLst/>
@@ -5895,8 +5897,8 @@
         </p:nvSpPr>
         <p:spPr>
           <a:xfrm>
-            <a:off x="486000" y="3479400"/>
-            <a:ext cx="8747640" cy="1792440"/>
+            <a:off x="486000" y="3479040"/>
+            <a:ext cx="8747280" cy="1792080"/>
           </a:xfrm>
           <a:prstGeom prst="rect">
             <a:avLst/>
@@ -5948,7 +5950,7 @@
         <p:spPr>
           <a:xfrm>
             <a:off x="486000" y="258480"/>
-            <a:ext cx="8743680" cy="1077840"/>
+            <a:ext cx="8742960" cy="1077120"/>
           </a:xfrm>
           <a:prstGeom prst="rect">
             <a:avLst/>
@@ -5979,7 +5981,7 @@
         <p:spPr>
           <a:xfrm>
             <a:off x="486000" y="1516320"/>
-            <a:ext cx="4268520" cy="1792440"/>
+            <a:ext cx="4268520" cy="1792080"/>
           </a:xfrm>
           <a:prstGeom prst="rect">
             <a:avLst/>
@@ -6009,7 +6011,7 @@
         <p:spPr>
           <a:xfrm>
             <a:off x="4968360" y="1516320"/>
-            <a:ext cx="4268520" cy="1792440"/>
+            <a:ext cx="4268520" cy="1792080"/>
           </a:xfrm>
           <a:prstGeom prst="rect">
             <a:avLst/>
@@ -6038,8 +6040,8 @@
         </p:nvSpPr>
         <p:spPr>
           <a:xfrm>
-            <a:off x="486000" y="3479400"/>
-            <a:ext cx="4268520" cy="1792440"/>
+            <a:off x="486000" y="3479040"/>
+            <a:ext cx="4268520" cy="1792080"/>
           </a:xfrm>
           <a:prstGeom prst="rect">
             <a:avLst/>
@@ -6068,8 +6070,8 @@
         </p:nvSpPr>
         <p:spPr>
           <a:xfrm>
-            <a:off x="4968360" y="3479400"/>
-            <a:ext cx="4268520" cy="1792440"/>
+            <a:off x="4968360" y="3479040"/>
+            <a:ext cx="4268520" cy="1792080"/>
           </a:xfrm>
           <a:prstGeom prst="rect">
             <a:avLst/>
@@ -6121,7 +6123,7 @@
         <p:spPr>
           <a:xfrm>
             <a:off x="486000" y="258480"/>
-            <a:ext cx="8743680" cy="4997520"/>
+            <a:ext cx="8742960" cy="4994280"/>
           </a:xfrm>
           <a:prstGeom prst="rect">
             <a:avLst/>
@@ -6174,7 +6176,7 @@
         <p:spPr>
           <a:xfrm>
             <a:off x="486000" y="258480"/>
-            <a:ext cx="8743680" cy="1077840"/>
+            <a:ext cx="8742960" cy="1077120"/>
           </a:xfrm>
           <a:prstGeom prst="rect">
             <a:avLst/>
@@ -6205,7 +6207,7 @@
         <p:spPr>
           <a:xfrm>
             <a:off x="486000" y="1516320"/>
-            <a:ext cx="2816640" cy="1792440"/>
+            <a:ext cx="2816280" cy="1792080"/>
           </a:xfrm>
           <a:prstGeom prst="rect">
             <a:avLst/>
@@ -6234,8 +6236,8 @@
         </p:nvSpPr>
         <p:spPr>
           <a:xfrm>
-            <a:off x="3443760" y="1516320"/>
-            <a:ext cx="2816640" cy="1792440"/>
+            <a:off x="3443400" y="1516320"/>
+            <a:ext cx="2816280" cy="1792080"/>
           </a:xfrm>
           <a:prstGeom prst="rect">
             <a:avLst/>
@@ -6264,8 +6266,8 @@
         </p:nvSpPr>
         <p:spPr>
           <a:xfrm>
-            <a:off x="6401880" y="1516320"/>
-            <a:ext cx="2816640" cy="1792440"/>
+            <a:off x="6400800" y="1516320"/>
+            <a:ext cx="2816280" cy="1792080"/>
           </a:xfrm>
           <a:prstGeom prst="rect">
             <a:avLst/>
@@ -6294,8 +6296,8 @@
         </p:nvSpPr>
         <p:spPr>
           <a:xfrm>
-            <a:off x="486000" y="3479400"/>
-            <a:ext cx="2816640" cy="1792440"/>
+            <a:off x="486000" y="3479040"/>
+            <a:ext cx="2816280" cy="1792080"/>
           </a:xfrm>
           <a:prstGeom prst="rect">
             <a:avLst/>
@@ -6324,8 +6326,8 @@
         </p:nvSpPr>
         <p:spPr>
           <a:xfrm>
-            <a:off x="3443760" y="3479400"/>
-            <a:ext cx="2816640" cy="1792440"/>
+            <a:off x="3443400" y="3479040"/>
+            <a:ext cx="2816280" cy="1792080"/>
           </a:xfrm>
           <a:prstGeom prst="rect">
             <a:avLst/>
@@ -6354,8 +6356,845 @@
         </p:nvSpPr>
         <p:spPr>
           <a:xfrm>
-            <a:off x="6401880" y="3479400"/>
-            <a:ext cx="2816640" cy="1792440"/>
+            <a:off x="6400800" y="3479040"/>
+            <a:ext cx="2816280" cy="1792080"/>
+          </a:xfrm>
+          <a:prstGeom prst="rect">
+            <a:avLst/>
+          </a:prstGeom>
+        </p:spPr>
+        <p:txBody>
+          <a:bodyPr lIns="0" rIns="0" tIns="0" bIns="0">
+            <a:normAutofit/>
+          </a:bodyPr>
+          <a:p>
+            <a:endParaRPr b="0" lang="en-US" sz="3200" spc="-1" strike="noStrike">
+              <a:latin typeface="Arial"/>
+            </a:endParaRPr>
+          </a:p>
+        </p:txBody>
+      </p:sp>
+    </p:spTree>
+  </p:cSld>
+</p:sldLayout>
+</file>
+
+<file path=ppt/slideLayouts/slideLayout61.xml><?xml version="1.0" encoding="utf-8"?>
+<p:sldLayout xmlns:a="http://schemas.openxmlformats.org/drawingml/2006/main" xmlns:p="http://schemas.openxmlformats.org/presentationml/2006/main" xmlns:r="http://schemas.openxmlformats.org/officeDocument/2006/relationships" xmlns:p14="http://schemas.microsoft.com/office/powerpoint/2010/main" xmlns:p15="http://schemas.microsoft.com/office/powerpoint/2012/main" xmlns:mc="http://schemas.openxmlformats.org/markup-compatibility/2006" type="blank" preserve="1">
+  <p:cSld name="Blank Slide">
+    <p:spTree>
+      <p:nvGrpSpPr>
+        <p:cNvPr id="1" name=""/>
+        <p:cNvGrpSpPr/>
+        <p:nvPr/>
+      </p:nvGrpSpPr>
+      <p:grpSpPr>
+        <a:xfrm>
+          <a:off x="0" y="0"/>
+          <a:ext cx="0" cy="0"/>
+          <a:chOff x="0" y="0"/>
+          <a:chExt cx="0" cy="0"/>
+        </a:xfrm>
+      </p:grpSpPr>
+    </p:spTree>
+  </p:cSld>
+</p:sldLayout>
+</file>
+
+<file path=ppt/slideLayouts/slideLayout62.xml><?xml version="1.0" encoding="utf-8"?>
+<p:sldLayout xmlns:a="http://schemas.openxmlformats.org/drawingml/2006/main" xmlns:p="http://schemas.openxmlformats.org/presentationml/2006/main" xmlns:r="http://schemas.openxmlformats.org/officeDocument/2006/relationships" xmlns:p14="http://schemas.microsoft.com/office/powerpoint/2010/main" xmlns:p15="http://schemas.microsoft.com/office/powerpoint/2012/main" xmlns:mc="http://schemas.openxmlformats.org/markup-compatibility/2006" type="tx" preserve="1">
+  <p:cSld name="Title Slide">
+    <p:spTree>
+      <p:nvGrpSpPr>
+        <p:cNvPr id="1" name=""/>
+        <p:cNvGrpSpPr/>
+        <p:nvPr/>
+      </p:nvGrpSpPr>
+      <p:grpSpPr>
+        <a:xfrm>
+          <a:off x="0" y="0"/>
+          <a:ext cx="0" cy="0"/>
+          <a:chOff x="0" y="0"/>
+          <a:chExt cx="0" cy="0"/>
+        </a:xfrm>
+      </p:grpSpPr>
+      <p:sp>
+        <p:nvSpPr>
+          <p:cNvPr id="192" name="PlaceHolder 1"/>
+          <p:cNvSpPr>
+            <a:spLocks noGrp="1"/>
+          </p:cNvSpPr>
+          <p:nvPr>
+            <p:ph type="title"/>
+          </p:nvPr>
+        </p:nvSpPr>
+        <p:spPr>
+          <a:xfrm>
+            <a:off x="486000" y="258480"/>
+            <a:ext cx="8742960" cy="1077120"/>
+          </a:xfrm>
+          <a:prstGeom prst="rect">
+            <a:avLst/>
+          </a:prstGeom>
+        </p:spPr>
+        <p:txBody>
+          <a:bodyPr lIns="0" rIns="0" tIns="0" bIns="0" anchor="ctr">
+            <a:noAutofit/>
+          </a:bodyPr>
+          <a:p>
+            <a:pPr algn="ctr"/>
+            <a:endParaRPr b="0" lang="en-US" sz="4400" spc="-1" strike="noStrike">
+              <a:latin typeface="Arial"/>
+            </a:endParaRPr>
+          </a:p>
+        </p:txBody>
+      </p:sp>
+      <p:sp>
+        <p:nvSpPr>
+          <p:cNvPr id="193" name="PlaceHolder 2"/>
+          <p:cNvSpPr>
+            <a:spLocks noGrp="1"/>
+          </p:cNvSpPr>
+          <p:nvPr>
+            <p:ph type="subTitle"/>
+          </p:nvPr>
+        </p:nvSpPr>
+        <p:spPr>
+          <a:xfrm>
+            <a:off x="486000" y="1516320"/>
+            <a:ext cx="8747280" cy="3757680"/>
+          </a:xfrm>
+          <a:prstGeom prst="rect">
+            <a:avLst/>
+          </a:prstGeom>
+        </p:spPr>
+        <p:txBody>
+          <a:bodyPr lIns="0" rIns="0" tIns="0" bIns="0" anchor="ctr">
+            <a:noAutofit/>
+          </a:bodyPr>
+          <a:p>
+            <a:pPr algn="ctr"/>
+            <a:endParaRPr b="0" lang="en-US" sz="3200" spc="-1" strike="noStrike">
+              <a:latin typeface="Arial"/>
+            </a:endParaRPr>
+          </a:p>
+        </p:txBody>
+      </p:sp>
+    </p:spTree>
+  </p:cSld>
+</p:sldLayout>
+</file>
+
+<file path=ppt/slideLayouts/slideLayout63.xml><?xml version="1.0" encoding="utf-8"?>
+<p:sldLayout xmlns:a="http://schemas.openxmlformats.org/drawingml/2006/main" xmlns:p="http://schemas.openxmlformats.org/presentationml/2006/main" xmlns:r="http://schemas.openxmlformats.org/officeDocument/2006/relationships" xmlns:p14="http://schemas.microsoft.com/office/powerpoint/2010/main" xmlns:p15="http://schemas.microsoft.com/office/powerpoint/2012/main" xmlns:mc="http://schemas.openxmlformats.org/markup-compatibility/2006" type="obj" preserve="1">
+  <p:cSld name="Title, Content">
+    <p:spTree>
+      <p:nvGrpSpPr>
+        <p:cNvPr id="1" name=""/>
+        <p:cNvGrpSpPr/>
+        <p:nvPr/>
+      </p:nvGrpSpPr>
+      <p:grpSpPr>
+        <a:xfrm>
+          <a:off x="0" y="0"/>
+          <a:ext cx="0" cy="0"/>
+          <a:chOff x="0" y="0"/>
+          <a:chExt cx="0" cy="0"/>
+        </a:xfrm>
+      </p:grpSpPr>
+      <p:sp>
+        <p:nvSpPr>
+          <p:cNvPr id="194" name="PlaceHolder 1"/>
+          <p:cNvSpPr>
+            <a:spLocks noGrp="1"/>
+          </p:cNvSpPr>
+          <p:nvPr>
+            <p:ph type="title"/>
+          </p:nvPr>
+        </p:nvSpPr>
+        <p:spPr>
+          <a:xfrm>
+            <a:off x="486000" y="258480"/>
+            <a:ext cx="8742960" cy="1077120"/>
+          </a:xfrm>
+          <a:prstGeom prst="rect">
+            <a:avLst/>
+          </a:prstGeom>
+        </p:spPr>
+        <p:txBody>
+          <a:bodyPr lIns="0" rIns="0" tIns="0" bIns="0" anchor="ctr">
+            <a:noAutofit/>
+          </a:bodyPr>
+          <a:p>
+            <a:pPr algn="ctr"/>
+            <a:endParaRPr b="0" lang="en-US" sz="4400" spc="-1" strike="noStrike">
+              <a:latin typeface="Arial"/>
+            </a:endParaRPr>
+          </a:p>
+        </p:txBody>
+      </p:sp>
+      <p:sp>
+        <p:nvSpPr>
+          <p:cNvPr id="195" name="PlaceHolder 2"/>
+          <p:cNvSpPr>
+            <a:spLocks noGrp="1"/>
+          </p:cNvSpPr>
+          <p:nvPr>
+            <p:ph type="body"/>
+          </p:nvPr>
+        </p:nvSpPr>
+        <p:spPr>
+          <a:xfrm>
+            <a:off x="486000" y="1516320"/>
+            <a:ext cx="8747280" cy="3757680"/>
+          </a:xfrm>
+          <a:prstGeom prst="rect">
+            <a:avLst/>
+          </a:prstGeom>
+        </p:spPr>
+        <p:txBody>
+          <a:bodyPr lIns="0" rIns="0" tIns="0" bIns="0">
+            <a:normAutofit/>
+          </a:bodyPr>
+          <a:p>
+            <a:endParaRPr b="0" lang="en-US" sz="3200" spc="-1" strike="noStrike">
+              <a:latin typeface="Arial"/>
+            </a:endParaRPr>
+          </a:p>
+        </p:txBody>
+      </p:sp>
+    </p:spTree>
+  </p:cSld>
+</p:sldLayout>
+</file>
+
+<file path=ppt/slideLayouts/slideLayout64.xml><?xml version="1.0" encoding="utf-8"?>
+<p:sldLayout xmlns:a="http://schemas.openxmlformats.org/drawingml/2006/main" xmlns:p="http://schemas.openxmlformats.org/presentationml/2006/main" xmlns:r="http://schemas.openxmlformats.org/officeDocument/2006/relationships" xmlns:p14="http://schemas.microsoft.com/office/powerpoint/2010/main" xmlns:p15="http://schemas.microsoft.com/office/powerpoint/2012/main" xmlns:mc="http://schemas.openxmlformats.org/markup-compatibility/2006" type="twoObj" preserve="1">
+  <p:cSld name="Title, 2 Content">
+    <p:spTree>
+      <p:nvGrpSpPr>
+        <p:cNvPr id="1" name=""/>
+        <p:cNvGrpSpPr/>
+        <p:nvPr/>
+      </p:nvGrpSpPr>
+      <p:grpSpPr>
+        <a:xfrm>
+          <a:off x="0" y="0"/>
+          <a:ext cx="0" cy="0"/>
+          <a:chOff x="0" y="0"/>
+          <a:chExt cx="0" cy="0"/>
+        </a:xfrm>
+      </p:grpSpPr>
+      <p:sp>
+        <p:nvSpPr>
+          <p:cNvPr id="196" name="PlaceHolder 1"/>
+          <p:cNvSpPr>
+            <a:spLocks noGrp="1"/>
+          </p:cNvSpPr>
+          <p:nvPr>
+            <p:ph type="title"/>
+          </p:nvPr>
+        </p:nvSpPr>
+        <p:spPr>
+          <a:xfrm>
+            <a:off x="486000" y="258480"/>
+            <a:ext cx="8742960" cy="1077120"/>
+          </a:xfrm>
+          <a:prstGeom prst="rect">
+            <a:avLst/>
+          </a:prstGeom>
+        </p:spPr>
+        <p:txBody>
+          <a:bodyPr lIns="0" rIns="0" tIns="0" bIns="0" anchor="ctr">
+            <a:noAutofit/>
+          </a:bodyPr>
+          <a:p>
+            <a:pPr algn="ctr"/>
+            <a:endParaRPr b="0" lang="en-US" sz="4400" spc="-1" strike="noStrike">
+              <a:latin typeface="Arial"/>
+            </a:endParaRPr>
+          </a:p>
+        </p:txBody>
+      </p:sp>
+      <p:sp>
+        <p:nvSpPr>
+          <p:cNvPr id="197" name="PlaceHolder 2"/>
+          <p:cNvSpPr>
+            <a:spLocks noGrp="1"/>
+          </p:cNvSpPr>
+          <p:nvPr>
+            <p:ph type="body"/>
+          </p:nvPr>
+        </p:nvSpPr>
+        <p:spPr>
+          <a:xfrm>
+            <a:off x="486000" y="1516320"/>
+            <a:ext cx="4268520" cy="3757680"/>
+          </a:xfrm>
+          <a:prstGeom prst="rect">
+            <a:avLst/>
+          </a:prstGeom>
+        </p:spPr>
+        <p:txBody>
+          <a:bodyPr lIns="0" rIns="0" tIns="0" bIns="0">
+            <a:normAutofit/>
+          </a:bodyPr>
+          <a:p>
+            <a:endParaRPr b="0" lang="en-US" sz="3200" spc="-1" strike="noStrike">
+              <a:latin typeface="Arial"/>
+            </a:endParaRPr>
+          </a:p>
+        </p:txBody>
+      </p:sp>
+      <p:sp>
+        <p:nvSpPr>
+          <p:cNvPr id="198" name="PlaceHolder 3"/>
+          <p:cNvSpPr>
+            <a:spLocks noGrp="1"/>
+          </p:cNvSpPr>
+          <p:nvPr>
+            <p:ph type="body"/>
+          </p:nvPr>
+        </p:nvSpPr>
+        <p:spPr>
+          <a:xfrm>
+            <a:off x="4968360" y="1516320"/>
+            <a:ext cx="4268520" cy="3757680"/>
+          </a:xfrm>
+          <a:prstGeom prst="rect">
+            <a:avLst/>
+          </a:prstGeom>
+        </p:spPr>
+        <p:txBody>
+          <a:bodyPr lIns="0" rIns="0" tIns="0" bIns="0">
+            <a:normAutofit/>
+          </a:bodyPr>
+          <a:p>
+            <a:endParaRPr b="0" lang="en-US" sz="3200" spc="-1" strike="noStrike">
+              <a:latin typeface="Arial"/>
+            </a:endParaRPr>
+          </a:p>
+        </p:txBody>
+      </p:sp>
+    </p:spTree>
+  </p:cSld>
+</p:sldLayout>
+</file>
+
+<file path=ppt/slideLayouts/slideLayout65.xml><?xml version="1.0" encoding="utf-8"?>
+<p:sldLayout xmlns:a="http://schemas.openxmlformats.org/drawingml/2006/main" xmlns:p="http://schemas.openxmlformats.org/presentationml/2006/main" xmlns:r="http://schemas.openxmlformats.org/officeDocument/2006/relationships" xmlns:p14="http://schemas.microsoft.com/office/powerpoint/2010/main" xmlns:p15="http://schemas.microsoft.com/office/powerpoint/2012/main" xmlns:mc="http://schemas.openxmlformats.org/markup-compatibility/2006" type="titleOnly" preserve="1">
+  <p:cSld name="Title Only">
+    <p:spTree>
+      <p:nvGrpSpPr>
+        <p:cNvPr id="1" name=""/>
+        <p:cNvGrpSpPr/>
+        <p:nvPr/>
+      </p:nvGrpSpPr>
+      <p:grpSpPr>
+        <a:xfrm>
+          <a:off x="0" y="0"/>
+          <a:ext cx="0" cy="0"/>
+          <a:chOff x="0" y="0"/>
+          <a:chExt cx="0" cy="0"/>
+        </a:xfrm>
+      </p:grpSpPr>
+      <p:sp>
+        <p:nvSpPr>
+          <p:cNvPr id="199" name="PlaceHolder 1"/>
+          <p:cNvSpPr>
+            <a:spLocks noGrp="1"/>
+          </p:cNvSpPr>
+          <p:nvPr>
+            <p:ph type="title"/>
+          </p:nvPr>
+        </p:nvSpPr>
+        <p:spPr>
+          <a:xfrm>
+            <a:off x="486000" y="258480"/>
+            <a:ext cx="8742960" cy="1077120"/>
+          </a:xfrm>
+          <a:prstGeom prst="rect">
+            <a:avLst/>
+          </a:prstGeom>
+        </p:spPr>
+        <p:txBody>
+          <a:bodyPr lIns="0" rIns="0" tIns="0" bIns="0" anchor="ctr">
+            <a:noAutofit/>
+          </a:bodyPr>
+          <a:p>
+            <a:pPr algn="ctr"/>
+            <a:endParaRPr b="0" lang="en-US" sz="4400" spc="-1" strike="noStrike">
+              <a:latin typeface="Arial"/>
+            </a:endParaRPr>
+          </a:p>
+        </p:txBody>
+      </p:sp>
+    </p:spTree>
+  </p:cSld>
+</p:sldLayout>
+</file>
+
+<file path=ppt/slideLayouts/slideLayout66.xml><?xml version="1.0" encoding="utf-8"?>
+<p:sldLayout xmlns:a="http://schemas.openxmlformats.org/drawingml/2006/main" xmlns:p="http://schemas.openxmlformats.org/presentationml/2006/main" xmlns:r="http://schemas.openxmlformats.org/officeDocument/2006/relationships" xmlns:p14="http://schemas.microsoft.com/office/powerpoint/2010/main" xmlns:p15="http://schemas.microsoft.com/office/powerpoint/2012/main" xmlns:mc="http://schemas.openxmlformats.org/markup-compatibility/2006" type="objOnly" preserve="1">
+  <p:cSld name="Centered Text">
+    <p:spTree>
+      <p:nvGrpSpPr>
+        <p:cNvPr id="1" name=""/>
+        <p:cNvGrpSpPr/>
+        <p:nvPr/>
+      </p:nvGrpSpPr>
+      <p:grpSpPr>
+        <a:xfrm>
+          <a:off x="0" y="0"/>
+          <a:ext cx="0" cy="0"/>
+          <a:chOff x="0" y="0"/>
+          <a:chExt cx="0" cy="0"/>
+        </a:xfrm>
+      </p:grpSpPr>
+      <p:sp>
+        <p:nvSpPr>
+          <p:cNvPr id="200" name="PlaceHolder 1"/>
+          <p:cNvSpPr>
+            <a:spLocks noGrp="1"/>
+          </p:cNvSpPr>
+          <p:nvPr>
+            <p:ph type="subTitle"/>
+          </p:nvPr>
+        </p:nvSpPr>
+        <p:spPr>
+          <a:xfrm>
+            <a:off x="486000" y="258480"/>
+            <a:ext cx="8742960" cy="4994280"/>
+          </a:xfrm>
+          <a:prstGeom prst="rect">
+            <a:avLst/>
+          </a:prstGeom>
+        </p:spPr>
+        <p:txBody>
+          <a:bodyPr lIns="0" rIns="0" tIns="0" bIns="0" anchor="ctr">
+            <a:noAutofit/>
+          </a:bodyPr>
+          <a:p>
+            <a:pPr algn="ctr"/>
+            <a:endParaRPr b="0" lang="en-US" sz="3200" spc="-1" strike="noStrike">
+              <a:latin typeface="Arial"/>
+            </a:endParaRPr>
+          </a:p>
+        </p:txBody>
+      </p:sp>
+    </p:spTree>
+  </p:cSld>
+</p:sldLayout>
+</file>
+
+<file path=ppt/slideLayouts/slideLayout67.xml><?xml version="1.0" encoding="utf-8"?>
+<p:sldLayout xmlns:a="http://schemas.openxmlformats.org/drawingml/2006/main" xmlns:p="http://schemas.openxmlformats.org/presentationml/2006/main" xmlns:r="http://schemas.openxmlformats.org/officeDocument/2006/relationships" xmlns:p14="http://schemas.microsoft.com/office/powerpoint/2010/main" xmlns:p15="http://schemas.microsoft.com/office/powerpoint/2012/main" xmlns:mc="http://schemas.openxmlformats.org/markup-compatibility/2006" type="twoObjAndObj" preserve="1">
+  <p:cSld name="Title, 2 Content and Content">
+    <p:spTree>
+      <p:nvGrpSpPr>
+        <p:cNvPr id="1" name=""/>
+        <p:cNvGrpSpPr/>
+        <p:nvPr/>
+      </p:nvGrpSpPr>
+      <p:grpSpPr>
+        <a:xfrm>
+          <a:off x="0" y="0"/>
+          <a:ext cx="0" cy="0"/>
+          <a:chOff x="0" y="0"/>
+          <a:chExt cx="0" cy="0"/>
+        </a:xfrm>
+      </p:grpSpPr>
+      <p:sp>
+        <p:nvSpPr>
+          <p:cNvPr id="201" name="PlaceHolder 1"/>
+          <p:cNvSpPr>
+            <a:spLocks noGrp="1"/>
+          </p:cNvSpPr>
+          <p:nvPr>
+            <p:ph type="title"/>
+          </p:nvPr>
+        </p:nvSpPr>
+        <p:spPr>
+          <a:xfrm>
+            <a:off x="486000" y="258480"/>
+            <a:ext cx="8742960" cy="1077120"/>
+          </a:xfrm>
+          <a:prstGeom prst="rect">
+            <a:avLst/>
+          </a:prstGeom>
+        </p:spPr>
+        <p:txBody>
+          <a:bodyPr lIns="0" rIns="0" tIns="0" bIns="0" anchor="ctr">
+            <a:noAutofit/>
+          </a:bodyPr>
+          <a:p>
+            <a:pPr algn="ctr"/>
+            <a:endParaRPr b="0" lang="en-US" sz="4400" spc="-1" strike="noStrike">
+              <a:latin typeface="Arial"/>
+            </a:endParaRPr>
+          </a:p>
+        </p:txBody>
+      </p:sp>
+      <p:sp>
+        <p:nvSpPr>
+          <p:cNvPr id="202" name="PlaceHolder 2"/>
+          <p:cNvSpPr>
+            <a:spLocks noGrp="1"/>
+          </p:cNvSpPr>
+          <p:nvPr>
+            <p:ph type="body"/>
+          </p:nvPr>
+        </p:nvSpPr>
+        <p:spPr>
+          <a:xfrm>
+            <a:off x="486000" y="1516320"/>
+            <a:ext cx="4268520" cy="1792080"/>
+          </a:xfrm>
+          <a:prstGeom prst="rect">
+            <a:avLst/>
+          </a:prstGeom>
+        </p:spPr>
+        <p:txBody>
+          <a:bodyPr lIns="0" rIns="0" tIns="0" bIns="0">
+            <a:normAutofit/>
+          </a:bodyPr>
+          <a:p>
+            <a:endParaRPr b="0" lang="en-US" sz="3200" spc="-1" strike="noStrike">
+              <a:latin typeface="Arial"/>
+            </a:endParaRPr>
+          </a:p>
+        </p:txBody>
+      </p:sp>
+      <p:sp>
+        <p:nvSpPr>
+          <p:cNvPr id="203" name="PlaceHolder 3"/>
+          <p:cNvSpPr>
+            <a:spLocks noGrp="1"/>
+          </p:cNvSpPr>
+          <p:nvPr>
+            <p:ph type="body"/>
+          </p:nvPr>
+        </p:nvSpPr>
+        <p:spPr>
+          <a:xfrm>
+            <a:off x="4968360" y="1516320"/>
+            <a:ext cx="4268520" cy="3757680"/>
+          </a:xfrm>
+          <a:prstGeom prst="rect">
+            <a:avLst/>
+          </a:prstGeom>
+        </p:spPr>
+        <p:txBody>
+          <a:bodyPr lIns="0" rIns="0" tIns="0" bIns="0">
+            <a:normAutofit/>
+          </a:bodyPr>
+          <a:p>
+            <a:endParaRPr b="0" lang="en-US" sz="3200" spc="-1" strike="noStrike">
+              <a:latin typeface="Arial"/>
+            </a:endParaRPr>
+          </a:p>
+        </p:txBody>
+      </p:sp>
+      <p:sp>
+        <p:nvSpPr>
+          <p:cNvPr id="204" name="PlaceHolder 4"/>
+          <p:cNvSpPr>
+            <a:spLocks noGrp="1"/>
+          </p:cNvSpPr>
+          <p:nvPr>
+            <p:ph type="body"/>
+          </p:nvPr>
+        </p:nvSpPr>
+        <p:spPr>
+          <a:xfrm>
+            <a:off x="486000" y="3479040"/>
+            <a:ext cx="4268520" cy="1792080"/>
+          </a:xfrm>
+          <a:prstGeom prst="rect">
+            <a:avLst/>
+          </a:prstGeom>
+        </p:spPr>
+        <p:txBody>
+          <a:bodyPr lIns="0" rIns="0" tIns="0" bIns="0">
+            <a:normAutofit/>
+          </a:bodyPr>
+          <a:p>
+            <a:endParaRPr b="0" lang="en-US" sz="3200" spc="-1" strike="noStrike">
+              <a:latin typeface="Arial"/>
+            </a:endParaRPr>
+          </a:p>
+        </p:txBody>
+      </p:sp>
+    </p:spTree>
+  </p:cSld>
+</p:sldLayout>
+</file>
+
+<file path=ppt/slideLayouts/slideLayout68.xml><?xml version="1.0" encoding="utf-8"?>
+<p:sldLayout xmlns:a="http://schemas.openxmlformats.org/drawingml/2006/main" xmlns:p="http://schemas.openxmlformats.org/presentationml/2006/main" xmlns:r="http://schemas.openxmlformats.org/officeDocument/2006/relationships" xmlns:p14="http://schemas.microsoft.com/office/powerpoint/2010/main" xmlns:p15="http://schemas.microsoft.com/office/powerpoint/2012/main" xmlns:mc="http://schemas.openxmlformats.org/markup-compatibility/2006" type="objAndTwoObj" preserve="1">
+  <p:cSld name="Title Content and 2 Content">
+    <p:spTree>
+      <p:nvGrpSpPr>
+        <p:cNvPr id="1" name=""/>
+        <p:cNvGrpSpPr/>
+        <p:nvPr/>
+      </p:nvGrpSpPr>
+      <p:grpSpPr>
+        <a:xfrm>
+          <a:off x="0" y="0"/>
+          <a:ext cx="0" cy="0"/>
+          <a:chOff x="0" y="0"/>
+          <a:chExt cx="0" cy="0"/>
+        </a:xfrm>
+      </p:grpSpPr>
+      <p:sp>
+        <p:nvSpPr>
+          <p:cNvPr id="205" name="PlaceHolder 1"/>
+          <p:cNvSpPr>
+            <a:spLocks noGrp="1"/>
+          </p:cNvSpPr>
+          <p:nvPr>
+            <p:ph type="title"/>
+          </p:nvPr>
+        </p:nvSpPr>
+        <p:spPr>
+          <a:xfrm>
+            <a:off x="486000" y="258480"/>
+            <a:ext cx="8742960" cy="1077120"/>
+          </a:xfrm>
+          <a:prstGeom prst="rect">
+            <a:avLst/>
+          </a:prstGeom>
+        </p:spPr>
+        <p:txBody>
+          <a:bodyPr lIns="0" rIns="0" tIns="0" bIns="0" anchor="ctr">
+            <a:noAutofit/>
+          </a:bodyPr>
+          <a:p>
+            <a:pPr algn="ctr"/>
+            <a:endParaRPr b="0" lang="en-US" sz="4400" spc="-1" strike="noStrike">
+              <a:latin typeface="Arial"/>
+            </a:endParaRPr>
+          </a:p>
+        </p:txBody>
+      </p:sp>
+      <p:sp>
+        <p:nvSpPr>
+          <p:cNvPr id="206" name="PlaceHolder 2"/>
+          <p:cNvSpPr>
+            <a:spLocks noGrp="1"/>
+          </p:cNvSpPr>
+          <p:nvPr>
+            <p:ph type="body"/>
+          </p:nvPr>
+        </p:nvSpPr>
+        <p:spPr>
+          <a:xfrm>
+            <a:off x="486000" y="1516320"/>
+            <a:ext cx="4268520" cy="3757680"/>
+          </a:xfrm>
+          <a:prstGeom prst="rect">
+            <a:avLst/>
+          </a:prstGeom>
+        </p:spPr>
+        <p:txBody>
+          <a:bodyPr lIns="0" rIns="0" tIns="0" bIns="0">
+            <a:normAutofit/>
+          </a:bodyPr>
+          <a:p>
+            <a:endParaRPr b="0" lang="en-US" sz="3200" spc="-1" strike="noStrike">
+              <a:latin typeface="Arial"/>
+            </a:endParaRPr>
+          </a:p>
+        </p:txBody>
+      </p:sp>
+      <p:sp>
+        <p:nvSpPr>
+          <p:cNvPr id="207" name="PlaceHolder 3"/>
+          <p:cNvSpPr>
+            <a:spLocks noGrp="1"/>
+          </p:cNvSpPr>
+          <p:nvPr>
+            <p:ph type="body"/>
+          </p:nvPr>
+        </p:nvSpPr>
+        <p:spPr>
+          <a:xfrm>
+            <a:off x="4968360" y="1516320"/>
+            <a:ext cx="4268520" cy="1792080"/>
+          </a:xfrm>
+          <a:prstGeom prst="rect">
+            <a:avLst/>
+          </a:prstGeom>
+        </p:spPr>
+        <p:txBody>
+          <a:bodyPr lIns="0" rIns="0" tIns="0" bIns="0">
+            <a:normAutofit/>
+          </a:bodyPr>
+          <a:p>
+            <a:endParaRPr b="0" lang="en-US" sz="3200" spc="-1" strike="noStrike">
+              <a:latin typeface="Arial"/>
+            </a:endParaRPr>
+          </a:p>
+        </p:txBody>
+      </p:sp>
+      <p:sp>
+        <p:nvSpPr>
+          <p:cNvPr id="208" name="PlaceHolder 4"/>
+          <p:cNvSpPr>
+            <a:spLocks noGrp="1"/>
+          </p:cNvSpPr>
+          <p:nvPr>
+            <p:ph type="body"/>
+          </p:nvPr>
+        </p:nvSpPr>
+        <p:spPr>
+          <a:xfrm>
+            <a:off x="4968360" y="3479040"/>
+            <a:ext cx="4268520" cy="1792080"/>
+          </a:xfrm>
+          <a:prstGeom prst="rect">
+            <a:avLst/>
+          </a:prstGeom>
+        </p:spPr>
+        <p:txBody>
+          <a:bodyPr lIns="0" rIns="0" tIns="0" bIns="0">
+            <a:normAutofit/>
+          </a:bodyPr>
+          <a:p>
+            <a:endParaRPr b="0" lang="en-US" sz="3200" spc="-1" strike="noStrike">
+              <a:latin typeface="Arial"/>
+            </a:endParaRPr>
+          </a:p>
+        </p:txBody>
+      </p:sp>
+    </p:spTree>
+  </p:cSld>
+</p:sldLayout>
+</file>
+
+<file path=ppt/slideLayouts/slideLayout69.xml><?xml version="1.0" encoding="utf-8"?>
+<p:sldLayout xmlns:a="http://schemas.openxmlformats.org/drawingml/2006/main" xmlns:p="http://schemas.openxmlformats.org/presentationml/2006/main" xmlns:r="http://schemas.openxmlformats.org/officeDocument/2006/relationships" xmlns:p14="http://schemas.microsoft.com/office/powerpoint/2010/main" xmlns:p15="http://schemas.microsoft.com/office/powerpoint/2012/main" xmlns:mc="http://schemas.openxmlformats.org/markup-compatibility/2006" type="twoObjOverTx" preserve="1">
+  <p:cSld name="Title, 2 Content over Content">
+    <p:spTree>
+      <p:nvGrpSpPr>
+        <p:cNvPr id="1" name=""/>
+        <p:cNvGrpSpPr/>
+        <p:nvPr/>
+      </p:nvGrpSpPr>
+      <p:grpSpPr>
+        <a:xfrm>
+          <a:off x="0" y="0"/>
+          <a:ext cx="0" cy="0"/>
+          <a:chOff x="0" y="0"/>
+          <a:chExt cx="0" cy="0"/>
+        </a:xfrm>
+      </p:grpSpPr>
+      <p:sp>
+        <p:nvSpPr>
+          <p:cNvPr id="209" name="PlaceHolder 1"/>
+          <p:cNvSpPr>
+            <a:spLocks noGrp="1"/>
+          </p:cNvSpPr>
+          <p:nvPr>
+            <p:ph type="title"/>
+          </p:nvPr>
+        </p:nvSpPr>
+        <p:spPr>
+          <a:xfrm>
+            <a:off x="486000" y="258480"/>
+            <a:ext cx="8742960" cy="1077120"/>
+          </a:xfrm>
+          <a:prstGeom prst="rect">
+            <a:avLst/>
+          </a:prstGeom>
+        </p:spPr>
+        <p:txBody>
+          <a:bodyPr lIns="0" rIns="0" tIns="0" bIns="0" anchor="ctr">
+            <a:noAutofit/>
+          </a:bodyPr>
+          <a:p>
+            <a:pPr algn="ctr"/>
+            <a:endParaRPr b="0" lang="en-US" sz="4400" spc="-1" strike="noStrike">
+              <a:latin typeface="Arial"/>
+            </a:endParaRPr>
+          </a:p>
+        </p:txBody>
+      </p:sp>
+      <p:sp>
+        <p:nvSpPr>
+          <p:cNvPr id="210" name="PlaceHolder 2"/>
+          <p:cNvSpPr>
+            <a:spLocks noGrp="1"/>
+          </p:cNvSpPr>
+          <p:nvPr>
+            <p:ph type="body"/>
+          </p:nvPr>
+        </p:nvSpPr>
+        <p:spPr>
+          <a:xfrm>
+            <a:off x="486000" y="1516320"/>
+            <a:ext cx="4268520" cy="1792080"/>
+          </a:xfrm>
+          <a:prstGeom prst="rect">
+            <a:avLst/>
+          </a:prstGeom>
+        </p:spPr>
+        <p:txBody>
+          <a:bodyPr lIns="0" rIns="0" tIns="0" bIns="0">
+            <a:normAutofit/>
+          </a:bodyPr>
+          <a:p>
+            <a:endParaRPr b="0" lang="en-US" sz="3200" spc="-1" strike="noStrike">
+              <a:latin typeface="Arial"/>
+            </a:endParaRPr>
+          </a:p>
+        </p:txBody>
+      </p:sp>
+      <p:sp>
+        <p:nvSpPr>
+          <p:cNvPr id="211" name="PlaceHolder 3"/>
+          <p:cNvSpPr>
+            <a:spLocks noGrp="1"/>
+          </p:cNvSpPr>
+          <p:nvPr>
+            <p:ph type="body"/>
+          </p:nvPr>
+        </p:nvSpPr>
+        <p:spPr>
+          <a:xfrm>
+            <a:off x="4968360" y="1516320"/>
+            <a:ext cx="4268520" cy="1792080"/>
+          </a:xfrm>
+          <a:prstGeom prst="rect">
+            <a:avLst/>
+          </a:prstGeom>
+        </p:spPr>
+        <p:txBody>
+          <a:bodyPr lIns="0" rIns="0" tIns="0" bIns="0">
+            <a:normAutofit/>
+          </a:bodyPr>
+          <a:p>
+            <a:endParaRPr b="0" lang="en-US" sz="3200" spc="-1" strike="noStrike">
+              <a:latin typeface="Arial"/>
+            </a:endParaRPr>
+          </a:p>
+        </p:txBody>
+      </p:sp>
+      <p:sp>
+        <p:nvSpPr>
+          <p:cNvPr id="212" name="PlaceHolder 4"/>
+          <p:cNvSpPr>
+            <a:spLocks noGrp="1"/>
+          </p:cNvSpPr>
+          <p:nvPr>
+            <p:ph type="body"/>
+          </p:nvPr>
+        </p:nvSpPr>
+        <p:spPr>
+          <a:xfrm>
+            <a:off x="486000" y="3479040"/>
+            <a:ext cx="8747280" cy="1792080"/>
           </a:xfrm>
           <a:prstGeom prst="rect">
             <a:avLst/>
@@ -6407,7 +7246,7 @@
         <p:spPr>
           <a:xfrm>
             <a:off x="486000" y="258480"/>
-            <a:ext cx="8743680" cy="1077840"/>
+            <a:ext cx="8742960" cy="1077120"/>
           </a:xfrm>
           <a:prstGeom prst="rect">
             <a:avLst/>
@@ -6438,7 +7277,7 @@
         <p:spPr>
           <a:xfrm>
             <a:off x="486000" y="1516320"/>
-            <a:ext cx="4268520" cy="1792440"/>
+            <a:ext cx="4268520" cy="1792080"/>
           </a:xfrm>
           <a:prstGeom prst="rect">
             <a:avLst/>
@@ -6468,7 +7307,7 @@
         <p:spPr>
           <a:xfrm>
             <a:off x="4968360" y="1516320"/>
-            <a:ext cx="4268520" cy="3758040"/>
+            <a:ext cx="4268520" cy="3757680"/>
           </a:xfrm>
           <a:prstGeom prst="rect">
             <a:avLst/>
@@ -6497,8 +7336,527 @@
         </p:nvSpPr>
         <p:spPr>
           <a:xfrm>
-            <a:off x="486000" y="3479400"/>
-            <a:ext cx="4268520" cy="1792440"/>
+            <a:off x="486000" y="3479040"/>
+            <a:ext cx="4268520" cy="1792080"/>
+          </a:xfrm>
+          <a:prstGeom prst="rect">
+            <a:avLst/>
+          </a:prstGeom>
+        </p:spPr>
+        <p:txBody>
+          <a:bodyPr lIns="0" rIns="0" tIns="0" bIns="0">
+            <a:normAutofit/>
+          </a:bodyPr>
+          <a:p>
+            <a:endParaRPr b="0" lang="en-US" sz="3200" spc="-1" strike="noStrike">
+              <a:latin typeface="Arial"/>
+            </a:endParaRPr>
+          </a:p>
+        </p:txBody>
+      </p:sp>
+    </p:spTree>
+  </p:cSld>
+</p:sldLayout>
+</file>
+
+<file path=ppt/slideLayouts/slideLayout70.xml><?xml version="1.0" encoding="utf-8"?>
+<p:sldLayout xmlns:a="http://schemas.openxmlformats.org/drawingml/2006/main" xmlns:p="http://schemas.openxmlformats.org/presentationml/2006/main" xmlns:r="http://schemas.openxmlformats.org/officeDocument/2006/relationships" xmlns:p14="http://schemas.microsoft.com/office/powerpoint/2010/main" xmlns:p15="http://schemas.microsoft.com/office/powerpoint/2012/main" xmlns:mc="http://schemas.openxmlformats.org/markup-compatibility/2006" type="objOverTx" preserve="1">
+  <p:cSld name="Title, Content over Content">
+    <p:spTree>
+      <p:nvGrpSpPr>
+        <p:cNvPr id="1" name=""/>
+        <p:cNvGrpSpPr/>
+        <p:nvPr/>
+      </p:nvGrpSpPr>
+      <p:grpSpPr>
+        <a:xfrm>
+          <a:off x="0" y="0"/>
+          <a:ext cx="0" cy="0"/>
+          <a:chOff x="0" y="0"/>
+          <a:chExt cx="0" cy="0"/>
+        </a:xfrm>
+      </p:grpSpPr>
+      <p:sp>
+        <p:nvSpPr>
+          <p:cNvPr id="213" name="PlaceHolder 1"/>
+          <p:cNvSpPr>
+            <a:spLocks noGrp="1"/>
+          </p:cNvSpPr>
+          <p:nvPr>
+            <p:ph type="title"/>
+          </p:nvPr>
+        </p:nvSpPr>
+        <p:spPr>
+          <a:xfrm>
+            <a:off x="486000" y="258480"/>
+            <a:ext cx="8742960" cy="1077120"/>
+          </a:xfrm>
+          <a:prstGeom prst="rect">
+            <a:avLst/>
+          </a:prstGeom>
+        </p:spPr>
+        <p:txBody>
+          <a:bodyPr lIns="0" rIns="0" tIns="0" bIns="0" anchor="ctr">
+            <a:noAutofit/>
+          </a:bodyPr>
+          <a:p>
+            <a:pPr algn="ctr"/>
+            <a:endParaRPr b="0" lang="en-US" sz="4400" spc="-1" strike="noStrike">
+              <a:latin typeface="Arial"/>
+            </a:endParaRPr>
+          </a:p>
+        </p:txBody>
+      </p:sp>
+      <p:sp>
+        <p:nvSpPr>
+          <p:cNvPr id="214" name="PlaceHolder 2"/>
+          <p:cNvSpPr>
+            <a:spLocks noGrp="1"/>
+          </p:cNvSpPr>
+          <p:nvPr>
+            <p:ph type="body"/>
+          </p:nvPr>
+        </p:nvSpPr>
+        <p:spPr>
+          <a:xfrm>
+            <a:off x="486000" y="1516320"/>
+            <a:ext cx="8747280" cy="1792080"/>
+          </a:xfrm>
+          <a:prstGeom prst="rect">
+            <a:avLst/>
+          </a:prstGeom>
+        </p:spPr>
+        <p:txBody>
+          <a:bodyPr lIns="0" rIns="0" tIns="0" bIns="0">
+            <a:normAutofit/>
+          </a:bodyPr>
+          <a:p>
+            <a:endParaRPr b="0" lang="en-US" sz="3200" spc="-1" strike="noStrike">
+              <a:latin typeface="Arial"/>
+            </a:endParaRPr>
+          </a:p>
+        </p:txBody>
+      </p:sp>
+      <p:sp>
+        <p:nvSpPr>
+          <p:cNvPr id="215" name="PlaceHolder 3"/>
+          <p:cNvSpPr>
+            <a:spLocks noGrp="1"/>
+          </p:cNvSpPr>
+          <p:nvPr>
+            <p:ph type="body"/>
+          </p:nvPr>
+        </p:nvSpPr>
+        <p:spPr>
+          <a:xfrm>
+            <a:off x="486000" y="3479040"/>
+            <a:ext cx="8747280" cy="1792080"/>
+          </a:xfrm>
+          <a:prstGeom prst="rect">
+            <a:avLst/>
+          </a:prstGeom>
+        </p:spPr>
+        <p:txBody>
+          <a:bodyPr lIns="0" rIns="0" tIns="0" bIns="0">
+            <a:normAutofit/>
+          </a:bodyPr>
+          <a:p>
+            <a:endParaRPr b="0" lang="en-US" sz="3200" spc="-1" strike="noStrike">
+              <a:latin typeface="Arial"/>
+            </a:endParaRPr>
+          </a:p>
+        </p:txBody>
+      </p:sp>
+    </p:spTree>
+  </p:cSld>
+</p:sldLayout>
+</file>
+
+<file path=ppt/slideLayouts/slideLayout71.xml><?xml version="1.0" encoding="utf-8"?>
+<p:sldLayout xmlns:a="http://schemas.openxmlformats.org/drawingml/2006/main" xmlns:p="http://schemas.openxmlformats.org/presentationml/2006/main" xmlns:r="http://schemas.openxmlformats.org/officeDocument/2006/relationships" xmlns:p14="http://schemas.microsoft.com/office/powerpoint/2010/main" xmlns:p15="http://schemas.microsoft.com/office/powerpoint/2012/main" xmlns:mc="http://schemas.openxmlformats.org/markup-compatibility/2006" type="fourObj" preserve="1">
+  <p:cSld name="Title, 4 Content">
+    <p:spTree>
+      <p:nvGrpSpPr>
+        <p:cNvPr id="1" name=""/>
+        <p:cNvGrpSpPr/>
+        <p:nvPr/>
+      </p:nvGrpSpPr>
+      <p:grpSpPr>
+        <a:xfrm>
+          <a:off x="0" y="0"/>
+          <a:ext cx="0" cy="0"/>
+          <a:chOff x="0" y="0"/>
+          <a:chExt cx="0" cy="0"/>
+        </a:xfrm>
+      </p:grpSpPr>
+      <p:sp>
+        <p:nvSpPr>
+          <p:cNvPr id="216" name="PlaceHolder 1"/>
+          <p:cNvSpPr>
+            <a:spLocks noGrp="1"/>
+          </p:cNvSpPr>
+          <p:nvPr>
+            <p:ph type="title"/>
+          </p:nvPr>
+        </p:nvSpPr>
+        <p:spPr>
+          <a:xfrm>
+            <a:off x="486000" y="258480"/>
+            <a:ext cx="8742960" cy="1077120"/>
+          </a:xfrm>
+          <a:prstGeom prst="rect">
+            <a:avLst/>
+          </a:prstGeom>
+        </p:spPr>
+        <p:txBody>
+          <a:bodyPr lIns="0" rIns="0" tIns="0" bIns="0" anchor="ctr">
+            <a:noAutofit/>
+          </a:bodyPr>
+          <a:p>
+            <a:pPr algn="ctr"/>
+            <a:endParaRPr b="0" lang="en-US" sz="4400" spc="-1" strike="noStrike">
+              <a:latin typeface="Arial"/>
+            </a:endParaRPr>
+          </a:p>
+        </p:txBody>
+      </p:sp>
+      <p:sp>
+        <p:nvSpPr>
+          <p:cNvPr id="217" name="PlaceHolder 2"/>
+          <p:cNvSpPr>
+            <a:spLocks noGrp="1"/>
+          </p:cNvSpPr>
+          <p:nvPr>
+            <p:ph type="body"/>
+          </p:nvPr>
+        </p:nvSpPr>
+        <p:spPr>
+          <a:xfrm>
+            <a:off x="486000" y="1516320"/>
+            <a:ext cx="4268520" cy="1792080"/>
+          </a:xfrm>
+          <a:prstGeom prst="rect">
+            <a:avLst/>
+          </a:prstGeom>
+        </p:spPr>
+        <p:txBody>
+          <a:bodyPr lIns="0" rIns="0" tIns="0" bIns="0">
+            <a:normAutofit/>
+          </a:bodyPr>
+          <a:p>
+            <a:endParaRPr b="0" lang="en-US" sz="3200" spc="-1" strike="noStrike">
+              <a:latin typeface="Arial"/>
+            </a:endParaRPr>
+          </a:p>
+        </p:txBody>
+      </p:sp>
+      <p:sp>
+        <p:nvSpPr>
+          <p:cNvPr id="218" name="PlaceHolder 3"/>
+          <p:cNvSpPr>
+            <a:spLocks noGrp="1"/>
+          </p:cNvSpPr>
+          <p:nvPr>
+            <p:ph type="body"/>
+          </p:nvPr>
+        </p:nvSpPr>
+        <p:spPr>
+          <a:xfrm>
+            <a:off x="4968360" y="1516320"/>
+            <a:ext cx="4268520" cy="1792080"/>
+          </a:xfrm>
+          <a:prstGeom prst="rect">
+            <a:avLst/>
+          </a:prstGeom>
+        </p:spPr>
+        <p:txBody>
+          <a:bodyPr lIns="0" rIns="0" tIns="0" bIns="0">
+            <a:normAutofit/>
+          </a:bodyPr>
+          <a:p>
+            <a:endParaRPr b="0" lang="en-US" sz="3200" spc="-1" strike="noStrike">
+              <a:latin typeface="Arial"/>
+            </a:endParaRPr>
+          </a:p>
+        </p:txBody>
+      </p:sp>
+      <p:sp>
+        <p:nvSpPr>
+          <p:cNvPr id="219" name="PlaceHolder 4"/>
+          <p:cNvSpPr>
+            <a:spLocks noGrp="1"/>
+          </p:cNvSpPr>
+          <p:nvPr>
+            <p:ph type="body"/>
+          </p:nvPr>
+        </p:nvSpPr>
+        <p:spPr>
+          <a:xfrm>
+            <a:off x="486000" y="3479040"/>
+            <a:ext cx="4268520" cy="1792080"/>
+          </a:xfrm>
+          <a:prstGeom prst="rect">
+            <a:avLst/>
+          </a:prstGeom>
+        </p:spPr>
+        <p:txBody>
+          <a:bodyPr lIns="0" rIns="0" tIns="0" bIns="0">
+            <a:normAutofit/>
+          </a:bodyPr>
+          <a:p>
+            <a:endParaRPr b="0" lang="en-US" sz="3200" spc="-1" strike="noStrike">
+              <a:latin typeface="Arial"/>
+            </a:endParaRPr>
+          </a:p>
+        </p:txBody>
+      </p:sp>
+      <p:sp>
+        <p:nvSpPr>
+          <p:cNvPr id="220" name="PlaceHolder 5"/>
+          <p:cNvSpPr>
+            <a:spLocks noGrp="1"/>
+          </p:cNvSpPr>
+          <p:nvPr>
+            <p:ph type="body"/>
+          </p:nvPr>
+        </p:nvSpPr>
+        <p:spPr>
+          <a:xfrm>
+            <a:off x="4968360" y="3479040"/>
+            <a:ext cx="4268520" cy="1792080"/>
+          </a:xfrm>
+          <a:prstGeom prst="rect">
+            <a:avLst/>
+          </a:prstGeom>
+        </p:spPr>
+        <p:txBody>
+          <a:bodyPr lIns="0" rIns="0" tIns="0" bIns="0">
+            <a:normAutofit/>
+          </a:bodyPr>
+          <a:p>
+            <a:endParaRPr b="0" lang="en-US" sz="3200" spc="-1" strike="noStrike">
+              <a:latin typeface="Arial"/>
+            </a:endParaRPr>
+          </a:p>
+        </p:txBody>
+      </p:sp>
+    </p:spTree>
+  </p:cSld>
+</p:sldLayout>
+</file>
+
+<file path=ppt/slideLayouts/slideLayout72.xml><?xml version="1.0" encoding="utf-8"?>
+<p:sldLayout xmlns:a="http://schemas.openxmlformats.org/drawingml/2006/main" xmlns:p="http://schemas.openxmlformats.org/presentationml/2006/main" xmlns:r="http://schemas.openxmlformats.org/officeDocument/2006/relationships" xmlns:p14="http://schemas.microsoft.com/office/powerpoint/2010/main" xmlns:p15="http://schemas.microsoft.com/office/powerpoint/2012/main" xmlns:mc="http://schemas.openxmlformats.org/markup-compatibility/2006" type="blank" preserve="1">
+  <p:cSld name="Title, 6 Content">
+    <p:spTree>
+      <p:nvGrpSpPr>
+        <p:cNvPr id="1" name=""/>
+        <p:cNvGrpSpPr/>
+        <p:nvPr/>
+      </p:nvGrpSpPr>
+      <p:grpSpPr>
+        <a:xfrm>
+          <a:off x="0" y="0"/>
+          <a:ext cx="0" cy="0"/>
+          <a:chOff x="0" y="0"/>
+          <a:chExt cx="0" cy="0"/>
+        </a:xfrm>
+      </p:grpSpPr>
+      <p:sp>
+        <p:nvSpPr>
+          <p:cNvPr id="221" name="PlaceHolder 1"/>
+          <p:cNvSpPr>
+            <a:spLocks noGrp="1"/>
+          </p:cNvSpPr>
+          <p:nvPr>
+            <p:ph type="title"/>
+          </p:nvPr>
+        </p:nvSpPr>
+        <p:spPr>
+          <a:xfrm>
+            <a:off x="486000" y="258480"/>
+            <a:ext cx="8742960" cy="1077120"/>
+          </a:xfrm>
+          <a:prstGeom prst="rect">
+            <a:avLst/>
+          </a:prstGeom>
+        </p:spPr>
+        <p:txBody>
+          <a:bodyPr lIns="0" rIns="0" tIns="0" bIns="0" anchor="ctr">
+            <a:noAutofit/>
+          </a:bodyPr>
+          <a:p>
+            <a:pPr algn="ctr"/>
+            <a:endParaRPr b="0" lang="en-US" sz="4400" spc="-1" strike="noStrike">
+              <a:latin typeface="Arial"/>
+            </a:endParaRPr>
+          </a:p>
+        </p:txBody>
+      </p:sp>
+      <p:sp>
+        <p:nvSpPr>
+          <p:cNvPr id="222" name="PlaceHolder 2"/>
+          <p:cNvSpPr>
+            <a:spLocks noGrp="1"/>
+          </p:cNvSpPr>
+          <p:nvPr>
+            <p:ph type="body"/>
+          </p:nvPr>
+        </p:nvSpPr>
+        <p:spPr>
+          <a:xfrm>
+            <a:off x="486000" y="1516320"/>
+            <a:ext cx="2816280" cy="1792080"/>
+          </a:xfrm>
+          <a:prstGeom prst="rect">
+            <a:avLst/>
+          </a:prstGeom>
+        </p:spPr>
+        <p:txBody>
+          <a:bodyPr lIns="0" rIns="0" tIns="0" bIns="0">
+            <a:normAutofit/>
+          </a:bodyPr>
+          <a:p>
+            <a:endParaRPr b="0" lang="en-US" sz="3200" spc="-1" strike="noStrike">
+              <a:latin typeface="Arial"/>
+            </a:endParaRPr>
+          </a:p>
+        </p:txBody>
+      </p:sp>
+      <p:sp>
+        <p:nvSpPr>
+          <p:cNvPr id="223" name="PlaceHolder 3"/>
+          <p:cNvSpPr>
+            <a:spLocks noGrp="1"/>
+          </p:cNvSpPr>
+          <p:nvPr>
+            <p:ph type="body"/>
+          </p:nvPr>
+        </p:nvSpPr>
+        <p:spPr>
+          <a:xfrm>
+            <a:off x="3443400" y="1516320"/>
+            <a:ext cx="2816280" cy="1792080"/>
+          </a:xfrm>
+          <a:prstGeom prst="rect">
+            <a:avLst/>
+          </a:prstGeom>
+        </p:spPr>
+        <p:txBody>
+          <a:bodyPr lIns="0" rIns="0" tIns="0" bIns="0">
+            <a:normAutofit/>
+          </a:bodyPr>
+          <a:p>
+            <a:endParaRPr b="0" lang="en-US" sz="3200" spc="-1" strike="noStrike">
+              <a:latin typeface="Arial"/>
+            </a:endParaRPr>
+          </a:p>
+        </p:txBody>
+      </p:sp>
+      <p:sp>
+        <p:nvSpPr>
+          <p:cNvPr id="224" name="PlaceHolder 4"/>
+          <p:cNvSpPr>
+            <a:spLocks noGrp="1"/>
+          </p:cNvSpPr>
+          <p:nvPr>
+            <p:ph type="body"/>
+          </p:nvPr>
+        </p:nvSpPr>
+        <p:spPr>
+          <a:xfrm>
+            <a:off x="6400800" y="1516320"/>
+            <a:ext cx="2816280" cy="1792080"/>
+          </a:xfrm>
+          <a:prstGeom prst="rect">
+            <a:avLst/>
+          </a:prstGeom>
+        </p:spPr>
+        <p:txBody>
+          <a:bodyPr lIns="0" rIns="0" tIns="0" bIns="0">
+            <a:normAutofit/>
+          </a:bodyPr>
+          <a:p>
+            <a:endParaRPr b="0" lang="en-US" sz="3200" spc="-1" strike="noStrike">
+              <a:latin typeface="Arial"/>
+            </a:endParaRPr>
+          </a:p>
+        </p:txBody>
+      </p:sp>
+      <p:sp>
+        <p:nvSpPr>
+          <p:cNvPr id="225" name="PlaceHolder 5"/>
+          <p:cNvSpPr>
+            <a:spLocks noGrp="1"/>
+          </p:cNvSpPr>
+          <p:nvPr>
+            <p:ph type="body"/>
+          </p:nvPr>
+        </p:nvSpPr>
+        <p:spPr>
+          <a:xfrm>
+            <a:off x="486000" y="3479040"/>
+            <a:ext cx="2816280" cy="1792080"/>
+          </a:xfrm>
+          <a:prstGeom prst="rect">
+            <a:avLst/>
+          </a:prstGeom>
+        </p:spPr>
+        <p:txBody>
+          <a:bodyPr lIns="0" rIns="0" tIns="0" bIns="0">
+            <a:normAutofit/>
+          </a:bodyPr>
+          <a:p>
+            <a:endParaRPr b="0" lang="en-US" sz="3200" spc="-1" strike="noStrike">
+              <a:latin typeface="Arial"/>
+            </a:endParaRPr>
+          </a:p>
+        </p:txBody>
+      </p:sp>
+      <p:sp>
+        <p:nvSpPr>
+          <p:cNvPr id="226" name="PlaceHolder 6"/>
+          <p:cNvSpPr>
+            <a:spLocks noGrp="1"/>
+          </p:cNvSpPr>
+          <p:nvPr>
+            <p:ph type="body"/>
+          </p:nvPr>
+        </p:nvSpPr>
+        <p:spPr>
+          <a:xfrm>
+            <a:off x="3443400" y="3479040"/>
+            <a:ext cx="2816280" cy="1792080"/>
+          </a:xfrm>
+          <a:prstGeom prst="rect">
+            <a:avLst/>
+          </a:prstGeom>
+        </p:spPr>
+        <p:txBody>
+          <a:bodyPr lIns="0" rIns="0" tIns="0" bIns="0">
+            <a:normAutofit/>
+          </a:bodyPr>
+          <a:p>
+            <a:endParaRPr b="0" lang="en-US" sz="3200" spc="-1" strike="noStrike">
+              <a:latin typeface="Arial"/>
+            </a:endParaRPr>
+          </a:p>
+        </p:txBody>
+      </p:sp>
+      <p:sp>
+        <p:nvSpPr>
+          <p:cNvPr id="227" name="PlaceHolder 7"/>
+          <p:cNvSpPr>
+            <a:spLocks noGrp="1"/>
+          </p:cNvSpPr>
+          <p:nvPr>
+            <p:ph type="body"/>
+          </p:nvPr>
+        </p:nvSpPr>
+        <p:spPr>
+          <a:xfrm>
+            <a:off x="6400800" y="3479040"/>
+            <a:ext cx="2816280" cy="1792080"/>
           </a:xfrm>
           <a:prstGeom prst="rect">
             <a:avLst/>
@@ -6550,7 +7908,7 @@
         <p:spPr>
           <a:xfrm>
             <a:off x="486000" y="258480"/>
-            <a:ext cx="8743680" cy="1077840"/>
+            <a:ext cx="8742960" cy="1077120"/>
           </a:xfrm>
           <a:prstGeom prst="rect">
             <a:avLst/>
@@ -6581,7 +7939,7 @@
         <p:spPr>
           <a:xfrm>
             <a:off x="486000" y="1516320"/>
-            <a:ext cx="4268520" cy="3758040"/>
+            <a:ext cx="4268520" cy="3757680"/>
           </a:xfrm>
           <a:prstGeom prst="rect">
             <a:avLst/>
@@ -6611,7 +7969,7 @@
         <p:spPr>
           <a:xfrm>
             <a:off x="4968360" y="1516320"/>
-            <a:ext cx="4268520" cy="1792440"/>
+            <a:ext cx="4268520" cy="1792080"/>
           </a:xfrm>
           <a:prstGeom prst="rect">
             <a:avLst/>
@@ -6640,8 +7998,8 @@
         </p:nvSpPr>
         <p:spPr>
           <a:xfrm>
-            <a:off x="4968360" y="3479400"/>
-            <a:ext cx="4268520" cy="1792440"/>
+            <a:off x="4968360" y="3479040"/>
+            <a:ext cx="4268520" cy="1792080"/>
           </a:xfrm>
           <a:prstGeom prst="rect">
             <a:avLst/>
@@ -6693,7 +8051,7 @@
         <p:spPr>
           <a:xfrm>
             <a:off x="486000" y="258480"/>
-            <a:ext cx="8743680" cy="1077840"/>
+            <a:ext cx="8742960" cy="1077120"/>
           </a:xfrm>
           <a:prstGeom prst="rect">
             <a:avLst/>
@@ -6724,7 +8082,7 @@
         <p:spPr>
           <a:xfrm>
             <a:off x="486000" y="1516320"/>
-            <a:ext cx="4268520" cy="1792440"/>
+            <a:ext cx="4268520" cy="1792080"/>
           </a:xfrm>
           <a:prstGeom prst="rect">
             <a:avLst/>
@@ -6754,7 +8112,7 @@
         <p:spPr>
           <a:xfrm>
             <a:off x="4968360" y="1516320"/>
-            <a:ext cx="4268520" cy="1792440"/>
+            <a:ext cx="4268520" cy="1792080"/>
           </a:xfrm>
           <a:prstGeom prst="rect">
             <a:avLst/>
@@ -6783,8 +8141,8 @@
         </p:nvSpPr>
         <p:spPr>
           <a:xfrm>
-            <a:off x="486000" y="3479400"/>
-            <a:ext cx="8747640" cy="1792440"/>
+            <a:off x="486000" y="3479040"/>
+            <a:ext cx="8747280" cy="1792080"/>
           </a:xfrm>
           <a:prstGeom prst="rect">
             <a:avLst/>
@@ -6836,7 +8194,7 @@
         <p:spPr>
           <a:xfrm>
             <a:off x="486000" y="258480"/>
-            <a:ext cx="8743680" cy="1077840"/>
+            <a:ext cx="8742960" cy="1077120"/>
           </a:xfrm>
           <a:prstGeom prst="rect">
             <a:avLst/>
@@ -7341,7 +8699,7 @@
         <p:spPr>
           <a:xfrm>
             <a:off x="486000" y="258480"/>
-            <a:ext cx="8743680" cy="1077840"/>
+            <a:ext cx="8742960" cy="1077120"/>
           </a:xfrm>
           <a:prstGeom prst="rect">
             <a:avLst/>
@@ -8069,6 +9427,258 @@
 </p:sldMaster>
 </file>
 
+<file path=ppt/slideMasters/slideMaster6.xml><?xml version="1.0" encoding="utf-8"?>
+<p:sldMaster xmlns:a="http://schemas.openxmlformats.org/drawingml/2006/main" xmlns:p="http://schemas.openxmlformats.org/presentationml/2006/main" xmlns:r="http://schemas.openxmlformats.org/officeDocument/2006/relationships" xmlns:p14="http://schemas.microsoft.com/office/powerpoint/2010/main" xmlns:p15="http://schemas.microsoft.com/office/powerpoint/2012/main" xmlns:mc="http://schemas.openxmlformats.org/markup-compatibility/2006">
+  <p:cSld>
+    <p:spTree>
+      <p:nvGrpSpPr>
+        <p:cNvPr id="1" name=""/>
+        <p:cNvGrpSpPr/>
+        <p:nvPr/>
+      </p:nvGrpSpPr>
+      <p:grpSpPr>
+        <a:xfrm>
+          <a:off x="0" y="0"/>
+          <a:ext cx="0" cy="0"/>
+          <a:chOff x="0" y="0"/>
+          <a:chExt cx="0" cy="0"/>
+        </a:xfrm>
+      </p:grpSpPr>
+      <p:sp>
+        <p:nvSpPr>
+          <p:cNvPr id="190" name="PlaceHolder 1"/>
+          <p:cNvSpPr>
+            <a:spLocks noGrp="1"/>
+          </p:cNvSpPr>
+          <p:nvPr>
+            <p:ph type="title"/>
+          </p:nvPr>
+        </p:nvSpPr>
+        <p:spPr>
+          <a:xfrm>
+            <a:off x="486000" y="258480"/>
+            <a:ext cx="8742960" cy="1077120"/>
+          </a:xfrm>
+          <a:prstGeom prst="rect">
+            <a:avLst/>
+          </a:prstGeom>
+        </p:spPr>
+        <p:txBody>
+          <a:bodyPr lIns="0" rIns="0" tIns="0" bIns="0" anchor="ctr">
+            <a:noAutofit/>
+          </a:bodyPr>
+          <a:p>
+            <a:r>
+              <a:rPr b="0" lang="en-US" sz="1800" spc="-1" strike="noStrike">
+                <a:latin typeface="Arial"/>
+              </a:rPr>
+              <a:t>Click to edit the title text format</a:t>
+            </a:r>
+            <a:endParaRPr b="0" lang="en-US" sz="1800" spc="-1" strike="noStrike">
+              <a:latin typeface="Arial"/>
+            </a:endParaRPr>
+          </a:p>
+        </p:txBody>
+      </p:sp>
+      <p:sp>
+        <p:nvSpPr>
+          <p:cNvPr id="191" name="PlaceHolder 2"/>
+          <p:cNvSpPr>
+            <a:spLocks noGrp="1"/>
+          </p:cNvSpPr>
+          <p:nvPr>
+            <p:ph type="body"/>
+          </p:nvPr>
+        </p:nvSpPr>
+        <p:spPr>
+          <a:xfrm>
+            <a:off x="486000" y="1516320"/>
+            <a:ext cx="8747280" cy="3757680"/>
+          </a:xfrm>
+          <a:prstGeom prst="rect">
+            <a:avLst/>
+          </a:prstGeom>
+        </p:spPr>
+        <p:txBody>
+          <a:bodyPr lIns="0" rIns="0" tIns="0" bIns="0">
+            <a:normAutofit/>
+          </a:bodyPr>
+          <a:p>
+            <a:pPr marL="432000" indent="-324000">
+              <a:spcBef>
+                <a:spcPts val="1417"/>
+              </a:spcBef>
+              <a:buClr>
+                <a:srgbClr val="000000"/>
+              </a:buClr>
+              <a:buSzPct val="45000"/>
+              <a:buFont typeface="Wingdings" charset="2"/>
+              <a:buChar char=""/>
+            </a:pPr>
+            <a:r>
+              <a:rPr b="0" lang="en-US" sz="1800" spc="-1" strike="noStrike">
+                <a:latin typeface="Arial"/>
+              </a:rPr>
+              <a:t>Click to edit the outline text format</a:t>
+            </a:r>
+            <a:endParaRPr b="0" lang="en-US" sz="1800" spc="-1" strike="noStrike">
+              <a:latin typeface="Arial"/>
+            </a:endParaRPr>
+          </a:p>
+          <a:p>
+            <a:pPr lvl="1" marL="864000" indent="-324000">
+              <a:spcBef>
+                <a:spcPts val="1134"/>
+              </a:spcBef>
+              <a:buClr>
+                <a:srgbClr val="000000"/>
+              </a:buClr>
+              <a:buSzPct val="75000"/>
+              <a:buFont typeface="Symbol" charset="2"/>
+              <a:buChar char=""/>
+            </a:pPr>
+            <a:r>
+              <a:rPr b="0" lang="en-US" sz="1800" spc="-1" strike="noStrike">
+                <a:latin typeface="Arial"/>
+              </a:rPr>
+              <a:t>Second Outline Level</a:t>
+            </a:r>
+            <a:endParaRPr b="0" lang="en-US" sz="1800" spc="-1" strike="noStrike">
+              <a:latin typeface="Arial"/>
+            </a:endParaRPr>
+          </a:p>
+          <a:p>
+            <a:pPr lvl="2" marL="1296000" indent="-288000">
+              <a:spcBef>
+                <a:spcPts val="850"/>
+              </a:spcBef>
+              <a:buClr>
+                <a:srgbClr val="000000"/>
+              </a:buClr>
+              <a:buSzPct val="45000"/>
+              <a:buFont typeface="Wingdings" charset="2"/>
+              <a:buChar char=""/>
+            </a:pPr>
+            <a:r>
+              <a:rPr b="0" lang="en-US" sz="1800" spc="-1" strike="noStrike">
+                <a:latin typeface="Arial"/>
+              </a:rPr>
+              <a:t>Third Outline Level</a:t>
+            </a:r>
+            <a:endParaRPr b="0" lang="en-US" sz="1800" spc="-1" strike="noStrike">
+              <a:latin typeface="Arial"/>
+            </a:endParaRPr>
+          </a:p>
+          <a:p>
+            <a:pPr lvl="3" marL="1728000" indent="-216000">
+              <a:spcBef>
+                <a:spcPts val="567"/>
+              </a:spcBef>
+              <a:buClr>
+                <a:srgbClr val="000000"/>
+              </a:buClr>
+              <a:buSzPct val="75000"/>
+              <a:buFont typeface="Symbol" charset="2"/>
+              <a:buChar char=""/>
+            </a:pPr>
+            <a:r>
+              <a:rPr b="0" lang="en-US" sz="1800" spc="-1" strike="noStrike">
+                <a:latin typeface="Arial"/>
+              </a:rPr>
+              <a:t>Fourth Outline Level</a:t>
+            </a:r>
+            <a:endParaRPr b="0" lang="en-US" sz="1800" spc="-1" strike="noStrike">
+              <a:latin typeface="Arial"/>
+            </a:endParaRPr>
+          </a:p>
+          <a:p>
+            <a:pPr lvl="4" marL="2160000" indent="-216000">
+              <a:spcBef>
+                <a:spcPts val="283"/>
+              </a:spcBef>
+              <a:buClr>
+                <a:srgbClr val="000000"/>
+              </a:buClr>
+              <a:buSzPct val="45000"/>
+              <a:buFont typeface="Wingdings" charset="2"/>
+              <a:buChar char=""/>
+            </a:pPr>
+            <a:r>
+              <a:rPr b="0" lang="en-US" sz="1800" spc="-1" strike="noStrike">
+                <a:latin typeface="Arial"/>
+              </a:rPr>
+              <a:t>Fifth Outline Level</a:t>
+            </a:r>
+            <a:endParaRPr b="0" lang="en-US" sz="1800" spc="-1" strike="noStrike">
+              <a:latin typeface="Arial"/>
+            </a:endParaRPr>
+          </a:p>
+          <a:p>
+            <a:pPr lvl="5" marL="2592000" indent="-216000">
+              <a:spcBef>
+                <a:spcPts val="283"/>
+              </a:spcBef>
+              <a:buClr>
+                <a:srgbClr val="000000"/>
+              </a:buClr>
+              <a:buSzPct val="45000"/>
+              <a:buFont typeface="Wingdings" charset="2"/>
+              <a:buChar char=""/>
+            </a:pPr>
+            <a:r>
+              <a:rPr b="0" lang="en-US" sz="1800" spc="-1" strike="noStrike">
+                <a:latin typeface="Arial"/>
+              </a:rPr>
+              <a:t>Sixth Outline Level</a:t>
+            </a:r>
+            <a:endParaRPr b="0" lang="en-US" sz="1800" spc="-1" strike="noStrike">
+              <a:latin typeface="Arial"/>
+            </a:endParaRPr>
+          </a:p>
+          <a:p>
+            <a:pPr lvl="6" marL="3024000" indent="-216000">
+              <a:spcBef>
+                <a:spcPts val="283"/>
+              </a:spcBef>
+              <a:buClr>
+                <a:srgbClr val="000000"/>
+              </a:buClr>
+              <a:buSzPct val="45000"/>
+              <a:buFont typeface="Wingdings" charset="2"/>
+              <a:buChar char=""/>
+            </a:pPr>
+            <a:r>
+              <a:rPr b="0" lang="en-US" sz="1800" spc="-1" strike="noStrike">
+                <a:latin typeface="Arial"/>
+              </a:rPr>
+              <a:t>Seventh Outline Level</a:t>
+            </a:r>
+            <a:endParaRPr b="0" lang="en-US" sz="1800" spc="-1" strike="noStrike">
+              <a:latin typeface="Arial"/>
+            </a:endParaRPr>
+          </a:p>
+        </p:txBody>
+      </p:sp>
+    </p:spTree>
+  </p:cSld>
+  <p:clrMap bg1="lt1" bg2="lt2" tx1="dk1" tx2="dk2" accent1="accent1" accent2="accent2" accent3="accent3" accent4="accent4" accent5="accent5" accent6="accent6" hlink="hlink" folHlink="folHlink"/>
+  <p:sldLayoutIdLst>
+    <p:sldLayoutId id="2147483714" r:id="rId2"/>
+    <p:sldLayoutId id="2147483715" r:id="rId3"/>
+    <p:sldLayoutId id="2147483716" r:id="rId4"/>
+    <p:sldLayoutId id="2147483717" r:id="rId5"/>
+    <p:sldLayoutId id="2147483718" r:id="rId6"/>
+    <p:sldLayoutId id="2147483719" r:id="rId7"/>
+    <p:sldLayoutId id="2147483720" r:id="rId8"/>
+    <p:sldLayoutId id="2147483721" r:id="rId9"/>
+    <p:sldLayoutId id="2147483722" r:id="rId10"/>
+    <p:sldLayoutId id="2147483723" r:id="rId11"/>
+    <p:sldLayoutId id="2147483724" r:id="rId12"/>
+    <p:sldLayoutId id="2147483725" r:id="rId13"/>
+  </p:sldLayoutIdLst>
+</p:sldMaster>
+</file>
+
 <file path=ppt/slides/slide1.xml><?xml version="1.0" encoding="utf-8"?>
 <p:sld xmlns:a="http://schemas.openxmlformats.org/drawingml/2006/main" xmlns:p="http://schemas.openxmlformats.org/presentationml/2006/main" xmlns:r="http://schemas.openxmlformats.org/officeDocument/2006/relationships" xmlns:p14="http://schemas.microsoft.com/office/powerpoint/2010/main" xmlns:p15="http://schemas.microsoft.com/office/powerpoint/2012/main" xmlns:mc="http://schemas.openxmlformats.org/markup-compatibility/2006">
   <p:cSld>
@@ -8088,14 +9698,14 @@
       </p:grpSpPr>
       <p:sp>
         <p:nvSpPr>
-          <p:cNvPr id="190" name="CustomShape 1"/>
+          <p:cNvPr id="228" name="CustomShape 1"/>
           <p:cNvSpPr/>
           <p:nvPr/>
         </p:nvSpPr>
         <p:spPr>
           <a:xfrm>
             <a:off x="806400" y="585360"/>
-            <a:ext cx="8096760" cy="954360"/>
+            <a:ext cx="8096040" cy="953640"/>
           </a:xfrm>
           <a:prstGeom prst="rect">
             <a:avLst/>
@@ -8114,14 +9724,14 @@
       </p:sp>
       <p:sp>
         <p:nvSpPr>
-          <p:cNvPr id="191" name="CustomShape 2"/>
+          <p:cNvPr id="229" name="CustomShape 2"/>
           <p:cNvSpPr/>
           <p:nvPr/>
         </p:nvSpPr>
         <p:spPr>
           <a:xfrm>
             <a:off x="806400" y="1704240"/>
-            <a:ext cx="8096760" cy="3335040"/>
+            <a:ext cx="8096040" cy="3334320"/>
           </a:xfrm>
           <a:prstGeom prst="rect">
             <a:avLst/>
@@ -8140,14 +9750,14 @@
       </p:sp>
       <p:sp>
         <p:nvSpPr>
-          <p:cNvPr id="192" name="CustomShape 3"/>
+          <p:cNvPr id="230" name="CustomShape 3"/>
           <p:cNvSpPr/>
           <p:nvPr/>
         </p:nvSpPr>
         <p:spPr>
           <a:xfrm>
             <a:off x="806400" y="585360"/>
-            <a:ext cx="8096760" cy="4453920"/>
+            <a:ext cx="8096040" cy="4453200"/>
           </a:xfrm>
           <a:prstGeom prst="rect">
             <a:avLst/>
@@ -8231,14 +9841,14 @@
       </p:sp>
       <p:sp>
         <p:nvSpPr>
-          <p:cNvPr id="193" name="CustomShape 4"/>
+          <p:cNvPr id="231" name="CustomShape 4"/>
           <p:cNvSpPr/>
           <p:nvPr/>
         </p:nvSpPr>
         <p:spPr>
           <a:xfrm>
             <a:off x="486000" y="258480"/>
-            <a:ext cx="8743680" cy="1077840"/>
+            <a:ext cx="8742960" cy="1077120"/>
           </a:xfrm>
           <a:prstGeom prst="rect">
             <a:avLst/>
@@ -8312,14 +9922,14 @@
       </p:grpSpPr>
       <p:sp>
         <p:nvSpPr>
-          <p:cNvPr id="229" name="CustomShape 1"/>
+          <p:cNvPr id="267" name="CustomShape 1"/>
           <p:cNvSpPr/>
           <p:nvPr/>
         </p:nvSpPr>
         <p:spPr>
           <a:xfrm>
             <a:off x="905400" y="813960"/>
-            <a:ext cx="6607080" cy="850320"/>
+            <a:ext cx="6606360" cy="849600"/>
           </a:xfrm>
           <a:prstGeom prst="rect">
             <a:avLst/>
@@ -8340,27 +9950,7 @@
             <a:noAutofit/>
           </a:bodyPr>
           <a:p>
-            <a:pPr>
-              <a:lnSpc>
-                <a:spcPct val="100000"/>
-              </a:lnSpc>
-            </a:pPr>
-            <a:endParaRPr b="0" lang="en-US" sz="1800" spc="-1" strike="noStrike">
-              <a:latin typeface="Arial"/>
-            </a:endParaRPr>
-          </a:p>
-          <a:p>
-            <a:pPr>
-              <a:lnSpc>
-                <a:spcPct val="100000"/>
-              </a:lnSpc>
-            </a:pPr>
-            <a:endParaRPr b="0" lang="en-US" sz="1800" spc="-1" strike="noStrike">
-              <a:latin typeface="Arial"/>
-            </a:endParaRPr>
-          </a:p>
-          <a:p>
-            <a:pPr>
+            <a:pPr marL="360000">
               <a:lnSpc>
                 <a:spcPct val="100000"/>
               </a:lnSpc>
@@ -8380,7 +9970,7 @@
             </a:endParaRPr>
           </a:p>
           <a:p>
-            <a:pPr>
+            <a:pPr marL="360000">
               <a:lnSpc>
                 <a:spcPct val="100000"/>
               </a:lnSpc>
@@ -8390,13 +9980,14 @@
             </a:endParaRPr>
           </a:p>
           <a:p>
-            <a:pPr marL="216000" indent="-212040">
+            <a:pPr lvl="4" marL="1080000" indent="-216000">
               <a:lnSpc>
                 <a:spcPct val="100000"/>
               </a:lnSpc>
               <a:buClr>
                 <a:srgbClr val="000000"/>
               </a:buClr>
+              <a:buSzPct val="45000"/>
               <a:buFont typeface="Wingdings" charset="2"/>
               <a:buChar char=""/>
             </a:pPr>
@@ -8415,13 +10006,14 @@
             </a:endParaRPr>
           </a:p>
           <a:p>
-            <a:pPr marL="216000" indent="-212040">
+            <a:pPr lvl="4" marL="1080000" indent="-216000">
               <a:lnSpc>
                 <a:spcPct val="100000"/>
               </a:lnSpc>
               <a:buClr>
                 <a:srgbClr val="000000"/>
               </a:buClr>
+              <a:buSzPct val="45000"/>
               <a:buFont typeface="Wingdings" charset="2"/>
               <a:buChar char=""/>
             </a:pPr>
@@ -8440,13 +10032,14 @@
             </a:endParaRPr>
           </a:p>
           <a:p>
-            <a:pPr marL="216000" indent="-212040">
+            <a:pPr lvl="4" marL="1080000" indent="-216000">
               <a:lnSpc>
                 <a:spcPct val="100000"/>
               </a:lnSpc>
               <a:buClr>
                 <a:srgbClr val="000000"/>
               </a:buClr>
+              <a:buSzPct val="45000"/>
               <a:buFont typeface="Wingdings" charset="2"/>
               <a:buChar char=""/>
             </a:pPr>
@@ -8465,7 +10058,7 @@
             </a:endParaRPr>
           </a:p>
           <a:p>
-            <a:pPr>
+            <a:pPr marL="360000">
               <a:lnSpc>
                 <a:spcPct val="100000"/>
               </a:lnSpc>
@@ -8474,38 +10067,18 @@
               <a:latin typeface="Arial"/>
             </a:endParaRPr>
           </a:p>
-          <a:p>
-            <a:pPr>
-              <a:lnSpc>
-                <a:spcPct val="100000"/>
-              </a:lnSpc>
-            </a:pPr>
-            <a:endParaRPr b="0" lang="en-US" sz="1800" spc="-1" strike="noStrike">
-              <a:latin typeface="Arial"/>
-            </a:endParaRPr>
-          </a:p>
-          <a:p>
-            <a:pPr>
-              <a:lnSpc>
-                <a:spcPct val="100000"/>
-              </a:lnSpc>
-            </a:pPr>
-            <a:endParaRPr b="0" lang="en-US" sz="1800" spc="-1" strike="noStrike">
-              <a:latin typeface="Arial"/>
-            </a:endParaRPr>
-          </a:p>
-        </p:txBody>
-      </p:sp>
-      <p:sp>
-        <p:nvSpPr>
-          <p:cNvPr id="230" name="CustomShape 2"/>
+        </p:txBody>
+      </p:sp>
+      <p:sp>
+        <p:nvSpPr>
+          <p:cNvPr id="268" name="CustomShape 2"/>
           <p:cNvSpPr/>
           <p:nvPr/>
         </p:nvSpPr>
         <p:spPr>
           <a:xfrm>
             <a:off x="486000" y="258480"/>
-            <a:ext cx="8743680" cy="1077840"/>
+            <a:ext cx="8742960" cy="1077120"/>
           </a:xfrm>
           <a:prstGeom prst="rect">
             <a:avLst/>
@@ -8554,7 +10127,7 @@
       </p:grpSpPr>
       <p:pic>
         <p:nvPicPr>
-          <p:cNvPr id="231" name="" descr=""/>
+          <p:cNvPr id="269" name="" descr=""/>
           <p:cNvPicPr/>
           <p:nvPr/>
         </p:nvPicPr>
@@ -8565,7 +10138,7 @@
         <p:spPr>
           <a:xfrm>
             <a:off x="5751720" y="401400"/>
-            <a:ext cx="3741120" cy="3879360"/>
+            <a:ext cx="3740400" cy="3878640"/>
           </a:xfrm>
           <a:prstGeom prst="rect">
             <a:avLst/>
@@ -8577,14 +10150,14 @@
       </p:pic>
       <p:sp>
         <p:nvSpPr>
-          <p:cNvPr id="232" name="CustomShape 1"/>
+          <p:cNvPr id="270" name="CustomShape 1"/>
           <p:cNvSpPr/>
           <p:nvPr/>
         </p:nvSpPr>
         <p:spPr>
           <a:xfrm>
             <a:off x="486000" y="596880"/>
-            <a:ext cx="5194440" cy="4689720"/>
+            <a:ext cx="5193720" cy="4689000"/>
           </a:xfrm>
           <a:prstGeom prst="rect">
             <a:avLst/>
@@ -8635,15 +10208,10 @@
             </a:endParaRPr>
           </a:p>
           <a:p>
-            <a:pPr marL="216000" indent="-212040">
+            <a:pPr>
               <a:lnSpc>
                 <a:spcPct val="100000"/>
               </a:lnSpc>
-              <a:buClr>
-                <a:srgbClr val="000000"/>
-              </a:buClr>
-              <a:buFont typeface="Wingdings" charset="2"/>
-              <a:buChar char=""/>
             </a:pPr>
             <a:r>
               <a:rPr b="0" lang="en-US" sz="1800" spc="-1" strike="noStrike">
@@ -8653,22 +10221,27 @@
                 <a:latin typeface="Arial"/>
                 <a:ea typeface="DejaVu Sans"/>
               </a:rPr>
-              <a:t>Identify titlelines in data with a regular expression</a:t>
+              <a:t>1. Identify titlelines in data with a regular expression</a:t>
             </a:r>
             <a:endParaRPr b="0" lang="en-US" sz="1800" spc="-1" strike="noStrike">
               <a:latin typeface="Arial"/>
             </a:endParaRPr>
           </a:p>
           <a:p>
-            <a:pPr marL="216000" indent="-212040">
+            <a:pPr>
               <a:lnSpc>
                 <a:spcPct val="100000"/>
               </a:lnSpc>
-              <a:buClr>
-                <a:srgbClr val="000000"/>
-              </a:buClr>
-              <a:buFont typeface="Wingdings" charset="2"/>
-              <a:buChar char=""/>
+            </a:pPr>
+            <a:endParaRPr b="0" lang="en-US" sz="1800" spc="-1" strike="noStrike">
+              <a:latin typeface="Arial"/>
+            </a:endParaRPr>
+          </a:p>
+          <a:p>
+            <a:pPr>
+              <a:lnSpc>
+                <a:spcPct val="100000"/>
+              </a:lnSpc>
             </a:pPr>
             <a:r>
               <a:rPr b="0" lang="en-US" sz="1800" spc="-1" strike="noStrike">
@@ -8678,14 +10251,14 @@
                 <a:latin typeface="Arial"/>
                 <a:ea typeface="DejaVu Sans"/>
               </a:rPr>
-              <a:t>Perform tests:</a:t>
+              <a:t>2. Perform tests:</a:t>
             </a:r>
             <a:endParaRPr b="0" lang="en-US" sz="1800" spc="-1" strike="noStrike">
               <a:latin typeface="Arial"/>
             </a:endParaRPr>
           </a:p>
           <a:p>
-            <a:pPr lvl="1" marL="432000" indent="-212040">
+            <a:pPr lvl="1" marL="432000" indent="-216000">
               <a:lnSpc>
                 <a:spcPct val="100000"/>
               </a:lnSpc>
@@ -8702,7 +10275,7 @@
                   <a:srgbClr val="000000"/>
                 </a:solidFill>
                 <a:latin typeface="Arial"/>
-                <a:ea typeface="DejaVu Sans"/>
+                <a:ea typeface="Noto Sans CJK SC"/>
               </a:rPr>
               <a:t>unique test</a:t>
             </a:r>
@@ -8713,16 +10286,26 @@
                   <a:srgbClr val="000000"/>
                 </a:solidFill>
                 <a:latin typeface="Arial"/>
+                <a:ea typeface="Noto Sans CJK SC"/>
+              </a:rPr>
+              <a:t>A</a:t>
+            </a:r>
+            <a:r>
+              <a:rPr b="0" lang="en-US" sz="1800" spc="-1" strike="noStrike">
+                <a:solidFill>
+                  <a:srgbClr val="000000"/>
+                </a:solidFill>
+                <a:latin typeface="Arial"/>
                 <a:ea typeface="DejaVu Sans"/>
               </a:rPr>
-              <a:t>Are all titles unique?</a:t>
+              <a:t>re all titles unique?</a:t>
             </a:r>
             <a:endParaRPr b="0" lang="en-US" sz="1800" spc="-1" strike="noStrike">
               <a:latin typeface="Arial"/>
             </a:endParaRPr>
           </a:p>
           <a:p>
-            <a:pPr lvl="1" marL="432000" indent="-212040">
+            <a:pPr lvl="1" marL="432000" indent="-216000">
               <a:lnSpc>
                 <a:spcPct val="100000"/>
               </a:lnSpc>
@@ -8739,9 +10322,19 @@
                   <a:srgbClr val="000000"/>
                 </a:solidFill>
                 <a:latin typeface="Arial"/>
+                <a:ea typeface="Noto Sans CJK SC"/>
+              </a:rPr>
+              <a:t>t</a:t>
+            </a:r>
+            <a:r>
+              <a:rPr b="0" lang="en-US" sz="1800" spc="-1" strike="noStrike">
+                <a:solidFill>
+                  <a:srgbClr val="000000"/>
+                </a:solidFill>
+                <a:latin typeface="Arial"/>
                 <a:ea typeface="DejaVu Sans"/>
               </a:rPr>
-              <a:t>title order test</a:t>
+              <a:t>itle order test</a:t>
             </a:r>
             <a:br/>
             <a:r>
@@ -8750,7 +10343,7 @@
                   <a:srgbClr val="000000"/>
                 </a:solidFill>
                 <a:latin typeface="Arial"/>
-                <a:ea typeface="DejaVu Sans"/>
+                <a:ea typeface="Noto Sans CJK SC"/>
               </a:rPr>
               <a:t>Check chapter numbers:</a:t>
             </a:r>
@@ -8761,9 +10354,9 @@
                   <a:srgbClr val="000000"/>
                 </a:solidFill>
                 <a:latin typeface="Arial"/>
-                <a:ea typeface="DejaVu Sans"/>
+                <a:ea typeface="Noto Sans CJK SC"/>
               </a:rPr>
-              <a:t>incorrect: 1, 2, 2, 4, ...</a:t>
+              <a:t>incorrect: 1, 2, 2, 4, …</a:t>
             </a:r>
             <a:endParaRPr b="0" lang="en-US" sz="1800" spc="-1" strike="noStrike">
               <a:latin typeface="Arial"/>
@@ -8773,14 +10366,14 @@
       </p:sp>
       <p:sp>
         <p:nvSpPr>
-          <p:cNvPr id="233" name="CustomShape 2"/>
+          <p:cNvPr id="271" name="CustomShape 2"/>
           <p:cNvSpPr/>
           <p:nvPr/>
         </p:nvSpPr>
         <p:spPr>
           <a:xfrm>
             <a:off x="486000" y="258480"/>
-            <a:ext cx="4905000" cy="1077840"/>
+            <a:ext cx="4904280" cy="1077120"/>
           </a:xfrm>
           <a:prstGeom prst="rect">
             <a:avLst/>
@@ -8828,6 +10421,164 @@
               <a:t>How the parser works</a:t>
             </a:r>
             <a:endParaRPr b="0" lang="en-US" sz="3200" spc="-1" strike="noStrike">
+              <a:latin typeface="Arial"/>
+            </a:endParaRPr>
+          </a:p>
+        </p:txBody>
+      </p:sp>
+    </p:spTree>
+  </p:cSld>
+  <mc:AlternateContent>
+    <mc:Choice Requires="p14">
+      <p:transition spd="slow" p14:dur="2000"/>
+    </mc:Choice>
+    <mc:Fallback>
+      <p:transition spd="slow"/>
+    </mc:Fallback>
+  </mc:AlternateContent>
+</p:sld>
+</file>
+
+<file path=ppt/slides/slide12.xml><?xml version="1.0" encoding="utf-8"?>
+<p:sld xmlns:a="http://schemas.openxmlformats.org/drawingml/2006/main" xmlns:p="http://schemas.openxmlformats.org/presentationml/2006/main" xmlns:r="http://schemas.openxmlformats.org/officeDocument/2006/relationships" xmlns:p14="http://schemas.microsoft.com/office/powerpoint/2010/main" xmlns:p15="http://schemas.microsoft.com/office/powerpoint/2012/main" xmlns:mc="http://schemas.openxmlformats.org/markup-compatibility/2006">
+  <p:cSld>
+    <p:spTree>
+      <p:nvGrpSpPr>
+        <p:cNvPr id="1" name=""/>
+        <p:cNvGrpSpPr/>
+        <p:nvPr/>
+      </p:nvGrpSpPr>
+      <p:grpSpPr>
+        <a:xfrm>
+          <a:off x="0" y="0"/>
+          <a:ext cx="0" cy="0"/>
+          <a:chOff x="0" y="0"/>
+          <a:chExt cx="0" cy="0"/>
+        </a:xfrm>
+      </p:grpSpPr>
+      <p:sp>
+        <p:nvSpPr>
+          <p:cNvPr id="272" name="CustomShape 1"/>
+          <p:cNvSpPr/>
+          <p:nvPr/>
+        </p:nvSpPr>
+        <p:spPr>
+          <a:xfrm>
+            <a:off x="486000" y="258480"/>
+            <a:ext cx="8742960" cy="1077120"/>
+          </a:xfrm>
+          <a:prstGeom prst="rect">
+            <a:avLst/>
+          </a:prstGeom>
+          <a:noFill/>
+          <a:ln>
+            <a:noFill/>
+          </a:ln>
+        </p:spPr>
+        <p:style>
+          <a:lnRef idx="0"/>
+          <a:fillRef idx="0"/>
+          <a:effectRef idx="0"/>
+          <a:fontRef idx="minor"/>
+        </p:style>
+        <p:txBody>
+          <a:bodyPr lIns="0" rIns="0" tIns="0" bIns="0" anchor="ctr">
+            <a:noAutofit/>
+          </a:bodyPr>
+          <a:p>
+            <a:pPr algn="ctr">
+              <a:lnSpc>
+                <a:spcPct val="100000"/>
+              </a:lnSpc>
+            </a:pPr>
+            <a:r>
+              <a:rPr b="0" lang="en-US" sz="3200" spc="-1" strike="noStrike">
+                <a:latin typeface="Arial"/>
+              </a:rPr>
+              <a:t>Parser latest version</a:t>
+            </a:r>
+            <a:endParaRPr b="0" lang="en-US" sz="3200" spc="-1" strike="noStrike">
+              <a:latin typeface="Arial"/>
+            </a:endParaRPr>
+          </a:p>
+        </p:txBody>
+      </p:sp>
+      <p:sp>
+        <p:nvSpPr>
+          <p:cNvPr id="273" name="CustomShape 2"/>
+          <p:cNvSpPr/>
+          <p:nvPr/>
+        </p:nvSpPr>
+        <p:spPr>
+          <a:xfrm>
+            <a:off x="486000" y="1516320"/>
+            <a:ext cx="8747280" cy="3757680"/>
+          </a:xfrm>
+          <a:prstGeom prst="rect">
+            <a:avLst/>
+          </a:prstGeom>
+          <a:noFill/>
+          <a:ln>
+            <a:noFill/>
+          </a:ln>
+        </p:spPr>
+        <p:style>
+          <a:lnRef idx="0"/>
+          <a:fillRef idx="0"/>
+          <a:effectRef idx="0"/>
+          <a:fontRef idx="minor"/>
+        </p:style>
+        <p:txBody>
+          <a:bodyPr lIns="0" rIns="0" tIns="0" bIns="0">
+            <a:normAutofit/>
+          </a:bodyPr>
+          <a:p>
+            <a:pPr marL="1800000" indent="-216000">
+              <a:lnSpc>
+                <a:spcPct val="100000"/>
+              </a:lnSpc>
+              <a:spcBef>
+                <a:spcPts val="1417"/>
+              </a:spcBef>
+              <a:buClr>
+                <a:srgbClr val="000000"/>
+              </a:buClr>
+              <a:buSzPct val="45000"/>
+              <a:buFont typeface="Wingdings" charset="2"/>
+              <a:buChar char=""/>
+            </a:pPr>
+            <a:r>
+              <a:rPr b="0" lang="en-US" sz="1800" spc="-1" strike="noStrike">
+                <a:latin typeface="Arial"/>
+              </a:rPr>
+              <a:t>Lots of new tests</a:t>
+            </a:r>
+            <a:endParaRPr b="0" lang="en-US" sz="1800" spc="-1" strike="noStrike">
+              <a:latin typeface="Arial"/>
+            </a:endParaRPr>
+          </a:p>
+          <a:p>
+            <a:pPr marL="1800000" indent="-216000">
+              <a:lnSpc>
+                <a:spcPct val="100000"/>
+              </a:lnSpc>
+              <a:spcBef>
+                <a:spcPts val="1417"/>
+              </a:spcBef>
+              <a:buClr>
+                <a:srgbClr val="000000"/>
+              </a:buClr>
+              <a:buSzPct val="45000"/>
+              <a:buFont typeface="Wingdings" charset="2"/>
+              <a:buChar char=""/>
+            </a:pPr>
+            <a:r>
+              <a:rPr b="0" lang="en-US" sz="1800" spc="-1" strike="noStrike">
+                <a:latin typeface="Arial"/>
+              </a:rPr>
+              <a:t>Data can also be converted and exported</a:t>
+            </a:r>
+            <a:endParaRPr b="0" lang="en-US" sz="1800" spc="-1" strike="noStrike">
               <a:latin typeface="Arial"/>
             </a:endParaRPr>
           </a:p>
@@ -8865,14 +10616,14 @@
       </p:grpSpPr>
       <p:sp>
         <p:nvSpPr>
-          <p:cNvPr id="194" name="CustomShape 1"/>
+          <p:cNvPr id="232" name="CustomShape 1"/>
           <p:cNvSpPr/>
           <p:nvPr/>
         </p:nvSpPr>
         <p:spPr>
           <a:xfrm>
             <a:off x="806400" y="585360"/>
-            <a:ext cx="8096760" cy="954360"/>
+            <a:ext cx="8096040" cy="953640"/>
           </a:xfrm>
           <a:prstGeom prst="rect">
             <a:avLst/>
@@ -8891,14 +10642,14 @@
       </p:sp>
       <p:sp>
         <p:nvSpPr>
-          <p:cNvPr id="195" name="CustomShape 2"/>
+          <p:cNvPr id="233" name="CustomShape 2"/>
           <p:cNvSpPr/>
           <p:nvPr/>
         </p:nvSpPr>
         <p:spPr>
           <a:xfrm>
             <a:off x="806400" y="1704240"/>
-            <a:ext cx="8096760" cy="3335040"/>
+            <a:ext cx="8096040" cy="3334320"/>
           </a:xfrm>
           <a:prstGeom prst="rect">
             <a:avLst/>
@@ -8917,14 +10668,14 @@
       </p:sp>
       <p:sp>
         <p:nvSpPr>
-          <p:cNvPr id="196" name="CustomShape 3"/>
+          <p:cNvPr id="234" name="CustomShape 3"/>
           <p:cNvSpPr/>
           <p:nvPr/>
         </p:nvSpPr>
         <p:spPr>
           <a:xfrm>
             <a:off x="806400" y="585360"/>
-            <a:ext cx="8096760" cy="4453920"/>
+            <a:ext cx="8096040" cy="4453200"/>
           </a:xfrm>
           <a:prstGeom prst="rect">
             <a:avLst/>
@@ -8968,14 +10719,14 @@
       </p:sp>
       <p:sp>
         <p:nvSpPr>
-          <p:cNvPr id="197" name="CustomShape 4"/>
+          <p:cNvPr id="235" name="CustomShape 4"/>
           <p:cNvSpPr/>
           <p:nvPr/>
         </p:nvSpPr>
         <p:spPr>
           <a:xfrm>
             <a:off x="486000" y="258480"/>
-            <a:ext cx="8743680" cy="1077840"/>
+            <a:ext cx="8742960" cy="1077120"/>
           </a:xfrm>
           <a:prstGeom prst="rect">
             <a:avLst/>
@@ -9049,14 +10800,14 @@
       </p:grpSpPr>
       <p:sp>
         <p:nvSpPr>
-          <p:cNvPr id="198" name="CustomShape 1"/>
+          <p:cNvPr id="236" name="CustomShape 1"/>
           <p:cNvSpPr/>
           <p:nvPr/>
         </p:nvSpPr>
         <p:spPr>
           <a:xfrm>
             <a:off x="806400" y="585360"/>
-            <a:ext cx="8096760" cy="954360"/>
+            <a:ext cx="8096040" cy="953640"/>
           </a:xfrm>
           <a:prstGeom prst="rect">
             <a:avLst/>
@@ -9075,14 +10826,14 @@
       </p:sp>
       <p:sp>
         <p:nvSpPr>
-          <p:cNvPr id="199" name="CustomShape 2"/>
+          <p:cNvPr id="237" name="CustomShape 2"/>
           <p:cNvSpPr/>
           <p:nvPr/>
         </p:nvSpPr>
         <p:spPr>
           <a:xfrm>
             <a:off x="806400" y="1704240"/>
-            <a:ext cx="8096760" cy="3335040"/>
+            <a:ext cx="8096040" cy="3334320"/>
           </a:xfrm>
           <a:prstGeom prst="rect">
             <a:avLst/>
@@ -9101,7 +10852,7 @@
       </p:sp>
       <p:pic>
         <p:nvPicPr>
-          <p:cNvPr id="200" name="" descr=""/>
+          <p:cNvPr id="238" name="" descr=""/>
           <p:cNvPicPr/>
           <p:nvPr/>
         </p:nvPicPr>
@@ -9113,7 +10864,7 @@
         <p:spPr>
           <a:xfrm>
             <a:off x="2194560" y="1924200"/>
-            <a:ext cx="5478480" cy="1911960"/>
+            <a:ext cx="5477760" cy="1911240"/>
           </a:xfrm>
           <a:prstGeom prst="rect">
             <a:avLst/>
@@ -9125,14 +10876,14 @@
       </p:pic>
       <p:sp>
         <p:nvSpPr>
-          <p:cNvPr id="201" name="CustomShape 3"/>
+          <p:cNvPr id="239" name="CustomShape 3"/>
           <p:cNvSpPr/>
           <p:nvPr/>
         </p:nvSpPr>
         <p:spPr>
           <a:xfrm>
             <a:off x="806400" y="1704240"/>
-            <a:ext cx="8096760" cy="3335040"/>
+            <a:ext cx="8096040" cy="3334320"/>
           </a:xfrm>
           <a:prstGeom prst="rect">
             <a:avLst/>
@@ -9176,14 +10927,14 @@
       </p:sp>
       <p:sp>
         <p:nvSpPr>
-          <p:cNvPr id="202" name="CustomShape 4"/>
+          <p:cNvPr id="240" name="CustomShape 4"/>
           <p:cNvSpPr/>
           <p:nvPr/>
         </p:nvSpPr>
         <p:spPr>
           <a:xfrm>
             <a:off x="2094120" y="1088280"/>
-            <a:ext cx="6966720" cy="850320"/>
+            <a:ext cx="6966000" cy="849600"/>
           </a:xfrm>
           <a:prstGeom prst="rect">
             <a:avLst/>
@@ -9367,14 +11118,14 @@
       </p:sp>
       <p:sp>
         <p:nvSpPr>
-          <p:cNvPr id="203" name="CustomShape 5"/>
+          <p:cNvPr id="241" name="CustomShape 5"/>
           <p:cNvSpPr/>
           <p:nvPr/>
         </p:nvSpPr>
         <p:spPr>
           <a:xfrm>
             <a:off x="6035040" y="4937760"/>
-            <a:ext cx="176760" cy="342360"/>
+            <a:ext cx="176040" cy="341640"/>
           </a:xfrm>
           <a:prstGeom prst="rect">
             <a:avLst/>
@@ -9393,14 +11144,14 @@
       </p:sp>
       <p:sp>
         <p:nvSpPr>
-          <p:cNvPr id="204" name="CustomShape 6"/>
+          <p:cNvPr id="242" name="CustomShape 6"/>
           <p:cNvSpPr/>
           <p:nvPr/>
         </p:nvSpPr>
         <p:spPr>
           <a:xfrm>
             <a:off x="486000" y="258480"/>
-            <a:ext cx="8743680" cy="1077840"/>
+            <a:ext cx="8742960" cy="1077120"/>
           </a:xfrm>
           <a:prstGeom prst="rect">
             <a:avLst/>
@@ -9474,14 +11225,14 @@
       </p:grpSpPr>
       <p:sp>
         <p:nvSpPr>
-          <p:cNvPr id="205" name="CustomShape 1"/>
+          <p:cNvPr id="243" name="CustomShape 1"/>
           <p:cNvSpPr/>
           <p:nvPr/>
         </p:nvSpPr>
         <p:spPr>
           <a:xfrm>
             <a:off x="806400" y="585360"/>
-            <a:ext cx="8096760" cy="954360"/>
+            <a:ext cx="8096040" cy="953640"/>
           </a:xfrm>
           <a:prstGeom prst="rect">
             <a:avLst/>
@@ -9500,14 +11251,14 @@
       </p:sp>
       <p:sp>
         <p:nvSpPr>
-          <p:cNvPr id="206" name="CustomShape 2"/>
+          <p:cNvPr id="244" name="CustomShape 2"/>
           <p:cNvSpPr/>
           <p:nvPr/>
         </p:nvSpPr>
         <p:spPr>
           <a:xfrm>
             <a:off x="806400" y="1704240"/>
-            <a:ext cx="8096760" cy="3335040"/>
+            <a:ext cx="8096040" cy="3334320"/>
           </a:xfrm>
           <a:prstGeom prst="rect">
             <a:avLst/>
@@ -9526,7 +11277,7 @@
       </p:sp>
       <p:pic>
         <p:nvPicPr>
-          <p:cNvPr id="207" name="" descr=""/>
+          <p:cNvPr id="245" name="" descr=""/>
           <p:cNvPicPr/>
           <p:nvPr/>
         </p:nvPicPr>
@@ -9537,7 +11288,7 @@
         <p:spPr>
           <a:xfrm>
             <a:off x="5274000" y="357120"/>
-            <a:ext cx="4081320" cy="5758200"/>
+            <a:ext cx="4080600" cy="5757480"/>
           </a:xfrm>
           <a:prstGeom prst="rect">
             <a:avLst/>
@@ -9549,14 +11300,14 @@
       </p:pic>
       <p:sp>
         <p:nvSpPr>
-          <p:cNvPr id="208" name="CustomShape 3"/>
+          <p:cNvPr id="246" name="CustomShape 3"/>
           <p:cNvSpPr/>
           <p:nvPr/>
         </p:nvSpPr>
         <p:spPr>
           <a:xfrm>
             <a:off x="448200" y="539640"/>
-            <a:ext cx="4598640" cy="3665880"/>
+            <a:ext cx="4597920" cy="3665160"/>
           </a:xfrm>
           <a:prstGeom prst="rect">
             <a:avLst/>
@@ -9627,23 +11378,14 @@
             </a:endParaRPr>
           </a:p>
           <a:p>
-            <a:pPr>
-              <a:lnSpc>
-                <a:spcPct val="100000"/>
-              </a:lnSpc>
-            </a:pPr>
-            <a:endParaRPr b="0" lang="en-US" sz="1800" spc="-1" strike="noStrike">
-              <a:latin typeface="Arial"/>
-            </a:endParaRPr>
-          </a:p>
-          <a:p>
-            <a:pPr marL="216000" indent="-212040">
+            <a:pPr lvl="1" marL="432000" indent="-215640">
               <a:lnSpc>
                 <a:spcPct val="100000"/>
               </a:lnSpc>
               <a:buClr>
                 <a:srgbClr val="000000"/>
               </a:buClr>
+              <a:buSzPct val="45000"/>
               <a:buFont typeface="Wingdings" charset="2"/>
               <a:buChar char=""/>
             </a:pPr>
@@ -9662,13 +11404,14 @@
             </a:endParaRPr>
           </a:p>
           <a:p>
-            <a:pPr marL="216000" indent="-212040">
+            <a:pPr lvl="1" marL="432000" indent="-215640">
               <a:lnSpc>
                 <a:spcPct val="100000"/>
               </a:lnSpc>
               <a:buClr>
                 <a:srgbClr val="000000"/>
               </a:buClr>
+              <a:buSzPct val="45000"/>
               <a:buFont typeface="Wingdings" charset="2"/>
               <a:buChar char=""/>
             </a:pPr>
@@ -9687,13 +11430,14 @@
             </a:endParaRPr>
           </a:p>
           <a:p>
-            <a:pPr marL="216000" indent="-212040">
+            <a:pPr lvl="1" marL="432000" indent="-215640">
               <a:lnSpc>
                 <a:spcPct val="100000"/>
               </a:lnSpc>
               <a:buClr>
                 <a:srgbClr val="000000"/>
               </a:buClr>
+              <a:buSzPct val="45000"/>
               <a:buFont typeface="Wingdings" charset="2"/>
               <a:buChar char=""/>
             </a:pPr>
@@ -9712,13 +11456,14 @@
             </a:endParaRPr>
           </a:p>
           <a:p>
-            <a:pPr marL="216000" indent="-212040">
+            <a:pPr lvl="1" marL="432000" indent="-215640">
               <a:lnSpc>
                 <a:spcPct val="100000"/>
               </a:lnSpc>
               <a:buClr>
                 <a:srgbClr val="000000"/>
               </a:buClr>
+              <a:buSzPct val="45000"/>
               <a:buFont typeface="Wingdings" charset="2"/>
               <a:buChar char=""/>
             </a:pPr>
@@ -9740,14 +11485,14 @@
       </p:sp>
       <p:sp>
         <p:nvSpPr>
-          <p:cNvPr id="209" name="CustomShape 4"/>
+          <p:cNvPr id="247" name="CustomShape 4"/>
           <p:cNvSpPr/>
           <p:nvPr/>
         </p:nvSpPr>
         <p:spPr>
           <a:xfrm>
             <a:off x="486000" y="258480"/>
-            <a:ext cx="4356360" cy="743400"/>
+            <a:ext cx="4355640" cy="742680"/>
           </a:xfrm>
           <a:prstGeom prst="rect">
             <a:avLst/>
@@ -9821,14 +11566,14 @@
       </p:grpSpPr>
       <p:sp>
         <p:nvSpPr>
-          <p:cNvPr id="210" name="CustomShape 1"/>
+          <p:cNvPr id="248" name="CustomShape 1"/>
           <p:cNvSpPr/>
           <p:nvPr/>
         </p:nvSpPr>
         <p:spPr>
           <a:xfrm>
             <a:off x="806400" y="585360"/>
-            <a:ext cx="8096760" cy="954360"/>
+            <a:ext cx="8096040" cy="953640"/>
           </a:xfrm>
           <a:prstGeom prst="rect">
             <a:avLst/>
@@ -9847,14 +11592,14 @@
       </p:sp>
       <p:sp>
         <p:nvSpPr>
-          <p:cNvPr id="211" name="CustomShape 2"/>
+          <p:cNvPr id="249" name="CustomShape 2"/>
           <p:cNvSpPr/>
           <p:nvPr/>
         </p:nvSpPr>
         <p:spPr>
           <a:xfrm>
             <a:off x="806400" y="1704240"/>
-            <a:ext cx="8096760" cy="3335040"/>
+            <a:ext cx="8096040" cy="3334320"/>
           </a:xfrm>
           <a:prstGeom prst="rect">
             <a:avLst/>
@@ -9873,7 +11618,7 @@
       </p:sp>
       <p:pic>
         <p:nvPicPr>
-          <p:cNvPr id="212" name="" descr=""/>
+          <p:cNvPr id="250" name="" descr=""/>
           <p:cNvPicPr/>
           <p:nvPr/>
         </p:nvPicPr>
@@ -9884,7 +11629,7 @@
         <p:spPr>
           <a:xfrm>
             <a:off x="4918320" y="464400"/>
-            <a:ext cx="4391640" cy="1987560"/>
+            <a:ext cx="4390920" cy="1986840"/>
           </a:xfrm>
           <a:prstGeom prst="rect">
             <a:avLst/>
@@ -9896,14 +11641,14 @@
       </p:pic>
       <p:sp>
         <p:nvSpPr>
-          <p:cNvPr id="213" name="CustomShape 3"/>
+          <p:cNvPr id="251" name="CustomShape 3"/>
           <p:cNvSpPr/>
           <p:nvPr/>
         </p:nvSpPr>
         <p:spPr>
           <a:xfrm>
             <a:off x="631080" y="722520"/>
-            <a:ext cx="4198320" cy="4945680"/>
+            <a:ext cx="4197600" cy="4944960"/>
           </a:xfrm>
           <a:prstGeom prst="rect">
             <a:avLst/>
@@ -10037,14 +11782,14 @@
       </p:sp>
       <p:sp>
         <p:nvSpPr>
-          <p:cNvPr id="214" name="CustomShape 4"/>
+          <p:cNvPr id="252" name="CustomShape 4"/>
           <p:cNvSpPr/>
           <p:nvPr/>
         </p:nvSpPr>
         <p:spPr>
           <a:xfrm>
             <a:off x="486000" y="174240"/>
-            <a:ext cx="4264920" cy="1246320"/>
+            <a:ext cx="4264200" cy="1245600"/>
           </a:xfrm>
           <a:prstGeom prst="rect">
             <a:avLst/>
@@ -10118,14 +11863,14 @@
       </p:grpSpPr>
       <p:sp>
         <p:nvSpPr>
-          <p:cNvPr id="215" name="CustomShape 1"/>
+          <p:cNvPr id="253" name="CustomShape 1"/>
           <p:cNvSpPr/>
           <p:nvPr/>
         </p:nvSpPr>
         <p:spPr>
           <a:xfrm>
             <a:off x="486000" y="258480"/>
-            <a:ext cx="8743680" cy="1077840"/>
+            <a:ext cx="8742960" cy="1077120"/>
           </a:xfrm>
           <a:prstGeom prst="rect">
             <a:avLst/>
@@ -10199,7 +11944,7 @@
       </p:grpSpPr>
       <p:pic>
         <p:nvPicPr>
-          <p:cNvPr id="216" name="" descr=""/>
+          <p:cNvPr id="254" name="" descr=""/>
           <p:cNvPicPr/>
           <p:nvPr/>
         </p:nvPicPr>
@@ -10210,7 +11955,7 @@
         <p:spPr>
           <a:xfrm>
             <a:off x="506880" y="1067760"/>
-            <a:ext cx="8998200" cy="4322520"/>
+            <a:ext cx="8997480" cy="4321800"/>
           </a:xfrm>
           <a:prstGeom prst="rect">
             <a:avLst/>
@@ -10222,14 +11967,14 @@
       </p:pic>
       <p:sp>
         <p:nvSpPr>
-          <p:cNvPr id="217" name="CustomShape 1"/>
+          <p:cNvPr id="255" name="CustomShape 1"/>
           <p:cNvSpPr/>
           <p:nvPr/>
         </p:nvSpPr>
         <p:spPr>
           <a:xfrm>
             <a:off x="386280" y="83880"/>
-            <a:ext cx="8009280" cy="1362240"/>
+            <a:ext cx="8008560" cy="1361520"/>
           </a:xfrm>
           <a:prstGeom prst="rect">
             <a:avLst/>
@@ -10273,7 +12018,7 @@
       </p:sp>
       <p:pic>
         <p:nvPicPr>
-          <p:cNvPr id="218" name="" descr=""/>
+          <p:cNvPr id="256" name="" descr=""/>
           <p:cNvPicPr/>
           <p:nvPr/>
         </p:nvPicPr>
@@ -10284,7 +12029,7 @@
         <p:spPr>
           <a:xfrm>
             <a:off x="585360" y="5394960"/>
-            <a:ext cx="673200" cy="997920"/>
+            <a:ext cx="672480" cy="997200"/>
           </a:xfrm>
           <a:prstGeom prst="rect">
             <a:avLst/>
@@ -10296,14 +12041,14 @@
       </p:pic>
       <p:sp>
         <p:nvSpPr>
-          <p:cNvPr id="219" name="CustomShape 2"/>
+          <p:cNvPr id="257" name="CustomShape 2"/>
           <p:cNvSpPr/>
           <p:nvPr/>
         </p:nvSpPr>
         <p:spPr>
           <a:xfrm>
             <a:off x="1280160" y="5577840"/>
-            <a:ext cx="8209080" cy="597960"/>
+            <a:ext cx="8208360" cy="597240"/>
           </a:xfrm>
           <a:prstGeom prst="rect">
             <a:avLst/>
@@ -10322,14 +12067,14 @@
       </p:sp>
       <p:sp>
         <p:nvSpPr>
-          <p:cNvPr id="220" name="CustomShape 3"/>
+          <p:cNvPr id="258" name="CustomShape 3"/>
           <p:cNvSpPr/>
           <p:nvPr/>
         </p:nvSpPr>
         <p:spPr>
           <a:xfrm>
             <a:off x="731520" y="393840"/>
-            <a:ext cx="8408520" cy="594360"/>
+            <a:ext cx="8407800" cy="593640"/>
           </a:xfrm>
           <a:prstGeom prst="rect">
             <a:avLst/>
@@ -10363,7 +12108,7 @@
                 <a:latin typeface="Arial"/>
                 <a:ea typeface="DejaVu Sans"/>
               </a:rPr>
-              <a:t>An edit tool makes life even more easy</a:t>
+              <a:t>The Flask edit tool makes life even more easy</a:t>
             </a:r>
             <a:endParaRPr b="0" lang="en-US" sz="3200" spc="-1" strike="noStrike">
               <a:latin typeface="Arial"/>
@@ -10403,7 +12148,7 @@
       </p:grpSpPr>
       <p:pic>
         <p:nvPicPr>
-          <p:cNvPr id="221" name="" descr=""/>
+          <p:cNvPr id="259" name="" descr=""/>
           <p:cNvPicPr/>
           <p:nvPr/>
         </p:nvPicPr>
@@ -10414,7 +12159,7 @@
         <p:spPr>
           <a:xfrm>
             <a:off x="461520" y="1645920"/>
-            <a:ext cx="9044280" cy="2256840"/>
+            <a:ext cx="9043560" cy="2256120"/>
           </a:xfrm>
           <a:prstGeom prst="rect">
             <a:avLst/>
@@ -10426,14 +12171,14 @@
       </p:pic>
       <p:sp>
         <p:nvSpPr>
-          <p:cNvPr id="222" name="CustomShape 1"/>
+          <p:cNvPr id="260" name="CustomShape 1"/>
           <p:cNvSpPr/>
           <p:nvPr/>
         </p:nvSpPr>
         <p:spPr>
           <a:xfrm>
             <a:off x="722520" y="804960"/>
-            <a:ext cx="5295600" cy="594360"/>
+            <a:ext cx="5294880" cy="593640"/>
           </a:xfrm>
           <a:prstGeom prst="rect">
             <a:avLst/>
@@ -10452,14 +12197,14 @@
       </p:sp>
       <p:sp>
         <p:nvSpPr>
-          <p:cNvPr id="223" name="CustomShape 2"/>
+          <p:cNvPr id="261" name="CustomShape 2"/>
           <p:cNvSpPr/>
           <p:nvPr/>
         </p:nvSpPr>
         <p:spPr>
           <a:xfrm>
             <a:off x="813960" y="4125240"/>
-            <a:ext cx="7512480" cy="338400"/>
+            <a:ext cx="7511760" cy="337680"/>
           </a:xfrm>
           <a:prstGeom prst="rect">
             <a:avLst/>
@@ -10478,14 +12223,14 @@
       </p:sp>
       <p:sp>
         <p:nvSpPr>
-          <p:cNvPr id="224" name="CustomShape 3"/>
+          <p:cNvPr id="262" name="CustomShape 3"/>
           <p:cNvSpPr/>
           <p:nvPr/>
         </p:nvSpPr>
         <p:spPr>
           <a:xfrm>
             <a:off x="487800" y="365760"/>
-            <a:ext cx="8743680" cy="1077840"/>
+            <a:ext cx="8742960" cy="1077120"/>
           </a:xfrm>
           <a:prstGeom prst="rect">
             <a:avLst/>
@@ -10559,14 +12304,14 @@
       </p:grpSpPr>
       <p:sp>
         <p:nvSpPr>
-          <p:cNvPr id="225" name="CustomShape 1"/>
+          <p:cNvPr id="263" name="CustomShape 1"/>
           <p:cNvSpPr/>
           <p:nvPr/>
         </p:nvSpPr>
         <p:spPr>
           <a:xfrm>
             <a:off x="979200" y="356760"/>
-            <a:ext cx="7324920" cy="1106280"/>
+            <a:ext cx="7324200" cy="1105560"/>
           </a:xfrm>
           <a:prstGeom prst="rect">
             <a:avLst/>
@@ -10640,7 +12385,7 @@
       </p:sp>
       <p:pic>
         <p:nvPicPr>
-          <p:cNvPr id="226" name="" descr=""/>
+          <p:cNvPr id="264" name="" descr=""/>
           <p:cNvPicPr/>
           <p:nvPr/>
         </p:nvPicPr>
@@ -10651,7 +12396,7 @@
         <p:spPr>
           <a:xfrm>
             <a:off x="1069200" y="1645920"/>
-            <a:ext cx="5784840" cy="3754080"/>
+            <a:ext cx="5784120" cy="3753360"/>
           </a:xfrm>
           <a:prstGeom prst="rect">
             <a:avLst/>
@@ -10663,14 +12408,14 @@
       </p:pic>
       <p:sp>
         <p:nvSpPr>
-          <p:cNvPr id="227" name="CustomShape 2"/>
+          <p:cNvPr id="265" name="CustomShape 2"/>
           <p:cNvSpPr/>
           <p:nvPr/>
         </p:nvSpPr>
         <p:spPr>
           <a:xfrm>
             <a:off x="1088280" y="5468760"/>
-            <a:ext cx="8009280" cy="594360"/>
+            <a:ext cx="8008560" cy="593640"/>
           </a:xfrm>
           <a:prstGeom prst="rect">
             <a:avLst/>
@@ -10689,14 +12434,14 @@
       </p:sp>
       <p:sp>
         <p:nvSpPr>
-          <p:cNvPr id="228" name="CustomShape 3"/>
+          <p:cNvPr id="266" name="CustomShape 3"/>
           <p:cNvSpPr/>
           <p:nvPr/>
         </p:nvSpPr>
         <p:spPr>
           <a:xfrm>
             <a:off x="1373400" y="91440"/>
-            <a:ext cx="7035120" cy="1077840"/>
+            <a:ext cx="7034400" cy="1077120"/>
           </a:xfrm>
           <a:prstGeom prst="rect">
             <a:avLst/>
@@ -11879,4 +13624,230 @@
     </a:fmtScheme>
   </a:themeElements>
 </a:theme>
+</file>
+
+<file path=ppt/theme/theme6.xml><?xml version="1.0" encoding="utf-8"?>
+<a:theme xmlns:a="http://schemas.openxmlformats.org/drawingml/2006/main" name="Office Theme">
+  <a:themeElements>
+    <a:clrScheme name="Office">
+      <a:dk1>
+        <a:sysClr val="windowText" lastClr="000000"/>
+      </a:dk1>
+      <a:lt1>
+        <a:sysClr val="window" lastClr="FFFFFF"/>
+      </a:lt1>
+      <a:dk2>
+        <a:srgbClr val="1f497d"/>
+      </a:dk2>
+      <a:lt2>
+        <a:srgbClr val="eeece1"/>
+      </a:lt2>
+      <a:accent1>
+        <a:srgbClr val="4f81bd"/>
+      </a:accent1>
+      <a:accent2>
+        <a:srgbClr val="c0504d"/>
+      </a:accent2>
+      <a:accent3>
+        <a:srgbClr val="9bbb59"/>
+      </a:accent3>
+      <a:accent4>
+        <a:srgbClr val="8064a2"/>
+      </a:accent4>
+      <a:accent5>
+        <a:srgbClr val="4bacc6"/>
+      </a:accent5>
+      <a:accent6>
+        <a:srgbClr val="f79646"/>
+      </a:accent6>
+      <a:hlink>
+        <a:srgbClr val="0000ff"/>
+      </a:hlink>
+      <a:folHlink>
+        <a:srgbClr val="800080"/>
+      </a:folHlink>
+    </a:clrScheme>
+    <a:fontScheme name="Office">
+      <a:majorFont>
+        <a:latin typeface="Arial"/>
+        <a:ea typeface="DejaVu Sans"/>
+        <a:cs typeface="DejaVu Sans"/>
+      </a:majorFont>
+      <a:minorFont>
+        <a:latin typeface="Arial"/>
+        <a:ea typeface="DejaVu Sans"/>
+        <a:cs typeface="DejaVu Sans"/>
+      </a:minorFont>
+    </a:fontScheme>
+    <a:fmtScheme name="Office">
+      <a:fillStyleLst>
+        <a:solidFill>
+          <a:schemeClr val="phClr"/>
+        </a:solidFill>
+        <a:gradFill rotWithShape="1">
+          <a:gsLst>
+            <a:gs pos="0">
+              <a:schemeClr val="phClr">
+                <a:tint val="50000"/>
+                <a:satMod val="300000"/>
+              </a:schemeClr>
+            </a:gs>
+            <a:gs pos="35000">
+              <a:schemeClr val="phClr">
+                <a:tint val="37000"/>
+                <a:satMod val="300000"/>
+              </a:schemeClr>
+            </a:gs>
+            <a:gs pos="100000">
+              <a:schemeClr val="phClr">
+                <a:tint val="15000"/>
+                <a:satMod val="350000"/>
+              </a:schemeClr>
+            </a:gs>
+          </a:gsLst>
+          <a:lin ang="16200000" scaled="1"/>
+        </a:gradFill>
+        <a:gradFill rotWithShape="1">
+          <a:gsLst>
+            <a:gs pos="0">
+              <a:schemeClr val="phClr">
+                <a:shade val="51000"/>
+                <a:satMod val="130000"/>
+              </a:schemeClr>
+            </a:gs>
+            <a:gs pos="80000">
+              <a:schemeClr val="phClr">
+                <a:shade val="93000"/>
+                <a:satMod val="130000"/>
+              </a:schemeClr>
+            </a:gs>
+            <a:gs pos="100000">
+              <a:schemeClr val="phClr">
+                <a:shade val="94000"/>
+                <a:satMod val="135000"/>
+              </a:schemeClr>
+            </a:gs>
+          </a:gsLst>
+          <a:lin ang="16200000" scaled="0"/>
+        </a:gradFill>
+      </a:fillStyleLst>
+      <a:lnStyleLst>
+        <a:ln w="9525" cap="flat" cmpd="sng" algn="ctr">
+          <a:solidFill>
+            <a:schemeClr val="phClr">
+              <a:shade val="95000"/>
+              <a:satMod val="105000"/>
+            </a:schemeClr>
+          </a:solidFill>
+          <a:prstDash val="solid"/>
+          <a:miter/>
+        </a:ln>
+        <a:ln w="25400" cap="flat" cmpd="sng" algn="ctr">
+          <a:solidFill>
+            <a:schemeClr val="phClr"/>
+          </a:solidFill>
+          <a:prstDash val="solid"/>
+          <a:miter/>
+        </a:ln>
+        <a:ln w="38100" cap="flat" cmpd="sng" algn="ctr">
+          <a:solidFill>
+            <a:schemeClr val="phClr"/>
+          </a:solidFill>
+          <a:prstDash val="solid"/>
+          <a:miter/>
+        </a:ln>
+      </a:lnStyleLst>
+      <a:effectStyleLst>
+        <a:effectStyle>
+          <a:effectLst>
+            <a:outerShdw blurRad="40000" dist="20000" dir="5400000" rotWithShape="0">
+              <a:srgbClr val="000000">
+                <a:alpha val="38000"/>
+              </a:srgbClr>
+            </a:outerShdw>
+          </a:effectLst>
+        </a:effectStyle>
+        <a:effectStyle>
+          <a:effectLst>
+            <a:outerShdw blurRad="40000" dist="23000" dir="5400000" rotWithShape="0">
+              <a:srgbClr val="000000">
+                <a:alpha val="35000"/>
+              </a:srgbClr>
+            </a:outerShdw>
+          </a:effectLst>
+        </a:effectStyle>
+        <a:effectStyle>
+          <a:effectLst>
+            <a:outerShdw blurRad="40000" dist="23000" dir="5400000" rotWithShape="0">
+              <a:srgbClr val="000000">
+                <a:alpha val="35000"/>
+              </a:srgbClr>
+            </a:outerShdw>
+          </a:effectLst>
+          <a:scene3d>
+            <a:camera prst="orthographicFront">
+              <a:rot lat="0" lon="0" rev="0"/>
+            </a:camera>
+            <a:lightRig rig="threePt" dir="t">
+              <a:rot lat="0" lon="0" rev="1200000"/>
+            </a:lightRig>
+          </a:scene3d>
+          <a:sp3d>
+            <a:bevelT w="63500" h="25400"/>
+          </a:sp3d>
+        </a:effectStyle>
+      </a:effectStyleLst>
+      <a:bgFillStyleLst>
+        <a:solidFill>
+          <a:schemeClr val="phClr"/>
+        </a:solidFill>
+        <a:gradFill rotWithShape="1">
+          <a:gsLst>
+            <a:gs pos="0">
+              <a:schemeClr val="phClr">
+                <a:tint val="40000"/>
+                <a:satMod val="350000"/>
+              </a:schemeClr>
+            </a:gs>
+            <a:gs pos="40000">
+              <a:schemeClr val="phClr">
+                <a:tint val="45000"/>
+                <a:shade val="99000"/>
+                <a:satMod val="350000"/>
+              </a:schemeClr>
+            </a:gs>
+            <a:gs pos="100000">
+              <a:schemeClr val="phClr">
+                <a:shade val="20000"/>
+                <a:satMod val="255000"/>
+              </a:schemeClr>
+            </a:gs>
+          </a:gsLst>
+          <a:path path="circle">
+            <a:fillToRect l="50000" t="-80000" r="50000" b="180000"/>
+          </a:path>
+        </a:gradFill>
+        <a:gradFill rotWithShape="1">
+          <a:gsLst>
+            <a:gs pos="0">
+              <a:schemeClr val="phClr">
+                <a:tint val="80000"/>
+                <a:satMod val="300000"/>
+              </a:schemeClr>
+            </a:gs>
+            <a:gs pos="100000">
+              <a:schemeClr val="phClr">
+                <a:shade val="30000"/>
+                <a:satMod val="200000"/>
+              </a:schemeClr>
+            </a:gs>
+          </a:gsLst>
+          <a:path path="circle">
+            <a:fillToRect l="50000" t="50000" r="50000" b="50000"/>
+          </a:path>
+        </a:gradFill>
+      </a:bgFillStyleLst>
+    </a:fmtScheme>
+  </a:themeElements>
+</a:theme>
 </file>
--- a/test_applications/1min_presentation_testapplications.pptx
+++ b/test_applications/1min_presentation_testapplications.pptx
@@ -80,7 +80,7 @@
         <p:spPr>
           <a:xfrm>
             <a:off x="486000" y="258480"/>
-            <a:ext cx="8742960" cy="1077120"/>
+            <a:ext cx="8747640" cy="1081800"/>
           </a:xfrm>
           <a:prstGeom prst="rect">
             <a:avLst/>
@@ -111,7 +111,7 @@
         <p:spPr>
           <a:xfrm>
             <a:off x="486000" y="1516320"/>
-            <a:ext cx="8747280" cy="1792080"/>
+            <a:ext cx="8747640" cy="1792440"/>
           </a:xfrm>
           <a:prstGeom prst="rect">
             <a:avLst/>
@@ -140,8 +140,8 @@
         </p:nvSpPr>
         <p:spPr>
           <a:xfrm>
-            <a:off x="486000" y="3479040"/>
-            <a:ext cx="8747280" cy="1792080"/>
+            <a:off x="486000" y="3479400"/>
+            <a:ext cx="8747640" cy="1792440"/>
           </a:xfrm>
           <a:prstGeom prst="rect">
             <a:avLst/>
@@ -193,7 +193,7 @@
         <p:spPr>
           <a:xfrm>
             <a:off x="486000" y="258480"/>
-            <a:ext cx="8742960" cy="1077120"/>
+            <a:ext cx="8747640" cy="1081800"/>
           </a:xfrm>
           <a:prstGeom prst="rect">
             <a:avLst/>
@@ -224,7 +224,7 @@
         <p:spPr>
           <a:xfrm>
             <a:off x="486000" y="1516320"/>
-            <a:ext cx="4268520" cy="1792080"/>
+            <a:ext cx="4268520" cy="1792440"/>
           </a:xfrm>
           <a:prstGeom prst="rect">
             <a:avLst/>
@@ -254,7 +254,7 @@
         <p:spPr>
           <a:xfrm>
             <a:off x="4968360" y="1516320"/>
-            <a:ext cx="4268520" cy="1792080"/>
+            <a:ext cx="4268520" cy="1792440"/>
           </a:xfrm>
           <a:prstGeom prst="rect">
             <a:avLst/>
@@ -283,8 +283,8 @@
         </p:nvSpPr>
         <p:spPr>
           <a:xfrm>
-            <a:off x="486000" y="3479040"/>
-            <a:ext cx="4268520" cy="1792080"/>
+            <a:off x="486000" y="3479400"/>
+            <a:ext cx="4268520" cy="1792440"/>
           </a:xfrm>
           <a:prstGeom prst="rect">
             <a:avLst/>
@@ -313,8 +313,8 @@
         </p:nvSpPr>
         <p:spPr>
           <a:xfrm>
-            <a:off x="4968360" y="3479040"/>
-            <a:ext cx="4268520" cy="1792080"/>
+            <a:off x="4968360" y="3479400"/>
+            <a:ext cx="4268520" cy="1792440"/>
           </a:xfrm>
           <a:prstGeom prst="rect">
             <a:avLst/>
@@ -366,7 +366,7 @@
         <p:spPr>
           <a:xfrm>
             <a:off x="486000" y="258480"/>
-            <a:ext cx="8742960" cy="1077120"/>
+            <a:ext cx="8747640" cy="1081800"/>
           </a:xfrm>
           <a:prstGeom prst="rect">
             <a:avLst/>
@@ -397,7 +397,7 @@
         <p:spPr>
           <a:xfrm>
             <a:off x="486000" y="1516320"/>
-            <a:ext cx="2816280" cy="1792080"/>
+            <a:ext cx="2816640" cy="1792440"/>
           </a:xfrm>
           <a:prstGeom prst="rect">
             <a:avLst/>
@@ -426,8 +426,8 @@
         </p:nvSpPr>
         <p:spPr>
           <a:xfrm>
-            <a:off x="3443400" y="1516320"/>
-            <a:ext cx="2816280" cy="1792080"/>
+            <a:off x="3443760" y="1516320"/>
+            <a:ext cx="2816640" cy="1792440"/>
           </a:xfrm>
           <a:prstGeom prst="rect">
             <a:avLst/>
@@ -456,8 +456,8 @@
         </p:nvSpPr>
         <p:spPr>
           <a:xfrm>
-            <a:off x="6400800" y="1516320"/>
-            <a:ext cx="2816280" cy="1792080"/>
+            <a:off x="6401880" y="1516320"/>
+            <a:ext cx="2816640" cy="1792440"/>
           </a:xfrm>
           <a:prstGeom prst="rect">
             <a:avLst/>
@@ -486,8 +486,8 @@
         </p:nvSpPr>
         <p:spPr>
           <a:xfrm>
-            <a:off x="486000" y="3479040"/>
-            <a:ext cx="2816280" cy="1792080"/>
+            <a:off x="486000" y="3479400"/>
+            <a:ext cx="2816640" cy="1792440"/>
           </a:xfrm>
           <a:prstGeom prst="rect">
             <a:avLst/>
@@ -516,8 +516,8 @@
         </p:nvSpPr>
         <p:spPr>
           <a:xfrm>
-            <a:off x="3443400" y="3479040"/>
-            <a:ext cx="2816280" cy="1792080"/>
+            <a:off x="3443760" y="3479400"/>
+            <a:ext cx="2816640" cy="1792440"/>
           </a:xfrm>
           <a:prstGeom prst="rect">
             <a:avLst/>
@@ -546,8 +546,8 @@
         </p:nvSpPr>
         <p:spPr>
           <a:xfrm>
-            <a:off x="6400800" y="3479040"/>
-            <a:ext cx="2816280" cy="1792080"/>
+            <a:off x="6401880" y="3479400"/>
+            <a:ext cx="2816640" cy="1792440"/>
           </a:xfrm>
           <a:prstGeom prst="rect">
             <a:avLst/>
@@ -621,7 +621,7 @@
         <p:spPr>
           <a:xfrm>
             <a:off x="486000" y="258480"/>
-            <a:ext cx="8742960" cy="1077120"/>
+            <a:ext cx="8747640" cy="1081800"/>
           </a:xfrm>
           <a:prstGeom prst="rect">
             <a:avLst/>
@@ -652,7 +652,7 @@
         <p:spPr>
           <a:xfrm>
             <a:off x="486000" y="1516320"/>
-            <a:ext cx="8747280" cy="3757680"/>
+            <a:ext cx="8747640" cy="3758040"/>
           </a:xfrm>
           <a:prstGeom prst="rect">
             <a:avLst/>
@@ -705,7 +705,7 @@
         <p:spPr>
           <a:xfrm>
             <a:off x="486000" y="258480"/>
-            <a:ext cx="8742960" cy="1077120"/>
+            <a:ext cx="8747640" cy="1081800"/>
           </a:xfrm>
           <a:prstGeom prst="rect">
             <a:avLst/>
@@ -736,7 +736,7 @@
         <p:spPr>
           <a:xfrm>
             <a:off x="486000" y="1516320"/>
-            <a:ext cx="8747280" cy="3757680"/>
+            <a:ext cx="8747640" cy="3758040"/>
           </a:xfrm>
           <a:prstGeom prst="rect">
             <a:avLst/>
@@ -788,7 +788,7 @@
         <p:spPr>
           <a:xfrm>
             <a:off x="486000" y="258480"/>
-            <a:ext cx="8742960" cy="1077120"/>
+            <a:ext cx="8747640" cy="1081800"/>
           </a:xfrm>
           <a:prstGeom prst="rect">
             <a:avLst/>
@@ -819,7 +819,7 @@
         <p:spPr>
           <a:xfrm>
             <a:off x="486000" y="1516320"/>
-            <a:ext cx="4268520" cy="3757680"/>
+            <a:ext cx="4268520" cy="3758040"/>
           </a:xfrm>
           <a:prstGeom prst="rect">
             <a:avLst/>
@@ -849,7 +849,7 @@
         <p:spPr>
           <a:xfrm>
             <a:off x="4968360" y="1516320"/>
-            <a:ext cx="4268520" cy="3757680"/>
+            <a:ext cx="4268520" cy="3758040"/>
           </a:xfrm>
           <a:prstGeom prst="rect">
             <a:avLst/>
@@ -901,7 +901,7 @@
         <p:spPr>
           <a:xfrm>
             <a:off x="486000" y="258480"/>
-            <a:ext cx="8742960" cy="1077120"/>
+            <a:ext cx="8747640" cy="1081800"/>
           </a:xfrm>
           <a:prstGeom prst="rect">
             <a:avLst/>
@@ -954,7 +954,7 @@
         <p:spPr>
           <a:xfrm>
             <a:off x="486000" y="258480"/>
-            <a:ext cx="8742960" cy="4994280"/>
+            <a:ext cx="8747640" cy="5015880"/>
           </a:xfrm>
           <a:prstGeom prst="rect">
             <a:avLst/>
@@ -1007,7 +1007,7 @@
         <p:spPr>
           <a:xfrm>
             <a:off x="486000" y="258480"/>
-            <a:ext cx="8742960" cy="1077120"/>
+            <a:ext cx="8747640" cy="1081800"/>
           </a:xfrm>
           <a:prstGeom prst="rect">
             <a:avLst/>
@@ -1038,7 +1038,7 @@
         <p:spPr>
           <a:xfrm>
             <a:off x="486000" y="1516320"/>
-            <a:ext cx="4268520" cy="1792080"/>
+            <a:ext cx="4268520" cy="1792440"/>
           </a:xfrm>
           <a:prstGeom prst="rect">
             <a:avLst/>
@@ -1068,7 +1068,7 @@
         <p:spPr>
           <a:xfrm>
             <a:off x="4968360" y="1516320"/>
-            <a:ext cx="4268520" cy="3757680"/>
+            <a:ext cx="4268520" cy="3758040"/>
           </a:xfrm>
           <a:prstGeom prst="rect">
             <a:avLst/>
@@ -1097,8 +1097,8 @@
         </p:nvSpPr>
         <p:spPr>
           <a:xfrm>
-            <a:off x="486000" y="3479040"/>
-            <a:ext cx="4268520" cy="1792080"/>
+            <a:off x="486000" y="3479400"/>
+            <a:ext cx="4268520" cy="1792440"/>
           </a:xfrm>
           <a:prstGeom prst="rect">
             <a:avLst/>
@@ -1150,7 +1150,7 @@
         <p:spPr>
           <a:xfrm>
             <a:off x="486000" y="258480"/>
-            <a:ext cx="8742960" cy="1077120"/>
+            <a:ext cx="8747640" cy="1081800"/>
           </a:xfrm>
           <a:prstGeom prst="rect">
             <a:avLst/>
@@ -1181,7 +1181,7 @@
         <p:spPr>
           <a:xfrm>
             <a:off x="486000" y="1516320"/>
-            <a:ext cx="8747280" cy="3757680"/>
+            <a:ext cx="8747640" cy="3758040"/>
           </a:xfrm>
           <a:prstGeom prst="rect">
             <a:avLst/>
@@ -1234,7 +1234,7 @@
         <p:spPr>
           <a:xfrm>
             <a:off x="486000" y="258480"/>
-            <a:ext cx="8742960" cy="1077120"/>
+            <a:ext cx="8747640" cy="1081800"/>
           </a:xfrm>
           <a:prstGeom prst="rect">
             <a:avLst/>
@@ -1265,7 +1265,7 @@
         <p:spPr>
           <a:xfrm>
             <a:off x="486000" y="1516320"/>
-            <a:ext cx="4268520" cy="3757680"/>
+            <a:ext cx="4268520" cy="3758040"/>
           </a:xfrm>
           <a:prstGeom prst="rect">
             <a:avLst/>
@@ -1295,7 +1295,7 @@
         <p:spPr>
           <a:xfrm>
             <a:off x="4968360" y="1516320"/>
-            <a:ext cx="4268520" cy="1792080"/>
+            <a:ext cx="4268520" cy="1792440"/>
           </a:xfrm>
           <a:prstGeom prst="rect">
             <a:avLst/>
@@ -1324,8 +1324,8 @@
         </p:nvSpPr>
         <p:spPr>
           <a:xfrm>
-            <a:off x="4968360" y="3479040"/>
-            <a:ext cx="4268520" cy="1792080"/>
+            <a:off x="4968360" y="3479400"/>
+            <a:ext cx="4268520" cy="1792440"/>
           </a:xfrm>
           <a:prstGeom prst="rect">
             <a:avLst/>
@@ -1377,7 +1377,7 @@
         <p:spPr>
           <a:xfrm>
             <a:off x="486000" y="258480"/>
-            <a:ext cx="8742960" cy="1077120"/>
+            <a:ext cx="8747640" cy="1081800"/>
           </a:xfrm>
           <a:prstGeom prst="rect">
             <a:avLst/>
@@ -1408,7 +1408,7 @@
         <p:spPr>
           <a:xfrm>
             <a:off x="486000" y="1516320"/>
-            <a:ext cx="4268520" cy="1792080"/>
+            <a:ext cx="4268520" cy="1792440"/>
           </a:xfrm>
           <a:prstGeom prst="rect">
             <a:avLst/>
@@ -1438,7 +1438,7 @@
         <p:spPr>
           <a:xfrm>
             <a:off x="4968360" y="1516320"/>
-            <a:ext cx="4268520" cy="1792080"/>
+            <a:ext cx="4268520" cy="1792440"/>
           </a:xfrm>
           <a:prstGeom prst="rect">
             <a:avLst/>
@@ -1467,8 +1467,8 @@
         </p:nvSpPr>
         <p:spPr>
           <a:xfrm>
-            <a:off x="486000" y="3479040"/>
-            <a:ext cx="8747280" cy="1792080"/>
+            <a:off x="486000" y="3479400"/>
+            <a:ext cx="8747640" cy="1792440"/>
           </a:xfrm>
           <a:prstGeom prst="rect">
             <a:avLst/>
@@ -1520,7 +1520,7 @@
         <p:spPr>
           <a:xfrm>
             <a:off x="486000" y="258480"/>
-            <a:ext cx="8742960" cy="1077120"/>
+            <a:ext cx="8747640" cy="1081800"/>
           </a:xfrm>
           <a:prstGeom prst="rect">
             <a:avLst/>
@@ -1551,7 +1551,7 @@
         <p:spPr>
           <a:xfrm>
             <a:off x="486000" y="1516320"/>
-            <a:ext cx="8747280" cy="1792080"/>
+            <a:ext cx="8747640" cy="1792440"/>
           </a:xfrm>
           <a:prstGeom prst="rect">
             <a:avLst/>
@@ -1580,8 +1580,8 @@
         </p:nvSpPr>
         <p:spPr>
           <a:xfrm>
-            <a:off x="486000" y="3479040"/>
-            <a:ext cx="8747280" cy="1792080"/>
+            <a:off x="486000" y="3479400"/>
+            <a:ext cx="8747640" cy="1792440"/>
           </a:xfrm>
           <a:prstGeom prst="rect">
             <a:avLst/>
@@ -1633,7 +1633,7 @@
         <p:spPr>
           <a:xfrm>
             <a:off x="486000" y="258480"/>
-            <a:ext cx="8742960" cy="1077120"/>
+            <a:ext cx="8747640" cy="1081800"/>
           </a:xfrm>
           <a:prstGeom prst="rect">
             <a:avLst/>
@@ -1664,7 +1664,7 @@
         <p:spPr>
           <a:xfrm>
             <a:off x="486000" y="1516320"/>
-            <a:ext cx="4268520" cy="1792080"/>
+            <a:ext cx="4268520" cy="1792440"/>
           </a:xfrm>
           <a:prstGeom prst="rect">
             <a:avLst/>
@@ -1694,7 +1694,7 @@
         <p:spPr>
           <a:xfrm>
             <a:off x="4968360" y="1516320"/>
-            <a:ext cx="4268520" cy="1792080"/>
+            <a:ext cx="4268520" cy="1792440"/>
           </a:xfrm>
           <a:prstGeom prst="rect">
             <a:avLst/>
@@ -1723,8 +1723,8 @@
         </p:nvSpPr>
         <p:spPr>
           <a:xfrm>
-            <a:off x="486000" y="3479040"/>
-            <a:ext cx="4268520" cy="1792080"/>
+            <a:off x="486000" y="3479400"/>
+            <a:ext cx="4268520" cy="1792440"/>
           </a:xfrm>
           <a:prstGeom prst="rect">
             <a:avLst/>
@@ -1753,8 +1753,8 @@
         </p:nvSpPr>
         <p:spPr>
           <a:xfrm>
-            <a:off x="4968360" y="3479040"/>
-            <a:ext cx="4268520" cy="1792080"/>
+            <a:off x="4968360" y="3479400"/>
+            <a:ext cx="4268520" cy="1792440"/>
           </a:xfrm>
           <a:prstGeom prst="rect">
             <a:avLst/>
@@ -1806,7 +1806,7 @@
         <p:spPr>
           <a:xfrm>
             <a:off x="486000" y="258480"/>
-            <a:ext cx="8742960" cy="1077120"/>
+            <a:ext cx="8747640" cy="1081800"/>
           </a:xfrm>
           <a:prstGeom prst="rect">
             <a:avLst/>
@@ -1837,7 +1837,7 @@
         <p:spPr>
           <a:xfrm>
             <a:off x="486000" y="1516320"/>
-            <a:ext cx="2816280" cy="1792080"/>
+            <a:ext cx="2816640" cy="1792440"/>
           </a:xfrm>
           <a:prstGeom prst="rect">
             <a:avLst/>
@@ -1866,8 +1866,8 @@
         </p:nvSpPr>
         <p:spPr>
           <a:xfrm>
-            <a:off x="3443400" y="1516320"/>
-            <a:ext cx="2816280" cy="1792080"/>
+            <a:off x="3443760" y="1516320"/>
+            <a:ext cx="2816640" cy="1792440"/>
           </a:xfrm>
           <a:prstGeom prst="rect">
             <a:avLst/>
@@ -1896,8 +1896,8 @@
         </p:nvSpPr>
         <p:spPr>
           <a:xfrm>
-            <a:off x="6400800" y="1516320"/>
-            <a:ext cx="2816280" cy="1792080"/>
+            <a:off x="6401880" y="1516320"/>
+            <a:ext cx="2816640" cy="1792440"/>
           </a:xfrm>
           <a:prstGeom prst="rect">
             <a:avLst/>
@@ -1926,8 +1926,8 @@
         </p:nvSpPr>
         <p:spPr>
           <a:xfrm>
-            <a:off x="486000" y="3479040"/>
-            <a:ext cx="2816280" cy="1792080"/>
+            <a:off x="486000" y="3479400"/>
+            <a:ext cx="2816640" cy="1792440"/>
           </a:xfrm>
           <a:prstGeom prst="rect">
             <a:avLst/>
@@ -1956,8 +1956,8 @@
         </p:nvSpPr>
         <p:spPr>
           <a:xfrm>
-            <a:off x="3443400" y="3479040"/>
-            <a:ext cx="2816280" cy="1792080"/>
+            <a:off x="3443760" y="3479400"/>
+            <a:ext cx="2816640" cy="1792440"/>
           </a:xfrm>
           <a:prstGeom prst="rect">
             <a:avLst/>
@@ -1986,8 +1986,8 @@
         </p:nvSpPr>
         <p:spPr>
           <a:xfrm>
-            <a:off x="6400800" y="3479040"/>
-            <a:ext cx="2816280" cy="1792080"/>
+            <a:off x="6401880" y="3479400"/>
+            <a:ext cx="2816640" cy="1792440"/>
           </a:xfrm>
           <a:prstGeom prst="rect">
             <a:avLst/>
@@ -2061,7 +2061,7 @@
         <p:spPr>
           <a:xfrm>
             <a:off x="486000" y="258480"/>
-            <a:ext cx="8742960" cy="1077120"/>
+            <a:ext cx="8747640" cy="1081800"/>
           </a:xfrm>
           <a:prstGeom prst="rect">
             <a:avLst/>
@@ -2092,7 +2092,7 @@
         <p:spPr>
           <a:xfrm>
             <a:off x="486000" y="1516320"/>
-            <a:ext cx="8747280" cy="3757680"/>
+            <a:ext cx="8747640" cy="3758040"/>
           </a:xfrm>
           <a:prstGeom prst="rect">
             <a:avLst/>
@@ -2145,7 +2145,7 @@
         <p:spPr>
           <a:xfrm>
             <a:off x="486000" y="258480"/>
-            <a:ext cx="8742960" cy="1077120"/>
+            <a:ext cx="8747640" cy="1081800"/>
           </a:xfrm>
           <a:prstGeom prst="rect">
             <a:avLst/>
@@ -2176,7 +2176,7 @@
         <p:spPr>
           <a:xfrm>
             <a:off x="486000" y="1516320"/>
-            <a:ext cx="8747280" cy="3757680"/>
+            <a:ext cx="8747640" cy="3758040"/>
           </a:xfrm>
           <a:prstGeom prst="rect">
             <a:avLst/>
@@ -2228,7 +2228,7 @@
         <p:spPr>
           <a:xfrm>
             <a:off x="486000" y="258480"/>
-            <a:ext cx="8742960" cy="1077120"/>
+            <a:ext cx="8747640" cy="1081800"/>
           </a:xfrm>
           <a:prstGeom prst="rect">
             <a:avLst/>
@@ -2259,7 +2259,7 @@
         <p:spPr>
           <a:xfrm>
             <a:off x="486000" y="1516320"/>
-            <a:ext cx="4268520" cy="3757680"/>
+            <a:ext cx="4268520" cy="3758040"/>
           </a:xfrm>
           <a:prstGeom prst="rect">
             <a:avLst/>
@@ -2289,7 +2289,7 @@
         <p:spPr>
           <a:xfrm>
             <a:off x="4968360" y="1516320"/>
-            <a:ext cx="4268520" cy="3757680"/>
+            <a:ext cx="4268520" cy="3758040"/>
           </a:xfrm>
           <a:prstGeom prst="rect">
             <a:avLst/>
@@ -2341,7 +2341,7 @@
         <p:spPr>
           <a:xfrm>
             <a:off x="486000" y="258480"/>
-            <a:ext cx="8742960" cy="1077120"/>
+            <a:ext cx="8747640" cy="1081800"/>
           </a:xfrm>
           <a:prstGeom prst="rect">
             <a:avLst/>
@@ -2394,7 +2394,7 @@
         <p:spPr>
           <a:xfrm>
             <a:off x="486000" y="258480"/>
-            <a:ext cx="8742960" cy="1077120"/>
+            <a:ext cx="8747640" cy="1081800"/>
           </a:xfrm>
           <a:prstGeom prst="rect">
             <a:avLst/>
@@ -2425,7 +2425,7 @@
         <p:spPr>
           <a:xfrm>
             <a:off x="486000" y="1516320"/>
-            <a:ext cx="8747280" cy="3757680"/>
+            <a:ext cx="8747640" cy="3758040"/>
           </a:xfrm>
           <a:prstGeom prst="rect">
             <a:avLst/>
@@ -2477,7 +2477,7 @@
         <p:spPr>
           <a:xfrm>
             <a:off x="486000" y="258480"/>
-            <a:ext cx="8742960" cy="4994280"/>
+            <a:ext cx="8747640" cy="5015880"/>
           </a:xfrm>
           <a:prstGeom prst="rect">
             <a:avLst/>
@@ -2530,7 +2530,7 @@
         <p:spPr>
           <a:xfrm>
             <a:off x="486000" y="258480"/>
-            <a:ext cx="8742960" cy="1077120"/>
+            <a:ext cx="8747640" cy="1081800"/>
           </a:xfrm>
           <a:prstGeom prst="rect">
             <a:avLst/>
@@ -2561,7 +2561,7 @@
         <p:spPr>
           <a:xfrm>
             <a:off x="486000" y="1516320"/>
-            <a:ext cx="4268520" cy="1792080"/>
+            <a:ext cx="4268520" cy="1792440"/>
           </a:xfrm>
           <a:prstGeom prst="rect">
             <a:avLst/>
@@ -2591,7 +2591,7 @@
         <p:spPr>
           <a:xfrm>
             <a:off x="4968360" y="1516320"/>
-            <a:ext cx="4268520" cy="3757680"/>
+            <a:ext cx="4268520" cy="3758040"/>
           </a:xfrm>
           <a:prstGeom prst="rect">
             <a:avLst/>
@@ -2620,8 +2620,8 @@
         </p:nvSpPr>
         <p:spPr>
           <a:xfrm>
-            <a:off x="486000" y="3479040"/>
-            <a:ext cx="4268520" cy="1792080"/>
+            <a:off x="486000" y="3479400"/>
+            <a:ext cx="4268520" cy="1792440"/>
           </a:xfrm>
           <a:prstGeom prst="rect">
             <a:avLst/>
@@ -2673,7 +2673,7 @@
         <p:spPr>
           <a:xfrm>
             <a:off x="486000" y="258480"/>
-            <a:ext cx="8742960" cy="1077120"/>
+            <a:ext cx="8747640" cy="1081800"/>
           </a:xfrm>
           <a:prstGeom prst="rect">
             <a:avLst/>
@@ -2704,7 +2704,7 @@
         <p:spPr>
           <a:xfrm>
             <a:off x="486000" y="1516320"/>
-            <a:ext cx="4268520" cy="3757680"/>
+            <a:ext cx="4268520" cy="3758040"/>
           </a:xfrm>
           <a:prstGeom prst="rect">
             <a:avLst/>
@@ -2734,7 +2734,7 @@
         <p:spPr>
           <a:xfrm>
             <a:off x="4968360" y="1516320"/>
-            <a:ext cx="4268520" cy="1792080"/>
+            <a:ext cx="4268520" cy="1792440"/>
           </a:xfrm>
           <a:prstGeom prst="rect">
             <a:avLst/>
@@ -2763,8 +2763,8 @@
         </p:nvSpPr>
         <p:spPr>
           <a:xfrm>
-            <a:off x="4968360" y="3479040"/>
-            <a:ext cx="4268520" cy="1792080"/>
+            <a:off x="4968360" y="3479400"/>
+            <a:ext cx="4268520" cy="1792440"/>
           </a:xfrm>
           <a:prstGeom prst="rect">
             <a:avLst/>
@@ -2816,7 +2816,7 @@
         <p:spPr>
           <a:xfrm>
             <a:off x="486000" y="258480"/>
-            <a:ext cx="8742960" cy="1077120"/>
+            <a:ext cx="8747640" cy="1081800"/>
           </a:xfrm>
           <a:prstGeom prst="rect">
             <a:avLst/>
@@ -2847,7 +2847,7 @@
         <p:spPr>
           <a:xfrm>
             <a:off x="486000" y="1516320"/>
-            <a:ext cx="4268520" cy="1792080"/>
+            <a:ext cx="4268520" cy="1792440"/>
           </a:xfrm>
           <a:prstGeom prst="rect">
             <a:avLst/>
@@ -2877,7 +2877,7 @@
         <p:spPr>
           <a:xfrm>
             <a:off x="4968360" y="1516320"/>
-            <a:ext cx="4268520" cy="1792080"/>
+            <a:ext cx="4268520" cy="1792440"/>
           </a:xfrm>
           <a:prstGeom prst="rect">
             <a:avLst/>
@@ -2906,8 +2906,8 @@
         </p:nvSpPr>
         <p:spPr>
           <a:xfrm>
-            <a:off x="486000" y="3479040"/>
-            <a:ext cx="8747280" cy="1792080"/>
+            <a:off x="486000" y="3479400"/>
+            <a:ext cx="8747640" cy="1792440"/>
           </a:xfrm>
           <a:prstGeom prst="rect">
             <a:avLst/>
@@ -2959,7 +2959,7 @@
         <p:spPr>
           <a:xfrm>
             <a:off x="486000" y="258480"/>
-            <a:ext cx="8742960" cy="1077120"/>
+            <a:ext cx="8747640" cy="1081800"/>
           </a:xfrm>
           <a:prstGeom prst="rect">
             <a:avLst/>
@@ -2990,7 +2990,7 @@
         <p:spPr>
           <a:xfrm>
             <a:off x="486000" y="1516320"/>
-            <a:ext cx="8747280" cy="1792080"/>
+            <a:ext cx="8747640" cy="1792440"/>
           </a:xfrm>
           <a:prstGeom prst="rect">
             <a:avLst/>
@@ -3019,8 +3019,8 @@
         </p:nvSpPr>
         <p:spPr>
           <a:xfrm>
-            <a:off x="486000" y="3479040"/>
-            <a:ext cx="8747280" cy="1792080"/>
+            <a:off x="486000" y="3479400"/>
+            <a:ext cx="8747640" cy="1792440"/>
           </a:xfrm>
           <a:prstGeom prst="rect">
             <a:avLst/>
@@ -3072,7 +3072,7 @@
         <p:spPr>
           <a:xfrm>
             <a:off x="486000" y="258480"/>
-            <a:ext cx="8742960" cy="1077120"/>
+            <a:ext cx="8747640" cy="1081800"/>
           </a:xfrm>
           <a:prstGeom prst="rect">
             <a:avLst/>
@@ -3103,7 +3103,7 @@
         <p:spPr>
           <a:xfrm>
             <a:off x="486000" y="1516320"/>
-            <a:ext cx="4268520" cy="1792080"/>
+            <a:ext cx="4268520" cy="1792440"/>
           </a:xfrm>
           <a:prstGeom prst="rect">
             <a:avLst/>
@@ -3133,7 +3133,7 @@
         <p:spPr>
           <a:xfrm>
             <a:off x="4968360" y="1516320"/>
-            <a:ext cx="4268520" cy="1792080"/>
+            <a:ext cx="4268520" cy="1792440"/>
           </a:xfrm>
           <a:prstGeom prst="rect">
             <a:avLst/>
@@ -3162,8 +3162,8 @@
         </p:nvSpPr>
         <p:spPr>
           <a:xfrm>
-            <a:off x="486000" y="3479040"/>
-            <a:ext cx="4268520" cy="1792080"/>
+            <a:off x="486000" y="3479400"/>
+            <a:ext cx="4268520" cy="1792440"/>
           </a:xfrm>
           <a:prstGeom prst="rect">
             <a:avLst/>
@@ -3192,8 +3192,8 @@
         </p:nvSpPr>
         <p:spPr>
           <a:xfrm>
-            <a:off x="4968360" y="3479040"/>
-            <a:ext cx="4268520" cy="1792080"/>
+            <a:off x="4968360" y="3479400"/>
+            <a:ext cx="4268520" cy="1792440"/>
           </a:xfrm>
           <a:prstGeom prst="rect">
             <a:avLst/>
@@ -3245,7 +3245,7 @@
         <p:spPr>
           <a:xfrm>
             <a:off x="486000" y="258480"/>
-            <a:ext cx="8742960" cy="1077120"/>
+            <a:ext cx="8747640" cy="1081800"/>
           </a:xfrm>
           <a:prstGeom prst="rect">
             <a:avLst/>
@@ -3276,7 +3276,7 @@
         <p:spPr>
           <a:xfrm>
             <a:off x="486000" y="1516320"/>
-            <a:ext cx="2816280" cy="1792080"/>
+            <a:ext cx="2816640" cy="1792440"/>
           </a:xfrm>
           <a:prstGeom prst="rect">
             <a:avLst/>
@@ -3305,8 +3305,8 @@
         </p:nvSpPr>
         <p:spPr>
           <a:xfrm>
-            <a:off x="3443400" y="1516320"/>
-            <a:ext cx="2816280" cy="1792080"/>
+            <a:off x="3443760" y="1516320"/>
+            <a:ext cx="2816640" cy="1792440"/>
           </a:xfrm>
           <a:prstGeom prst="rect">
             <a:avLst/>
@@ -3335,8 +3335,8 @@
         </p:nvSpPr>
         <p:spPr>
           <a:xfrm>
-            <a:off x="6400800" y="1516320"/>
-            <a:ext cx="2816280" cy="1792080"/>
+            <a:off x="6401880" y="1516320"/>
+            <a:ext cx="2816640" cy="1792440"/>
           </a:xfrm>
           <a:prstGeom prst="rect">
             <a:avLst/>
@@ -3365,8 +3365,8 @@
         </p:nvSpPr>
         <p:spPr>
           <a:xfrm>
-            <a:off x="486000" y="3479040"/>
-            <a:ext cx="2816280" cy="1792080"/>
+            <a:off x="486000" y="3479400"/>
+            <a:ext cx="2816640" cy="1792440"/>
           </a:xfrm>
           <a:prstGeom prst="rect">
             <a:avLst/>
@@ -3395,8 +3395,8 @@
         </p:nvSpPr>
         <p:spPr>
           <a:xfrm>
-            <a:off x="3443400" y="3479040"/>
-            <a:ext cx="2816280" cy="1792080"/>
+            <a:off x="3443760" y="3479400"/>
+            <a:ext cx="2816640" cy="1792440"/>
           </a:xfrm>
           <a:prstGeom prst="rect">
             <a:avLst/>
@@ -3425,8 +3425,8 @@
         </p:nvSpPr>
         <p:spPr>
           <a:xfrm>
-            <a:off x="6400800" y="3479040"/>
-            <a:ext cx="2816280" cy="1792080"/>
+            <a:off x="6401880" y="3479400"/>
+            <a:ext cx="2816640" cy="1792440"/>
           </a:xfrm>
           <a:prstGeom prst="rect">
             <a:avLst/>
@@ -3500,7 +3500,7 @@
         <p:spPr>
           <a:xfrm>
             <a:off x="486000" y="258480"/>
-            <a:ext cx="8742960" cy="1077120"/>
+            <a:ext cx="8747640" cy="1081800"/>
           </a:xfrm>
           <a:prstGeom prst="rect">
             <a:avLst/>
@@ -3531,7 +3531,7 @@
         <p:spPr>
           <a:xfrm>
             <a:off x="486000" y="1516320"/>
-            <a:ext cx="8747280" cy="3757680"/>
+            <a:ext cx="8747640" cy="3758040"/>
           </a:xfrm>
           <a:prstGeom prst="rect">
             <a:avLst/>
@@ -3584,7 +3584,7 @@
         <p:spPr>
           <a:xfrm>
             <a:off x="486000" y="258480"/>
-            <a:ext cx="8742960" cy="1077120"/>
+            <a:ext cx="8747640" cy="1081800"/>
           </a:xfrm>
           <a:prstGeom prst="rect">
             <a:avLst/>
@@ -3615,7 +3615,7 @@
         <p:spPr>
           <a:xfrm>
             <a:off x="486000" y="1516320"/>
-            <a:ext cx="8747280" cy="3757680"/>
+            <a:ext cx="8747640" cy="3758040"/>
           </a:xfrm>
           <a:prstGeom prst="rect">
             <a:avLst/>
@@ -3667,7 +3667,7 @@
         <p:spPr>
           <a:xfrm>
             <a:off x="486000" y="258480"/>
-            <a:ext cx="8742960" cy="1077120"/>
+            <a:ext cx="8747640" cy="1081800"/>
           </a:xfrm>
           <a:prstGeom prst="rect">
             <a:avLst/>
@@ -3698,7 +3698,7 @@
         <p:spPr>
           <a:xfrm>
             <a:off x="486000" y="1516320"/>
-            <a:ext cx="4268520" cy="3757680"/>
+            <a:ext cx="4268520" cy="3758040"/>
           </a:xfrm>
           <a:prstGeom prst="rect">
             <a:avLst/>
@@ -3728,7 +3728,7 @@
         <p:spPr>
           <a:xfrm>
             <a:off x="4968360" y="1516320"/>
-            <a:ext cx="4268520" cy="3757680"/>
+            <a:ext cx="4268520" cy="3758040"/>
           </a:xfrm>
           <a:prstGeom prst="rect">
             <a:avLst/>
@@ -3780,7 +3780,7 @@
         <p:spPr>
           <a:xfrm>
             <a:off x="486000" y="258480"/>
-            <a:ext cx="8742960" cy="1077120"/>
+            <a:ext cx="8747640" cy="1081800"/>
           </a:xfrm>
           <a:prstGeom prst="rect">
             <a:avLst/>
@@ -3811,7 +3811,7 @@
         <p:spPr>
           <a:xfrm>
             <a:off x="486000" y="1516320"/>
-            <a:ext cx="4268520" cy="3757680"/>
+            <a:ext cx="4268520" cy="3758040"/>
           </a:xfrm>
           <a:prstGeom prst="rect">
             <a:avLst/>
@@ -3841,7 +3841,7 @@
         <p:spPr>
           <a:xfrm>
             <a:off x="4968360" y="1516320"/>
-            <a:ext cx="4268520" cy="3757680"/>
+            <a:ext cx="4268520" cy="3758040"/>
           </a:xfrm>
           <a:prstGeom prst="rect">
             <a:avLst/>
@@ -3893,7 +3893,7 @@
         <p:spPr>
           <a:xfrm>
             <a:off x="486000" y="258480"/>
-            <a:ext cx="8742960" cy="1077120"/>
+            <a:ext cx="8747640" cy="1081800"/>
           </a:xfrm>
           <a:prstGeom prst="rect">
             <a:avLst/>
@@ -3946,7 +3946,7 @@
         <p:spPr>
           <a:xfrm>
             <a:off x="486000" y="258480"/>
-            <a:ext cx="8742960" cy="4994280"/>
+            <a:ext cx="8747640" cy="5015880"/>
           </a:xfrm>
           <a:prstGeom prst="rect">
             <a:avLst/>
@@ -3999,7 +3999,7 @@
         <p:spPr>
           <a:xfrm>
             <a:off x="486000" y="258480"/>
-            <a:ext cx="8742960" cy="1077120"/>
+            <a:ext cx="8747640" cy="1081800"/>
           </a:xfrm>
           <a:prstGeom prst="rect">
             <a:avLst/>
@@ -4030,7 +4030,7 @@
         <p:spPr>
           <a:xfrm>
             <a:off x="486000" y="1516320"/>
-            <a:ext cx="4268520" cy="1792080"/>
+            <a:ext cx="4268520" cy="1792440"/>
           </a:xfrm>
           <a:prstGeom prst="rect">
             <a:avLst/>
@@ -4060,7 +4060,7 @@
         <p:spPr>
           <a:xfrm>
             <a:off x="4968360" y="1516320"/>
-            <a:ext cx="4268520" cy="3757680"/>
+            <a:ext cx="4268520" cy="3758040"/>
           </a:xfrm>
           <a:prstGeom prst="rect">
             <a:avLst/>
@@ -4089,8 +4089,8 @@
         </p:nvSpPr>
         <p:spPr>
           <a:xfrm>
-            <a:off x="486000" y="3479040"/>
-            <a:ext cx="4268520" cy="1792080"/>
+            <a:off x="486000" y="3479400"/>
+            <a:ext cx="4268520" cy="1792440"/>
           </a:xfrm>
           <a:prstGeom prst="rect">
             <a:avLst/>
@@ -4142,7 +4142,7 @@
         <p:spPr>
           <a:xfrm>
             <a:off x="486000" y="258480"/>
-            <a:ext cx="8742960" cy="1077120"/>
+            <a:ext cx="8747640" cy="1081800"/>
           </a:xfrm>
           <a:prstGeom prst="rect">
             <a:avLst/>
@@ -4173,7 +4173,7 @@
         <p:spPr>
           <a:xfrm>
             <a:off x="486000" y="1516320"/>
-            <a:ext cx="4268520" cy="3757680"/>
+            <a:ext cx="4268520" cy="3758040"/>
           </a:xfrm>
           <a:prstGeom prst="rect">
             <a:avLst/>
@@ -4203,7 +4203,7 @@
         <p:spPr>
           <a:xfrm>
             <a:off x="4968360" y="1516320"/>
-            <a:ext cx="4268520" cy="1792080"/>
+            <a:ext cx="4268520" cy="1792440"/>
           </a:xfrm>
           <a:prstGeom prst="rect">
             <a:avLst/>
@@ -4232,8 +4232,8 @@
         </p:nvSpPr>
         <p:spPr>
           <a:xfrm>
-            <a:off x="4968360" y="3479040"/>
-            <a:ext cx="4268520" cy="1792080"/>
+            <a:off x="4968360" y="3479400"/>
+            <a:ext cx="4268520" cy="1792440"/>
           </a:xfrm>
           <a:prstGeom prst="rect">
             <a:avLst/>
@@ -4285,7 +4285,7 @@
         <p:spPr>
           <a:xfrm>
             <a:off x="486000" y="258480"/>
-            <a:ext cx="8742960" cy="1077120"/>
+            <a:ext cx="8747640" cy="1081800"/>
           </a:xfrm>
           <a:prstGeom prst="rect">
             <a:avLst/>
@@ -4316,7 +4316,7 @@
         <p:spPr>
           <a:xfrm>
             <a:off x="486000" y="1516320"/>
-            <a:ext cx="4268520" cy="1792080"/>
+            <a:ext cx="4268520" cy="1792440"/>
           </a:xfrm>
           <a:prstGeom prst="rect">
             <a:avLst/>
@@ -4346,7 +4346,7 @@
         <p:spPr>
           <a:xfrm>
             <a:off x="4968360" y="1516320"/>
-            <a:ext cx="4268520" cy="1792080"/>
+            <a:ext cx="4268520" cy="1792440"/>
           </a:xfrm>
           <a:prstGeom prst="rect">
             <a:avLst/>
@@ -4375,8 +4375,8 @@
         </p:nvSpPr>
         <p:spPr>
           <a:xfrm>
-            <a:off x="486000" y="3479040"/>
-            <a:ext cx="8747280" cy="1792080"/>
+            <a:off x="486000" y="3479400"/>
+            <a:ext cx="8747640" cy="1792440"/>
           </a:xfrm>
           <a:prstGeom prst="rect">
             <a:avLst/>
@@ -4428,7 +4428,7 @@
         <p:spPr>
           <a:xfrm>
             <a:off x="486000" y="258480"/>
-            <a:ext cx="8742960" cy="1077120"/>
+            <a:ext cx="8747640" cy="1081800"/>
           </a:xfrm>
           <a:prstGeom prst="rect">
             <a:avLst/>
@@ -4459,7 +4459,7 @@
         <p:spPr>
           <a:xfrm>
             <a:off x="486000" y="1516320"/>
-            <a:ext cx="8747280" cy="1792080"/>
+            <a:ext cx="8747640" cy="1792440"/>
           </a:xfrm>
           <a:prstGeom prst="rect">
             <a:avLst/>
@@ -4488,8 +4488,8 @@
         </p:nvSpPr>
         <p:spPr>
           <a:xfrm>
-            <a:off x="486000" y="3479040"/>
-            <a:ext cx="8747280" cy="1792080"/>
+            <a:off x="486000" y="3479400"/>
+            <a:ext cx="8747640" cy="1792440"/>
           </a:xfrm>
           <a:prstGeom prst="rect">
             <a:avLst/>
@@ -4541,7 +4541,7 @@
         <p:spPr>
           <a:xfrm>
             <a:off x="486000" y="258480"/>
-            <a:ext cx="8742960" cy="1077120"/>
+            <a:ext cx="8747640" cy="1081800"/>
           </a:xfrm>
           <a:prstGeom prst="rect">
             <a:avLst/>
@@ -4572,7 +4572,7 @@
         <p:spPr>
           <a:xfrm>
             <a:off x="486000" y="1516320"/>
-            <a:ext cx="4268520" cy="1792080"/>
+            <a:ext cx="4268520" cy="1792440"/>
           </a:xfrm>
           <a:prstGeom prst="rect">
             <a:avLst/>
@@ -4602,7 +4602,7 @@
         <p:spPr>
           <a:xfrm>
             <a:off x="4968360" y="1516320"/>
-            <a:ext cx="4268520" cy="1792080"/>
+            <a:ext cx="4268520" cy="1792440"/>
           </a:xfrm>
           <a:prstGeom prst="rect">
             <a:avLst/>
@@ -4631,8 +4631,8 @@
         </p:nvSpPr>
         <p:spPr>
           <a:xfrm>
-            <a:off x="486000" y="3479040"/>
-            <a:ext cx="4268520" cy="1792080"/>
+            <a:off x="486000" y="3479400"/>
+            <a:ext cx="4268520" cy="1792440"/>
           </a:xfrm>
           <a:prstGeom prst="rect">
             <a:avLst/>
@@ -4661,8 +4661,8 @@
         </p:nvSpPr>
         <p:spPr>
           <a:xfrm>
-            <a:off x="4968360" y="3479040"/>
-            <a:ext cx="4268520" cy="1792080"/>
+            <a:off x="4968360" y="3479400"/>
+            <a:ext cx="4268520" cy="1792440"/>
           </a:xfrm>
           <a:prstGeom prst="rect">
             <a:avLst/>
@@ -4714,7 +4714,7 @@
         <p:spPr>
           <a:xfrm>
             <a:off x="486000" y="258480"/>
-            <a:ext cx="8742960" cy="1077120"/>
+            <a:ext cx="8747640" cy="1081800"/>
           </a:xfrm>
           <a:prstGeom prst="rect">
             <a:avLst/>
@@ -4745,7 +4745,7 @@
         <p:spPr>
           <a:xfrm>
             <a:off x="486000" y="1516320"/>
-            <a:ext cx="2816280" cy="1792080"/>
+            <a:ext cx="2816640" cy="1792440"/>
           </a:xfrm>
           <a:prstGeom prst="rect">
             <a:avLst/>
@@ -4774,8 +4774,8 @@
         </p:nvSpPr>
         <p:spPr>
           <a:xfrm>
-            <a:off x="3443400" y="1516320"/>
-            <a:ext cx="2816280" cy="1792080"/>
+            <a:off x="3443760" y="1516320"/>
+            <a:ext cx="2816640" cy="1792440"/>
           </a:xfrm>
           <a:prstGeom prst="rect">
             <a:avLst/>
@@ -4804,8 +4804,8 @@
         </p:nvSpPr>
         <p:spPr>
           <a:xfrm>
-            <a:off x="6400800" y="1516320"/>
-            <a:ext cx="2816280" cy="1792080"/>
+            <a:off x="6401880" y="1516320"/>
+            <a:ext cx="2816640" cy="1792440"/>
           </a:xfrm>
           <a:prstGeom prst="rect">
             <a:avLst/>
@@ -4834,8 +4834,8 @@
         </p:nvSpPr>
         <p:spPr>
           <a:xfrm>
-            <a:off x="486000" y="3479040"/>
-            <a:ext cx="2816280" cy="1792080"/>
+            <a:off x="486000" y="3479400"/>
+            <a:ext cx="2816640" cy="1792440"/>
           </a:xfrm>
           <a:prstGeom prst="rect">
             <a:avLst/>
@@ -4864,8 +4864,8 @@
         </p:nvSpPr>
         <p:spPr>
           <a:xfrm>
-            <a:off x="3443400" y="3479040"/>
-            <a:ext cx="2816280" cy="1792080"/>
+            <a:off x="3443760" y="3479400"/>
+            <a:ext cx="2816640" cy="1792440"/>
           </a:xfrm>
           <a:prstGeom prst="rect">
             <a:avLst/>
@@ -4894,8 +4894,8 @@
         </p:nvSpPr>
         <p:spPr>
           <a:xfrm>
-            <a:off x="6400800" y="3479040"/>
-            <a:ext cx="2816280" cy="1792080"/>
+            <a:off x="6401880" y="3479400"/>
+            <a:ext cx="2816640" cy="1792440"/>
           </a:xfrm>
           <a:prstGeom prst="rect">
             <a:avLst/>
@@ -4969,7 +4969,7 @@
         <p:spPr>
           <a:xfrm>
             <a:off x="486000" y="258480"/>
-            <a:ext cx="8742960" cy="1077120"/>
+            <a:ext cx="8747640" cy="1081800"/>
           </a:xfrm>
           <a:prstGeom prst="rect">
             <a:avLst/>
@@ -5022,7 +5022,7 @@
         <p:spPr>
           <a:xfrm>
             <a:off x="486000" y="258480"/>
-            <a:ext cx="8742960" cy="1077120"/>
+            <a:ext cx="8747640" cy="1081800"/>
           </a:xfrm>
           <a:prstGeom prst="rect">
             <a:avLst/>
@@ -5053,7 +5053,7 @@
         <p:spPr>
           <a:xfrm>
             <a:off x="486000" y="1516320"/>
-            <a:ext cx="8747280" cy="3757680"/>
+            <a:ext cx="8747640" cy="3758040"/>
           </a:xfrm>
           <a:prstGeom prst="rect">
             <a:avLst/>
@@ -5106,7 +5106,7 @@
         <p:spPr>
           <a:xfrm>
             <a:off x="486000" y="258480"/>
-            <a:ext cx="8742960" cy="1077120"/>
+            <a:ext cx="8747640" cy="1081800"/>
           </a:xfrm>
           <a:prstGeom prst="rect">
             <a:avLst/>
@@ -5137,7 +5137,7 @@
         <p:spPr>
           <a:xfrm>
             <a:off x="486000" y="1516320"/>
-            <a:ext cx="8747280" cy="3757680"/>
+            <a:ext cx="8747640" cy="3758040"/>
           </a:xfrm>
           <a:prstGeom prst="rect">
             <a:avLst/>
@@ -5189,7 +5189,7 @@
         <p:spPr>
           <a:xfrm>
             <a:off x="486000" y="258480"/>
-            <a:ext cx="8742960" cy="1077120"/>
+            <a:ext cx="8747640" cy="1081800"/>
           </a:xfrm>
           <a:prstGeom prst="rect">
             <a:avLst/>
@@ -5220,7 +5220,7 @@
         <p:spPr>
           <a:xfrm>
             <a:off x="486000" y="1516320"/>
-            <a:ext cx="4268520" cy="3757680"/>
+            <a:ext cx="4268520" cy="3758040"/>
           </a:xfrm>
           <a:prstGeom prst="rect">
             <a:avLst/>
@@ -5250,7 +5250,7 @@
         <p:spPr>
           <a:xfrm>
             <a:off x="4968360" y="1516320"/>
-            <a:ext cx="4268520" cy="3757680"/>
+            <a:ext cx="4268520" cy="3758040"/>
           </a:xfrm>
           <a:prstGeom prst="rect">
             <a:avLst/>
@@ -5302,7 +5302,7 @@
         <p:spPr>
           <a:xfrm>
             <a:off x="486000" y="258480"/>
-            <a:ext cx="8742960" cy="1077120"/>
+            <a:ext cx="8747640" cy="1081800"/>
           </a:xfrm>
           <a:prstGeom prst="rect">
             <a:avLst/>
@@ -5355,7 +5355,7 @@
         <p:spPr>
           <a:xfrm>
             <a:off x="486000" y="258480"/>
-            <a:ext cx="8742960" cy="4994280"/>
+            <a:ext cx="8747640" cy="5015880"/>
           </a:xfrm>
           <a:prstGeom prst="rect">
             <a:avLst/>
@@ -5408,7 +5408,7 @@
         <p:spPr>
           <a:xfrm>
             <a:off x="486000" y="258480"/>
-            <a:ext cx="8742960" cy="1077120"/>
+            <a:ext cx="8747640" cy="1081800"/>
           </a:xfrm>
           <a:prstGeom prst="rect">
             <a:avLst/>
@@ -5439,7 +5439,7 @@
         <p:spPr>
           <a:xfrm>
             <a:off x="486000" y="1516320"/>
-            <a:ext cx="4268520" cy="1792080"/>
+            <a:ext cx="4268520" cy="1792440"/>
           </a:xfrm>
           <a:prstGeom prst="rect">
             <a:avLst/>
@@ -5469,7 +5469,7 @@
         <p:spPr>
           <a:xfrm>
             <a:off x="4968360" y="1516320"/>
-            <a:ext cx="4268520" cy="3757680"/>
+            <a:ext cx="4268520" cy="3758040"/>
           </a:xfrm>
           <a:prstGeom prst="rect">
             <a:avLst/>
@@ -5498,8 +5498,8 @@
         </p:nvSpPr>
         <p:spPr>
           <a:xfrm>
-            <a:off x="486000" y="3479040"/>
-            <a:ext cx="4268520" cy="1792080"/>
+            <a:off x="486000" y="3479400"/>
+            <a:ext cx="4268520" cy="1792440"/>
           </a:xfrm>
           <a:prstGeom prst="rect">
             <a:avLst/>
@@ -5551,7 +5551,7 @@
         <p:spPr>
           <a:xfrm>
             <a:off x="486000" y="258480"/>
-            <a:ext cx="8742960" cy="1077120"/>
+            <a:ext cx="8747640" cy="1081800"/>
           </a:xfrm>
           <a:prstGeom prst="rect">
             <a:avLst/>
@@ -5582,7 +5582,7 @@
         <p:spPr>
           <a:xfrm>
             <a:off x="486000" y="1516320"/>
-            <a:ext cx="4268520" cy="3757680"/>
+            <a:ext cx="4268520" cy="3758040"/>
           </a:xfrm>
           <a:prstGeom prst="rect">
             <a:avLst/>
@@ -5612,7 +5612,7 @@
         <p:spPr>
           <a:xfrm>
             <a:off x="4968360" y="1516320"/>
-            <a:ext cx="4268520" cy="1792080"/>
+            <a:ext cx="4268520" cy="1792440"/>
           </a:xfrm>
           <a:prstGeom prst="rect">
             <a:avLst/>
@@ -5641,8 +5641,8 @@
         </p:nvSpPr>
         <p:spPr>
           <a:xfrm>
-            <a:off x="4968360" y="3479040"/>
-            <a:ext cx="4268520" cy="1792080"/>
+            <a:off x="4968360" y="3479400"/>
+            <a:ext cx="4268520" cy="1792440"/>
           </a:xfrm>
           <a:prstGeom prst="rect">
             <a:avLst/>
@@ -5694,7 +5694,7 @@
         <p:spPr>
           <a:xfrm>
             <a:off x="486000" y="258480"/>
-            <a:ext cx="8742960" cy="1077120"/>
+            <a:ext cx="8747640" cy="1081800"/>
           </a:xfrm>
           <a:prstGeom prst="rect">
             <a:avLst/>
@@ -5725,7 +5725,7 @@
         <p:spPr>
           <a:xfrm>
             <a:off x="486000" y="1516320"/>
-            <a:ext cx="4268520" cy="1792080"/>
+            <a:ext cx="4268520" cy="1792440"/>
           </a:xfrm>
           <a:prstGeom prst="rect">
             <a:avLst/>
@@ -5755,7 +5755,7 @@
         <p:spPr>
           <a:xfrm>
             <a:off x="4968360" y="1516320"/>
-            <a:ext cx="4268520" cy="1792080"/>
+            <a:ext cx="4268520" cy="1792440"/>
           </a:xfrm>
           <a:prstGeom prst="rect">
             <a:avLst/>
@@ -5784,8 +5784,8 @@
         </p:nvSpPr>
         <p:spPr>
           <a:xfrm>
-            <a:off x="486000" y="3479040"/>
-            <a:ext cx="8747280" cy="1792080"/>
+            <a:off x="486000" y="3479400"/>
+            <a:ext cx="8747640" cy="1792440"/>
           </a:xfrm>
           <a:prstGeom prst="rect">
             <a:avLst/>
@@ -5837,7 +5837,7 @@
         <p:spPr>
           <a:xfrm>
             <a:off x="486000" y="258480"/>
-            <a:ext cx="8742960" cy="1077120"/>
+            <a:ext cx="8747640" cy="1081800"/>
           </a:xfrm>
           <a:prstGeom prst="rect">
             <a:avLst/>
@@ -5868,7 +5868,7 @@
         <p:spPr>
           <a:xfrm>
             <a:off x="486000" y="1516320"/>
-            <a:ext cx="8747280" cy="1792080"/>
+            <a:ext cx="8747640" cy="1792440"/>
           </a:xfrm>
           <a:prstGeom prst="rect">
             <a:avLst/>
@@ -5897,8 +5897,8 @@
         </p:nvSpPr>
         <p:spPr>
           <a:xfrm>
-            <a:off x="486000" y="3479040"/>
-            <a:ext cx="8747280" cy="1792080"/>
+            <a:off x="486000" y="3479400"/>
+            <a:ext cx="8747640" cy="1792440"/>
           </a:xfrm>
           <a:prstGeom prst="rect">
             <a:avLst/>
@@ -5950,7 +5950,7 @@
         <p:spPr>
           <a:xfrm>
             <a:off x="486000" y="258480"/>
-            <a:ext cx="8742960" cy="1077120"/>
+            <a:ext cx="8747640" cy="1081800"/>
           </a:xfrm>
           <a:prstGeom prst="rect">
             <a:avLst/>
@@ -5981,7 +5981,7 @@
         <p:spPr>
           <a:xfrm>
             <a:off x="486000" y="1516320"/>
-            <a:ext cx="4268520" cy="1792080"/>
+            <a:ext cx="4268520" cy="1792440"/>
           </a:xfrm>
           <a:prstGeom prst="rect">
             <a:avLst/>
@@ -6011,7 +6011,7 @@
         <p:spPr>
           <a:xfrm>
             <a:off x="4968360" y="1516320"/>
-            <a:ext cx="4268520" cy="1792080"/>
+            <a:ext cx="4268520" cy="1792440"/>
           </a:xfrm>
           <a:prstGeom prst="rect">
             <a:avLst/>
@@ -6040,8 +6040,8 @@
         </p:nvSpPr>
         <p:spPr>
           <a:xfrm>
-            <a:off x="486000" y="3479040"/>
-            <a:ext cx="4268520" cy="1792080"/>
+            <a:off x="486000" y="3479400"/>
+            <a:ext cx="4268520" cy="1792440"/>
           </a:xfrm>
           <a:prstGeom prst="rect">
             <a:avLst/>
@@ -6070,8 +6070,8 @@
         </p:nvSpPr>
         <p:spPr>
           <a:xfrm>
-            <a:off x="4968360" y="3479040"/>
-            <a:ext cx="4268520" cy="1792080"/>
+            <a:off x="4968360" y="3479400"/>
+            <a:ext cx="4268520" cy="1792440"/>
           </a:xfrm>
           <a:prstGeom prst="rect">
             <a:avLst/>
@@ -6123,7 +6123,7 @@
         <p:spPr>
           <a:xfrm>
             <a:off x="486000" y="258480"/>
-            <a:ext cx="8742960" cy="4994280"/>
+            <a:ext cx="8747640" cy="5015880"/>
           </a:xfrm>
           <a:prstGeom prst="rect">
             <a:avLst/>
@@ -6176,7 +6176,7 @@
         <p:spPr>
           <a:xfrm>
             <a:off x="486000" y="258480"/>
-            <a:ext cx="8742960" cy="1077120"/>
+            <a:ext cx="8747640" cy="1081800"/>
           </a:xfrm>
           <a:prstGeom prst="rect">
             <a:avLst/>
@@ -6207,7 +6207,7 @@
         <p:spPr>
           <a:xfrm>
             <a:off x="486000" y="1516320"/>
-            <a:ext cx="2816280" cy="1792080"/>
+            <a:ext cx="2816640" cy="1792440"/>
           </a:xfrm>
           <a:prstGeom prst="rect">
             <a:avLst/>
@@ -6236,8 +6236,8 @@
         </p:nvSpPr>
         <p:spPr>
           <a:xfrm>
-            <a:off x="3443400" y="1516320"/>
-            <a:ext cx="2816280" cy="1792080"/>
+            <a:off x="3443760" y="1516320"/>
+            <a:ext cx="2816640" cy="1792440"/>
           </a:xfrm>
           <a:prstGeom prst="rect">
             <a:avLst/>
@@ -6266,8 +6266,8 @@
         </p:nvSpPr>
         <p:spPr>
           <a:xfrm>
-            <a:off x="6400800" y="1516320"/>
-            <a:ext cx="2816280" cy="1792080"/>
+            <a:off x="6401880" y="1516320"/>
+            <a:ext cx="2816640" cy="1792440"/>
           </a:xfrm>
           <a:prstGeom prst="rect">
             <a:avLst/>
@@ -6296,8 +6296,8 @@
         </p:nvSpPr>
         <p:spPr>
           <a:xfrm>
-            <a:off x="486000" y="3479040"/>
-            <a:ext cx="2816280" cy="1792080"/>
+            <a:off x="486000" y="3479400"/>
+            <a:ext cx="2816640" cy="1792440"/>
           </a:xfrm>
           <a:prstGeom prst="rect">
             <a:avLst/>
@@ -6326,8 +6326,8 @@
         </p:nvSpPr>
         <p:spPr>
           <a:xfrm>
-            <a:off x="3443400" y="3479040"/>
-            <a:ext cx="2816280" cy="1792080"/>
+            <a:off x="3443760" y="3479400"/>
+            <a:ext cx="2816640" cy="1792440"/>
           </a:xfrm>
           <a:prstGeom prst="rect">
             <a:avLst/>
@@ -6356,8 +6356,8 @@
         </p:nvSpPr>
         <p:spPr>
           <a:xfrm>
-            <a:off x="6400800" y="3479040"/>
-            <a:ext cx="2816280" cy="1792080"/>
+            <a:off x="6401880" y="3479400"/>
+            <a:ext cx="2816640" cy="1792440"/>
           </a:xfrm>
           <a:prstGeom prst="rect">
             <a:avLst/>
@@ -6431,7 +6431,7 @@
         <p:spPr>
           <a:xfrm>
             <a:off x="486000" y="258480"/>
-            <a:ext cx="8742960" cy="1077120"/>
+            <a:ext cx="8747640" cy="1081800"/>
           </a:xfrm>
           <a:prstGeom prst="rect">
             <a:avLst/>
@@ -6462,7 +6462,7 @@
         <p:spPr>
           <a:xfrm>
             <a:off x="486000" y="1516320"/>
-            <a:ext cx="8747280" cy="3757680"/>
+            <a:ext cx="8747640" cy="3758040"/>
           </a:xfrm>
           <a:prstGeom prst="rect">
             <a:avLst/>
@@ -6515,7 +6515,7 @@
         <p:spPr>
           <a:xfrm>
             <a:off x="486000" y="258480"/>
-            <a:ext cx="8742960" cy="1077120"/>
+            <a:ext cx="8747640" cy="1081800"/>
           </a:xfrm>
           <a:prstGeom prst="rect">
             <a:avLst/>
@@ -6546,7 +6546,7 @@
         <p:spPr>
           <a:xfrm>
             <a:off x="486000" y="1516320"/>
-            <a:ext cx="8747280" cy="3757680"/>
+            <a:ext cx="8747640" cy="3758040"/>
           </a:xfrm>
           <a:prstGeom prst="rect">
             <a:avLst/>
@@ -6598,7 +6598,7 @@
         <p:spPr>
           <a:xfrm>
             <a:off x="486000" y="258480"/>
-            <a:ext cx="8742960" cy="1077120"/>
+            <a:ext cx="8747640" cy="1081800"/>
           </a:xfrm>
           <a:prstGeom prst="rect">
             <a:avLst/>
@@ -6629,7 +6629,7 @@
         <p:spPr>
           <a:xfrm>
             <a:off x="486000" y="1516320"/>
-            <a:ext cx="4268520" cy="3757680"/>
+            <a:ext cx="4268520" cy="3758040"/>
           </a:xfrm>
           <a:prstGeom prst="rect">
             <a:avLst/>
@@ -6659,7 +6659,7 @@
         <p:spPr>
           <a:xfrm>
             <a:off x="4968360" y="1516320"/>
-            <a:ext cx="4268520" cy="3757680"/>
+            <a:ext cx="4268520" cy="3758040"/>
           </a:xfrm>
           <a:prstGeom prst="rect">
             <a:avLst/>
@@ -6711,7 +6711,7 @@
         <p:spPr>
           <a:xfrm>
             <a:off x="486000" y="258480"/>
-            <a:ext cx="8742960" cy="1077120"/>
+            <a:ext cx="8747640" cy="1081800"/>
           </a:xfrm>
           <a:prstGeom prst="rect">
             <a:avLst/>
@@ -6764,7 +6764,7 @@
         <p:spPr>
           <a:xfrm>
             <a:off x="486000" y="258480"/>
-            <a:ext cx="8742960" cy="4994280"/>
+            <a:ext cx="8747640" cy="5015880"/>
           </a:xfrm>
           <a:prstGeom prst="rect">
             <a:avLst/>
@@ -6817,7 +6817,7 @@
         <p:spPr>
           <a:xfrm>
             <a:off x="486000" y="258480"/>
-            <a:ext cx="8742960" cy="1077120"/>
+            <a:ext cx="8747640" cy="1081800"/>
           </a:xfrm>
           <a:prstGeom prst="rect">
             <a:avLst/>
@@ -6848,7 +6848,7 @@
         <p:spPr>
           <a:xfrm>
             <a:off x="486000" y="1516320"/>
-            <a:ext cx="4268520" cy="1792080"/>
+            <a:ext cx="4268520" cy="1792440"/>
           </a:xfrm>
           <a:prstGeom prst="rect">
             <a:avLst/>
@@ -6878,7 +6878,7 @@
         <p:spPr>
           <a:xfrm>
             <a:off x="4968360" y="1516320"/>
-            <a:ext cx="4268520" cy="3757680"/>
+            <a:ext cx="4268520" cy="3758040"/>
           </a:xfrm>
           <a:prstGeom prst="rect">
             <a:avLst/>
@@ -6907,8 +6907,8 @@
         </p:nvSpPr>
         <p:spPr>
           <a:xfrm>
-            <a:off x="486000" y="3479040"/>
-            <a:ext cx="4268520" cy="1792080"/>
+            <a:off x="486000" y="3479400"/>
+            <a:ext cx="4268520" cy="1792440"/>
           </a:xfrm>
           <a:prstGeom prst="rect">
             <a:avLst/>
@@ -6960,7 +6960,7 @@
         <p:spPr>
           <a:xfrm>
             <a:off x="486000" y="258480"/>
-            <a:ext cx="8742960" cy="1077120"/>
+            <a:ext cx="8747640" cy="1081800"/>
           </a:xfrm>
           <a:prstGeom prst="rect">
             <a:avLst/>
@@ -6991,7 +6991,7 @@
         <p:spPr>
           <a:xfrm>
             <a:off x="486000" y="1516320"/>
-            <a:ext cx="4268520" cy="3757680"/>
+            <a:ext cx="4268520" cy="3758040"/>
           </a:xfrm>
           <a:prstGeom prst="rect">
             <a:avLst/>
@@ -7021,7 +7021,7 @@
         <p:spPr>
           <a:xfrm>
             <a:off x="4968360" y="1516320"/>
-            <a:ext cx="4268520" cy="1792080"/>
+            <a:ext cx="4268520" cy="1792440"/>
           </a:xfrm>
           <a:prstGeom prst="rect">
             <a:avLst/>
@@ -7050,8 +7050,8 @@
         </p:nvSpPr>
         <p:spPr>
           <a:xfrm>
-            <a:off x="4968360" y="3479040"/>
-            <a:ext cx="4268520" cy="1792080"/>
+            <a:off x="4968360" y="3479400"/>
+            <a:ext cx="4268520" cy="1792440"/>
           </a:xfrm>
           <a:prstGeom prst="rect">
             <a:avLst/>
@@ -7103,7 +7103,7 @@
         <p:spPr>
           <a:xfrm>
             <a:off x="486000" y="258480"/>
-            <a:ext cx="8742960" cy="1077120"/>
+            <a:ext cx="8747640" cy="1081800"/>
           </a:xfrm>
           <a:prstGeom prst="rect">
             <a:avLst/>
@@ -7134,7 +7134,7 @@
         <p:spPr>
           <a:xfrm>
             <a:off x="486000" y="1516320"/>
-            <a:ext cx="4268520" cy="1792080"/>
+            <a:ext cx="4268520" cy="1792440"/>
           </a:xfrm>
           <a:prstGeom prst="rect">
             <a:avLst/>
@@ -7164,7 +7164,7 @@
         <p:spPr>
           <a:xfrm>
             <a:off x="4968360" y="1516320"/>
-            <a:ext cx="4268520" cy="1792080"/>
+            <a:ext cx="4268520" cy="1792440"/>
           </a:xfrm>
           <a:prstGeom prst="rect">
             <a:avLst/>
@@ -7193,8 +7193,8 @@
         </p:nvSpPr>
         <p:spPr>
           <a:xfrm>
-            <a:off x="486000" y="3479040"/>
-            <a:ext cx="8747280" cy="1792080"/>
+            <a:off x="486000" y="3479400"/>
+            <a:ext cx="8747640" cy="1792440"/>
           </a:xfrm>
           <a:prstGeom prst="rect">
             <a:avLst/>
@@ -7246,7 +7246,7 @@
         <p:spPr>
           <a:xfrm>
             <a:off x="486000" y="258480"/>
-            <a:ext cx="8742960" cy="1077120"/>
+            <a:ext cx="8747640" cy="1081800"/>
           </a:xfrm>
           <a:prstGeom prst="rect">
             <a:avLst/>
@@ -7277,7 +7277,7 @@
         <p:spPr>
           <a:xfrm>
             <a:off x="486000" y="1516320"/>
-            <a:ext cx="4268520" cy="1792080"/>
+            <a:ext cx="4268520" cy="1792440"/>
           </a:xfrm>
           <a:prstGeom prst="rect">
             <a:avLst/>
@@ -7307,7 +7307,7 @@
         <p:spPr>
           <a:xfrm>
             <a:off x="4968360" y="1516320"/>
-            <a:ext cx="4268520" cy="3757680"/>
+            <a:ext cx="4268520" cy="3758040"/>
           </a:xfrm>
           <a:prstGeom prst="rect">
             <a:avLst/>
@@ -7336,8 +7336,8 @@
         </p:nvSpPr>
         <p:spPr>
           <a:xfrm>
-            <a:off x="486000" y="3479040"/>
-            <a:ext cx="4268520" cy="1792080"/>
+            <a:off x="486000" y="3479400"/>
+            <a:ext cx="4268520" cy="1792440"/>
           </a:xfrm>
           <a:prstGeom prst="rect">
             <a:avLst/>
@@ -7389,7 +7389,7 @@
         <p:spPr>
           <a:xfrm>
             <a:off x="486000" y="258480"/>
-            <a:ext cx="8742960" cy="1077120"/>
+            <a:ext cx="8747640" cy="1081800"/>
           </a:xfrm>
           <a:prstGeom prst="rect">
             <a:avLst/>
@@ -7420,7 +7420,7 @@
         <p:spPr>
           <a:xfrm>
             <a:off x="486000" y="1516320"/>
-            <a:ext cx="8747280" cy="1792080"/>
+            <a:ext cx="8747640" cy="1792440"/>
           </a:xfrm>
           <a:prstGeom prst="rect">
             <a:avLst/>
@@ -7449,8 +7449,8 @@
         </p:nvSpPr>
         <p:spPr>
           <a:xfrm>
-            <a:off x="486000" y="3479040"/>
-            <a:ext cx="8747280" cy="1792080"/>
+            <a:off x="486000" y="3479400"/>
+            <a:ext cx="8747640" cy="1792440"/>
           </a:xfrm>
           <a:prstGeom prst="rect">
             <a:avLst/>
@@ -7502,7 +7502,7 @@
         <p:spPr>
           <a:xfrm>
             <a:off x="486000" y="258480"/>
-            <a:ext cx="8742960" cy="1077120"/>
+            <a:ext cx="8747640" cy="1081800"/>
           </a:xfrm>
           <a:prstGeom prst="rect">
             <a:avLst/>
@@ -7533,7 +7533,7 @@
         <p:spPr>
           <a:xfrm>
             <a:off x="486000" y="1516320"/>
-            <a:ext cx="4268520" cy="1792080"/>
+            <a:ext cx="4268520" cy="1792440"/>
           </a:xfrm>
           <a:prstGeom prst="rect">
             <a:avLst/>
@@ -7563,7 +7563,7 @@
         <p:spPr>
           <a:xfrm>
             <a:off x="4968360" y="1516320"/>
-            <a:ext cx="4268520" cy="1792080"/>
+            <a:ext cx="4268520" cy="1792440"/>
           </a:xfrm>
           <a:prstGeom prst="rect">
             <a:avLst/>
@@ -7592,8 +7592,8 @@
         </p:nvSpPr>
         <p:spPr>
           <a:xfrm>
-            <a:off x="486000" y="3479040"/>
-            <a:ext cx="4268520" cy="1792080"/>
+            <a:off x="486000" y="3479400"/>
+            <a:ext cx="4268520" cy="1792440"/>
           </a:xfrm>
           <a:prstGeom prst="rect">
             <a:avLst/>
@@ -7622,8 +7622,8 @@
         </p:nvSpPr>
         <p:spPr>
           <a:xfrm>
-            <a:off x="4968360" y="3479040"/>
-            <a:ext cx="4268520" cy="1792080"/>
+            <a:off x="4968360" y="3479400"/>
+            <a:ext cx="4268520" cy="1792440"/>
           </a:xfrm>
           <a:prstGeom prst="rect">
             <a:avLst/>
@@ -7675,7 +7675,7 @@
         <p:spPr>
           <a:xfrm>
             <a:off x="486000" y="258480"/>
-            <a:ext cx="8742960" cy="1077120"/>
+            <a:ext cx="8747640" cy="1081800"/>
           </a:xfrm>
           <a:prstGeom prst="rect">
             <a:avLst/>
@@ -7706,7 +7706,7 @@
         <p:spPr>
           <a:xfrm>
             <a:off x="486000" y="1516320"/>
-            <a:ext cx="2816280" cy="1792080"/>
+            <a:ext cx="2816640" cy="1792440"/>
           </a:xfrm>
           <a:prstGeom prst="rect">
             <a:avLst/>
@@ -7735,8 +7735,8 @@
         </p:nvSpPr>
         <p:spPr>
           <a:xfrm>
-            <a:off x="3443400" y="1516320"/>
-            <a:ext cx="2816280" cy="1792080"/>
+            <a:off x="3443760" y="1516320"/>
+            <a:ext cx="2816640" cy="1792440"/>
           </a:xfrm>
           <a:prstGeom prst="rect">
             <a:avLst/>
@@ -7765,8 +7765,8 @@
         </p:nvSpPr>
         <p:spPr>
           <a:xfrm>
-            <a:off x="6400800" y="1516320"/>
-            <a:ext cx="2816280" cy="1792080"/>
+            <a:off x="6401880" y="1516320"/>
+            <a:ext cx="2816640" cy="1792440"/>
           </a:xfrm>
           <a:prstGeom prst="rect">
             <a:avLst/>
@@ -7795,8 +7795,8 @@
         </p:nvSpPr>
         <p:spPr>
           <a:xfrm>
-            <a:off x="486000" y="3479040"/>
-            <a:ext cx="2816280" cy="1792080"/>
+            <a:off x="486000" y="3479400"/>
+            <a:ext cx="2816640" cy="1792440"/>
           </a:xfrm>
           <a:prstGeom prst="rect">
             <a:avLst/>
@@ -7825,8 +7825,8 @@
         </p:nvSpPr>
         <p:spPr>
           <a:xfrm>
-            <a:off x="3443400" y="3479040"/>
-            <a:ext cx="2816280" cy="1792080"/>
+            <a:off x="3443760" y="3479400"/>
+            <a:ext cx="2816640" cy="1792440"/>
           </a:xfrm>
           <a:prstGeom prst="rect">
             <a:avLst/>
@@ -7855,8 +7855,8 @@
         </p:nvSpPr>
         <p:spPr>
           <a:xfrm>
-            <a:off x="6400800" y="3479040"/>
-            <a:ext cx="2816280" cy="1792080"/>
+            <a:off x="6401880" y="3479400"/>
+            <a:ext cx="2816640" cy="1792440"/>
           </a:xfrm>
           <a:prstGeom prst="rect">
             <a:avLst/>
@@ -7908,7 +7908,7 @@
         <p:spPr>
           <a:xfrm>
             <a:off x="486000" y="258480"/>
-            <a:ext cx="8742960" cy="1077120"/>
+            <a:ext cx="8747640" cy="1081800"/>
           </a:xfrm>
           <a:prstGeom prst="rect">
             <a:avLst/>
@@ -7939,7 +7939,7 @@
         <p:spPr>
           <a:xfrm>
             <a:off x="486000" y="1516320"/>
-            <a:ext cx="4268520" cy="3757680"/>
+            <a:ext cx="4268520" cy="3758040"/>
           </a:xfrm>
           <a:prstGeom prst="rect">
             <a:avLst/>
@@ -7969,7 +7969,7 @@
         <p:spPr>
           <a:xfrm>
             <a:off x="4968360" y="1516320"/>
-            <a:ext cx="4268520" cy="1792080"/>
+            <a:ext cx="4268520" cy="1792440"/>
           </a:xfrm>
           <a:prstGeom prst="rect">
             <a:avLst/>
@@ -7998,8 +7998,8 @@
         </p:nvSpPr>
         <p:spPr>
           <a:xfrm>
-            <a:off x="4968360" y="3479040"/>
-            <a:ext cx="4268520" cy="1792080"/>
+            <a:off x="4968360" y="3479400"/>
+            <a:ext cx="4268520" cy="1792440"/>
           </a:xfrm>
           <a:prstGeom prst="rect">
             <a:avLst/>
@@ -8051,7 +8051,7 @@
         <p:spPr>
           <a:xfrm>
             <a:off x="486000" y="258480"/>
-            <a:ext cx="8742960" cy="1077120"/>
+            <a:ext cx="8747640" cy="1081800"/>
           </a:xfrm>
           <a:prstGeom prst="rect">
             <a:avLst/>
@@ -8082,7 +8082,7 @@
         <p:spPr>
           <a:xfrm>
             <a:off x="486000" y="1516320"/>
-            <a:ext cx="4268520" cy="1792080"/>
+            <a:ext cx="4268520" cy="1792440"/>
           </a:xfrm>
           <a:prstGeom prst="rect">
             <a:avLst/>
@@ -8112,7 +8112,7 @@
         <p:spPr>
           <a:xfrm>
             <a:off x="4968360" y="1516320"/>
-            <a:ext cx="4268520" cy="1792080"/>
+            <a:ext cx="4268520" cy="1792440"/>
           </a:xfrm>
           <a:prstGeom prst="rect">
             <a:avLst/>
@@ -8141,8 +8141,8 @@
         </p:nvSpPr>
         <p:spPr>
           <a:xfrm>
-            <a:off x="486000" y="3479040"/>
-            <a:ext cx="8747280" cy="1792080"/>
+            <a:off x="486000" y="3479400"/>
+            <a:ext cx="8747640" cy="1792440"/>
           </a:xfrm>
           <a:prstGeom prst="rect">
             <a:avLst/>
@@ -8194,7 +8194,7 @@
         <p:spPr>
           <a:xfrm>
             <a:off x="486000" y="258480"/>
-            <a:ext cx="8742960" cy="1077120"/>
+            <a:ext cx="8742600" cy="1076760"/>
           </a:xfrm>
           <a:prstGeom prst="rect">
             <a:avLst/>
@@ -8699,7 +8699,7 @@
         <p:spPr>
           <a:xfrm>
             <a:off x="486000" y="258480"/>
-            <a:ext cx="8742960" cy="1077120"/>
+            <a:ext cx="8742600" cy="1076760"/>
           </a:xfrm>
           <a:prstGeom prst="rect">
             <a:avLst/>
@@ -9457,7 +9457,7 @@
         <p:spPr>
           <a:xfrm>
             <a:off x="486000" y="258480"/>
-            <a:ext cx="8742960" cy="1077120"/>
+            <a:ext cx="8747640" cy="1081800"/>
           </a:xfrm>
           <a:prstGeom prst="rect">
             <a:avLst/>
@@ -9468,13 +9468,14 @@
             <a:noAutofit/>
           </a:bodyPr>
           <a:p>
+            <a:pPr algn="ctr"/>
             <a:r>
-              <a:rPr b="0" lang="en-US" sz="1800" spc="-1" strike="noStrike">
+              <a:rPr b="0" lang="en-US" sz="4400" spc="-1" strike="noStrike">
                 <a:latin typeface="Arial"/>
               </a:rPr>
               <a:t>Click to edit the title text format</a:t>
             </a:r>
-            <a:endParaRPr b="0" lang="en-US" sz="1800" spc="-1" strike="noStrike">
+            <a:endParaRPr b="0" lang="en-US" sz="4400" spc="-1" strike="noStrike">
               <a:latin typeface="Arial"/>
             </a:endParaRPr>
           </a:p>
@@ -9493,7 +9494,7 @@
         <p:spPr>
           <a:xfrm>
             <a:off x="486000" y="1516320"/>
-            <a:ext cx="8747280" cy="3757680"/>
+            <a:ext cx="8747640" cy="3758040"/>
           </a:xfrm>
           <a:prstGeom prst="rect">
             <a:avLst/>
@@ -9516,12 +9517,12 @@
               <a:buChar char=""/>
             </a:pPr>
             <a:r>
-              <a:rPr b="0" lang="en-US" sz="1800" spc="-1" strike="noStrike">
+              <a:rPr b="0" lang="en-US" sz="3200" spc="-1" strike="noStrike">
                 <a:latin typeface="Arial"/>
               </a:rPr>
               <a:t>Click to edit the outline text format</a:t>
             </a:r>
-            <a:endParaRPr b="0" lang="en-US" sz="1800" spc="-1" strike="noStrike">
+            <a:endParaRPr b="0" lang="en-US" sz="3200" spc="-1" strike="noStrike">
               <a:latin typeface="Arial"/>
             </a:endParaRPr>
           </a:p>
@@ -9538,12 +9539,12 @@
               <a:buChar char=""/>
             </a:pPr>
             <a:r>
-              <a:rPr b="0" lang="en-US" sz="1800" spc="-1" strike="noStrike">
+              <a:rPr b="0" lang="en-US" sz="2800" spc="-1" strike="noStrike">
                 <a:latin typeface="Arial"/>
               </a:rPr>
               <a:t>Second Outline Level</a:t>
             </a:r>
-            <a:endParaRPr b="0" lang="en-US" sz="1800" spc="-1" strike="noStrike">
+            <a:endParaRPr b="0" lang="en-US" sz="2800" spc="-1" strike="noStrike">
               <a:latin typeface="Arial"/>
             </a:endParaRPr>
           </a:p>
@@ -9560,12 +9561,12 @@
               <a:buChar char=""/>
             </a:pPr>
             <a:r>
-              <a:rPr b="0" lang="en-US" sz="1800" spc="-1" strike="noStrike">
+              <a:rPr b="0" lang="en-US" sz="2400" spc="-1" strike="noStrike">
                 <a:latin typeface="Arial"/>
               </a:rPr>
               <a:t>Third Outline Level</a:t>
             </a:r>
-            <a:endParaRPr b="0" lang="en-US" sz="1800" spc="-1" strike="noStrike">
+            <a:endParaRPr b="0" lang="en-US" sz="2400" spc="-1" strike="noStrike">
               <a:latin typeface="Arial"/>
             </a:endParaRPr>
           </a:p>
@@ -9582,12 +9583,12 @@
               <a:buChar char=""/>
             </a:pPr>
             <a:r>
-              <a:rPr b="0" lang="en-US" sz="1800" spc="-1" strike="noStrike">
+              <a:rPr b="0" lang="en-US" sz="2000" spc="-1" strike="noStrike">
                 <a:latin typeface="Arial"/>
               </a:rPr>
               <a:t>Fourth Outline Level</a:t>
             </a:r>
-            <a:endParaRPr b="0" lang="en-US" sz="1800" spc="-1" strike="noStrike">
+            <a:endParaRPr b="0" lang="en-US" sz="2000" spc="-1" strike="noStrike">
               <a:latin typeface="Arial"/>
             </a:endParaRPr>
           </a:p>
@@ -9604,12 +9605,12 @@
               <a:buChar char=""/>
             </a:pPr>
             <a:r>
-              <a:rPr b="0" lang="en-US" sz="1800" spc="-1" strike="noStrike">
+              <a:rPr b="0" lang="en-US" sz="2000" spc="-1" strike="noStrike">
                 <a:latin typeface="Arial"/>
               </a:rPr>
               <a:t>Fifth Outline Level</a:t>
             </a:r>
-            <a:endParaRPr b="0" lang="en-US" sz="1800" spc="-1" strike="noStrike">
+            <a:endParaRPr b="0" lang="en-US" sz="2000" spc="-1" strike="noStrike">
               <a:latin typeface="Arial"/>
             </a:endParaRPr>
           </a:p>
@@ -9626,12 +9627,12 @@
               <a:buChar char=""/>
             </a:pPr>
             <a:r>
-              <a:rPr b="0" lang="en-US" sz="1800" spc="-1" strike="noStrike">
+              <a:rPr b="0" lang="en-US" sz="2000" spc="-1" strike="noStrike">
                 <a:latin typeface="Arial"/>
               </a:rPr>
               <a:t>Sixth Outline Level</a:t>
             </a:r>
-            <a:endParaRPr b="0" lang="en-US" sz="1800" spc="-1" strike="noStrike">
+            <a:endParaRPr b="0" lang="en-US" sz="2000" spc="-1" strike="noStrike">
               <a:latin typeface="Arial"/>
             </a:endParaRPr>
           </a:p>
@@ -9648,12 +9649,12 @@
               <a:buChar char=""/>
             </a:pPr>
             <a:r>
-              <a:rPr b="0" lang="en-US" sz="1800" spc="-1" strike="noStrike">
+              <a:rPr b="0" lang="en-US" sz="2000" spc="-1" strike="noStrike">
                 <a:latin typeface="Arial"/>
               </a:rPr>
               <a:t>Seventh Outline Level</a:t>
             </a:r>
-            <a:endParaRPr b="0" lang="en-US" sz="1800" spc="-1" strike="noStrike">
+            <a:endParaRPr b="0" lang="en-US" sz="2000" spc="-1" strike="noStrike">
               <a:latin typeface="Arial"/>
             </a:endParaRPr>
           </a:p>
@@ -9705,7 +9706,7 @@
         <p:spPr>
           <a:xfrm>
             <a:off x="806400" y="585360"/>
-            <a:ext cx="8096040" cy="953640"/>
+            <a:ext cx="8095680" cy="953280"/>
           </a:xfrm>
           <a:prstGeom prst="rect">
             <a:avLst/>
@@ -9731,7 +9732,7 @@
         <p:spPr>
           <a:xfrm>
             <a:off x="806400" y="1704240"/>
-            <a:ext cx="8096040" cy="3334320"/>
+            <a:ext cx="8095680" cy="3333960"/>
           </a:xfrm>
           <a:prstGeom prst="rect">
             <a:avLst/>
@@ -9757,7 +9758,7 @@
         <p:spPr>
           <a:xfrm>
             <a:off x="806400" y="585360"/>
-            <a:ext cx="8096040" cy="4453200"/>
+            <a:ext cx="8095680" cy="4452840"/>
           </a:xfrm>
           <a:prstGeom prst="rect">
             <a:avLst/>
@@ -9848,7 +9849,7 @@
         <p:spPr>
           <a:xfrm>
             <a:off x="486000" y="258480"/>
-            <a:ext cx="8742960" cy="1077120"/>
+            <a:ext cx="8742600" cy="1076760"/>
           </a:xfrm>
           <a:prstGeom prst="rect">
             <a:avLst/>
@@ -9929,7 +9930,7 @@
         <p:spPr>
           <a:xfrm>
             <a:off x="905400" y="813960"/>
-            <a:ext cx="6606360" cy="849600"/>
+            <a:ext cx="6606000" cy="849240"/>
           </a:xfrm>
           <a:prstGeom prst="rect">
             <a:avLst/>
@@ -9980,7 +9981,7 @@
             </a:endParaRPr>
           </a:p>
           <a:p>
-            <a:pPr lvl="4" marL="1080000" indent="-216000">
+            <a:pPr lvl="4" marL="1080000" indent="-215640">
               <a:lnSpc>
                 <a:spcPct val="100000"/>
               </a:lnSpc>
@@ -10006,7 +10007,7 @@
             </a:endParaRPr>
           </a:p>
           <a:p>
-            <a:pPr lvl="4" marL="1080000" indent="-216000">
+            <a:pPr lvl="4" marL="1080000" indent="-215640">
               <a:lnSpc>
                 <a:spcPct val="100000"/>
               </a:lnSpc>
@@ -10032,7 +10033,7 @@
             </a:endParaRPr>
           </a:p>
           <a:p>
-            <a:pPr lvl="4" marL="1080000" indent="-216000">
+            <a:pPr lvl="4" marL="1080000" indent="-215640">
               <a:lnSpc>
                 <a:spcPct val="100000"/>
               </a:lnSpc>
@@ -10078,7 +10079,7 @@
         <p:spPr>
           <a:xfrm>
             <a:off x="486000" y="258480"/>
-            <a:ext cx="8742960" cy="1077120"/>
+            <a:ext cx="8742600" cy="1076760"/>
           </a:xfrm>
           <a:prstGeom prst="rect">
             <a:avLst/>
@@ -10138,7 +10139,7 @@
         <p:spPr>
           <a:xfrm>
             <a:off x="5751720" y="401400"/>
-            <a:ext cx="3740400" cy="3878640"/>
+            <a:ext cx="3740040" cy="3878280"/>
           </a:xfrm>
           <a:prstGeom prst="rect">
             <a:avLst/>
@@ -10157,7 +10158,7 @@
         <p:spPr>
           <a:xfrm>
             <a:off x="486000" y="596880"/>
-            <a:ext cx="5193720" cy="4689000"/>
+            <a:ext cx="5193360" cy="4688640"/>
           </a:xfrm>
           <a:prstGeom prst="rect">
             <a:avLst/>
@@ -10221,7 +10222,7 @@
                 <a:latin typeface="Arial"/>
                 <a:ea typeface="DejaVu Sans"/>
               </a:rPr>
-              <a:t>1. Identify titlelines in data with a regular expression</a:t>
+              <a:t>1. Identify title lines in the data with a regular expression</a:t>
             </a:r>
             <a:endParaRPr b="0" lang="en-US" sz="1800" spc="-1" strike="noStrike">
               <a:latin typeface="Arial"/>
@@ -10258,7 +10259,7 @@
             </a:endParaRPr>
           </a:p>
           <a:p>
-            <a:pPr lvl="1" marL="432000" indent="-216000">
+            <a:pPr lvl="1" marL="432000" indent="-215640">
               <a:lnSpc>
                 <a:spcPct val="100000"/>
               </a:lnSpc>
@@ -10305,7 +10306,7 @@
             </a:endParaRPr>
           </a:p>
           <a:p>
-            <a:pPr lvl="1" marL="432000" indent="-216000">
+            <a:pPr lvl="1" marL="432000" indent="-215640">
               <a:lnSpc>
                 <a:spcPct val="100000"/>
               </a:lnSpc>
@@ -10373,7 +10374,7 @@
         <p:spPr>
           <a:xfrm>
             <a:off x="486000" y="258480"/>
-            <a:ext cx="4904280" cy="1077120"/>
+            <a:ext cx="4903920" cy="1076760"/>
           </a:xfrm>
           <a:prstGeom prst="rect">
             <a:avLst/>
@@ -10465,7 +10466,7 @@
         <p:spPr>
           <a:xfrm>
             <a:off x="486000" y="258480"/>
-            <a:ext cx="8742960" cy="1077120"/>
+            <a:ext cx="8742600" cy="1076760"/>
           </a:xfrm>
           <a:prstGeom prst="rect">
             <a:avLst/>
@@ -10493,7 +10494,11 @@
             </a:pPr>
             <a:r>
               <a:rPr b="0" lang="en-US" sz="3200" spc="-1" strike="noStrike">
+                <a:solidFill>
+                  <a:srgbClr val="000000"/>
+                </a:solidFill>
                 <a:latin typeface="Arial"/>
+                <a:ea typeface="DejaVu Sans"/>
               </a:rPr>
               <a:t>Parser latest version</a:t>
             </a:r>
@@ -10512,7 +10517,7 @@
         <p:spPr>
           <a:xfrm>
             <a:off x="486000" y="1516320"/>
-            <a:ext cx="8747280" cy="3757680"/>
+            <a:ext cx="8746920" cy="3757320"/>
           </a:xfrm>
           <a:prstGeom prst="rect">
             <a:avLst/>
@@ -10533,7 +10538,7 @@
             <a:normAutofit/>
           </a:bodyPr>
           <a:p>
-            <a:pPr marL="1800000" indent="-216000">
+            <a:pPr marL="1800000" indent="-215640">
               <a:lnSpc>
                 <a:spcPct val="100000"/>
               </a:lnSpc>
@@ -10549,7 +10554,11 @@
             </a:pPr>
             <a:r>
               <a:rPr b="0" lang="en-US" sz="1800" spc="-1" strike="noStrike">
+                <a:solidFill>
+                  <a:srgbClr val="000000"/>
+                </a:solidFill>
                 <a:latin typeface="Arial"/>
+                <a:ea typeface="DejaVu Sans"/>
               </a:rPr>
               <a:t>Lots of new tests</a:t>
             </a:r>
@@ -10558,7 +10567,7 @@
             </a:endParaRPr>
           </a:p>
           <a:p>
-            <a:pPr marL="1800000" indent="-216000">
+            <a:pPr marL="1800000" indent="-215640">
               <a:lnSpc>
                 <a:spcPct val="100000"/>
               </a:lnSpc>
@@ -10574,7 +10583,11 @@
             </a:pPr>
             <a:r>
               <a:rPr b="0" lang="en-US" sz="1800" spc="-1" strike="noStrike">
+                <a:solidFill>
+                  <a:srgbClr val="000000"/>
+                </a:solidFill>
                 <a:latin typeface="Arial"/>
+                <a:ea typeface="DejaVu Sans"/>
               </a:rPr>
               <a:t>Data can also be converted and exported</a:t>
             </a:r>
@@ -10623,7 +10636,7 @@
         <p:spPr>
           <a:xfrm>
             <a:off x="806400" y="585360"/>
-            <a:ext cx="8096040" cy="953640"/>
+            <a:ext cx="8095680" cy="953280"/>
           </a:xfrm>
           <a:prstGeom prst="rect">
             <a:avLst/>
@@ -10649,7 +10662,7 @@
         <p:spPr>
           <a:xfrm>
             <a:off x="806400" y="1704240"/>
-            <a:ext cx="8096040" cy="3334320"/>
+            <a:ext cx="8095680" cy="3333960"/>
           </a:xfrm>
           <a:prstGeom prst="rect">
             <a:avLst/>
@@ -10675,7 +10688,7 @@
         <p:spPr>
           <a:xfrm>
             <a:off x="806400" y="585360"/>
-            <a:ext cx="8096040" cy="4453200"/>
+            <a:ext cx="8095680" cy="4452840"/>
           </a:xfrm>
           <a:prstGeom prst="rect">
             <a:avLst/>
@@ -10726,7 +10739,7 @@
         <p:spPr>
           <a:xfrm>
             <a:off x="486000" y="258480"/>
-            <a:ext cx="8742960" cy="1077120"/>
+            <a:ext cx="8742600" cy="1076760"/>
           </a:xfrm>
           <a:prstGeom prst="rect">
             <a:avLst/>
@@ -10807,7 +10820,7 @@
         <p:spPr>
           <a:xfrm>
             <a:off x="806400" y="585360"/>
-            <a:ext cx="8096040" cy="953640"/>
+            <a:ext cx="8095680" cy="953280"/>
           </a:xfrm>
           <a:prstGeom prst="rect">
             <a:avLst/>
@@ -10833,7 +10846,7 @@
         <p:spPr>
           <a:xfrm>
             <a:off x="806400" y="1704240"/>
-            <a:ext cx="8096040" cy="3334320"/>
+            <a:ext cx="8095680" cy="3333960"/>
           </a:xfrm>
           <a:prstGeom prst="rect">
             <a:avLst/>
@@ -10864,7 +10877,7 @@
         <p:spPr>
           <a:xfrm>
             <a:off x="2194560" y="1924200"/>
-            <a:ext cx="5477760" cy="1911240"/>
+            <a:ext cx="5477400" cy="1910880"/>
           </a:xfrm>
           <a:prstGeom prst="rect">
             <a:avLst/>
@@ -10883,7 +10896,7 @@
         <p:spPr>
           <a:xfrm>
             <a:off x="806400" y="1704240"/>
-            <a:ext cx="8096040" cy="3334320"/>
+            <a:ext cx="8095680" cy="3333960"/>
           </a:xfrm>
           <a:prstGeom prst="rect">
             <a:avLst/>
@@ -10934,7 +10947,7 @@
         <p:spPr>
           <a:xfrm>
             <a:off x="2094120" y="1088280"/>
-            <a:ext cx="6966000" cy="849600"/>
+            <a:ext cx="6965640" cy="849240"/>
           </a:xfrm>
           <a:prstGeom prst="rect">
             <a:avLst/>
@@ -11125,7 +11138,7 @@
         <p:spPr>
           <a:xfrm>
             <a:off x="6035040" y="4937760"/>
-            <a:ext cx="176040" cy="341640"/>
+            <a:ext cx="175680" cy="341280"/>
           </a:xfrm>
           <a:prstGeom prst="rect">
             <a:avLst/>
@@ -11151,7 +11164,7 @@
         <p:spPr>
           <a:xfrm>
             <a:off x="486000" y="258480"/>
-            <a:ext cx="8742960" cy="1077120"/>
+            <a:ext cx="8742600" cy="1076760"/>
           </a:xfrm>
           <a:prstGeom prst="rect">
             <a:avLst/>
@@ -11232,7 +11245,7 @@
         <p:spPr>
           <a:xfrm>
             <a:off x="806400" y="585360"/>
-            <a:ext cx="8096040" cy="953640"/>
+            <a:ext cx="8095680" cy="953280"/>
           </a:xfrm>
           <a:prstGeom prst="rect">
             <a:avLst/>
@@ -11258,7 +11271,7 @@
         <p:spPr>
           <a:xfrm>
             <a:off x="806400" y="1704240"/>
-            <a:ext cx="8096040" cy="3334320"/>
+            <a:ext cx="8095680" cy="3333960"/>
           </a:xfrm>
           <a:prstGeom prst="rect">
             <a:avLst/>
@@ -11288,7 +11301,7 @@
         <p:spPr>
           <a:xfrm>
             <a:off x="5274000" y="357120"/>
-            <a:ext cx="4080600" cy="5757480"/>
+            <a:ext cx="4080240" cy="5757120"/>
           </a:xfrm>
           <a:prstGeom prst="rect">
             <a:avLst/>
@@ -11307,7 +11320,7 @@
         <p:spPr>
           <a:xfrm>
             <a:off x="448200" y="539640"/>
-            <a:ext cx="4597920" cy="3665160"/>
+            <a:ext cx="4597560" cy="3664800"/>
           </a:xfrm>
           <a:prstGeom prst="rect">
             <a:avLst/>
@@ -11378,7 +11391,7 @@
             </a:endParaRPr>
           </a:p>
           <a:p>
-            <a:pPr lvl="1" marL="432000" indent="-215640">
+            <a:pPr lvl="1" marL="432000" indent="-215280">
               <a:lnSpc>
                 <a:spcPct val="100000"/>
               </a:lnSpc>
@@ -11404,7 +11417,7 @@
             </a:endParaRPr>
           </a:p>
           <a:p>
-            <a:pPr lvl="1" marL="432000" indent="-215640">
+            <a:pPr lvl="1" marL="432000" indent="-215280">
               <a:lnSpc>
                 <a:spcPct val="100000"/>
               </a:lnSpc>
@@ -11423,14 +11436,14 @@
                 <a:latin typeface="Arial"/>
                 <a:ea typeface="DejaVu Sans"/>
               </a:rPr>
-              <a:t>settingsfile</a:t>
+              <a:t>settings file</a:t>
             </a:r>
             <a:endParaRPr b="0" lang="en-US" sz="1800" spc="-1" strike="noStrike">
               <a:latin typeface="Arial"/>
             </a:endParaRPr>
           </a:p>
           <a:p>
-            <a:pPr lvl="1" marL="432000" indent="-215640">
+            <a:pPr lvl="1" marL="432000" indent="-215280">
               <a:lnSpc>
                 <a:spcPct val="100000"/>
               </a:lnSpc>
@@ -11456,7 +11469,7 @@
             </a:endParaRPr>
           </a:p>
           <a:p>
-            <a:pPr lvl="1" marL="432000" indent="-215640">
+            <a:pPr lvl="1" marL="432000" indent="-215280">
               <a:lnSpc>
                 <a:spcPct val="100000"/>
               </a:lnSpc>
@@ -11492,7 +11505,7 @@
         <p:spPr>
           <a:xfrm>
             <a:off x="486000" y="258480"/>
-            <a:ext cx="4355640" cy="742680"/>
+            <a:ext cx="4355280" cy="742320"/>
           </a:xfrm>
           <a:prstGeom prst="rect">
             <a:avLst/>
@@ -11526,7 +11539,7 @@
                 <a:latin typeface="Arial"/>
                 <a:ea typeface="DejaVu Sans"/>
               </a:rPr>
-              <a:t>Write unittest 1</a:t>
+              <a:t>Write unit test 1</a:t>
             </a:r>
             <a:endParaRPr b="0" lang="en-US" sz="3600" spc="-1" strike="noStrike">
               <a:latin typeface="Arial"/>
@@ -11573,7 +11586,7 @@
         <p:spPr>
           <a:xfrm>
             <a:off x="806400" y="585360"/>
-            <a:ext cx="8096040" cy="953640"/>
+            <a:ext cx="8095680" cy="953280"/>
           </a:xfrm>
           <a:prstGeom prst="rect">
             <a:avLst/>
@@ -11599,7 +11612,7 @@
         <p:spPr>
           <a:xfrm>
             <a:off x="806400" y="1704240"/>
-            <a:ext cx="8096040" cy="3334320"/>
+            <a:ext cx="8095680" cy="3333960"/>
           </a:xfrm>
           <a:prstGeom prst="rect">
             <a:avLst/>
@@ -11629,7 +11642,7 @@
         <p:spPr>
           <a:xfrm>
             <a:off x="4918320" y="464400"/>
-            <a:ext cx="4390920" cy="1986840"/>
+            <a:ext cx="4390560" cy="1986480"/>
           </a:xfrm>
           <a:prstGeom prst="rect">
             <a:avLst/>
@@ -11648,7 +11661,7 @@
         <p:spPr>
           <a:xfrm>
             <a:off x="631080" y="722520"/>
-            <a:ext cx="4197600" cy="4944960"/>
+            <a:ext cx="4197240" cy="4944600"/>
           </a:xfrm>
           <a:prstGeom prst="rect">
             <a:avLst/>
@@ -11712,7 +11725,7 @@
                 <a:latin typeface="Arial"/>
                 <a:ea typeface="DejaVu Sans"/>
               </a:rPr>
-              <a:t>Small change in original unittest</a:t>
+              <a:t>Small change in original unit test</a:t>
             </a:r>
             <a:endParaRPr b="0" lang="en-US" sz="1800" spc="-1" strike="noStrike">
               <a:latin typeface="Arial"/>
@@ -11772,7 +11785,7 @@
                 <a:latin typeface="Arial"/>
                 <a:ea typeface="DejaVu Sans"/>
               </a:rPr>
-              <a:t>New unittest !</a:t>
+              <a:t>New unit test !</a:t>
             </a:r>
             <a:endParaRPr b="0" lang="en-US" sz="1800" spc="-1" strike="noStrike">
               <a:latin typeface="Arial"/>
@@ -11789,7 +11802,7 @@
         <p:spPr>
           <a:xfrm>
             <a:off x="486000" y="174240"/>
-            <a:ext cx="4264200" cy="1245600"/>
+            <a:ext cx="4263840" cy="1245240"/>
           </a:xfrm>
           <a:prstGeom prst="rect">
             <a:avLst/>
@@ -11823,7 +11836,7 @@
                 <a:latin typeface="Arial"/>
                 <a:ea typeface="DejaVu Sans"/>
               </a:rPr>
-              <a:t>Write unittest variant</a:t>
+              <a:t>Write unit test variant</a:t>
             </a:r>
             <a:endParaRPr b="0" lang="en-US" sz="3600" spc="-1" strike="noStrike">
               <a:latin typeface="Arial"/>
@@ -11870,7 +11883,7 @@
         <p:spPr>
           <a:xfrm>
             <a:off x="486000" y="258480"/>
-            <a:ext cx="8742960" cy="1077120"/>
+            <a:ext cx="8742600" cy="1076760"/>
           </a:xfrm>
           <a:prstGeom prst="rect">
             <a:avLst/>
@@ -11955,7 +11968,7 @@
         <p:spPr>
           <a:xfrm>
             <a:off x="506880" y="1067760"/>
-            <a:ext cx="8997480" cy="4321800"/>
+            <a:ext cx="8997120" cy="4321440"/>
           </a:xfrm>
           <a:prstGeom prst="rect">
             <a:avLst/>
@@ -11974,7 +11987,7 @@
         <p:spPr>
           <a:xfrm>
             <a:off x="386280" y="83880"/>
-            <a:ext cx="8008560" cy="1361520"/>
+            <a:ext cx="8008200" cy="1361160"/>
           </a:xfrm>
           <a:prstGeom prst="rect">
             <a:avLst/>
@@ -12029,7 +12042,7 @@
         <p:spPr>
           <a:xfrm>
             <a:off x="585360" y="5394960"/>
-            <a:ext cx="672480" cy="997200"/>
+            <a:ext cx="672120" cy="996840"/>
           </a:xfrm>
           <a:prstGeom prst="rect">
             <a:avLst/>
@@ -12048,7 +12061,7 @@
         <p:spPr>
           <a:xfrm>
             <a:off x="1280160" y="5577840"/>
-            <a:ext cx="8208360" cy="597240"/>
+            <a:ext cx="8208000" cy="596880"/>
           </a:xfrm>
           <a:prstGeom prst="rect">
             <a:avLst/>
@@ -12074,7 +12087,7 @@
         <p:spPr>
           <a:xfrm>
             <a:off x="731520" y="393840"/>
-            <a:ext cx="8407800" cy="593640"/>
+            <a:ext cx="8407440" cy="593280"/>
           </a:xfrm>
           <a:prstGeom prst="rect">
             <a:avLst/>
@@ -12159,7 +12172,7 @@
         <p:spPr>
           <a:xfrm>
             <a:off x="461520" y="1645920"/>
-            <a:ext cx="9043560" cy="2256120"/>
+            <a:ext cx="9043200" cy="2255760"/>
           </a:xfrm>
           <a:prstGeom prst="rect">
             <a:avLst/>
@@ -12178,7 +12191,7 @@
         <p:spPr>
           <a:xfrm>
             <a:off x="722520" y="804960"/>
-            <a:ext cx="5294880" cy="593640"/>
+            <a:ext cx="5294520" cy="593280"/>
           </a:xfrm>
           <a:prstGeom prst="rect">
             <a:avLst/>
@@ -12204,7 +12217,7 @@
         <p:spPr>
           <a:xfrm>
             <a:off x="813960" y="4125240"/>
-            <a:ext cx="7511760" cy="337680"/>
+            <a:ext cx="7511400" cy="337320"/>
           </a:xfrm>
           <a:prstGeom prst="rect">
             <a:avLst/>
@@ -12230,7 +12243,7 @@
         <p:spPr>
           <a:xfrm>
             <a:off x="487800" y="365760"/>
-            <a:ext cx="8742960" cy="1077120"/>
+            <a:ext cx="8742600" cy="1076760"/>
           </a:xfrm>
           <a:prstGeom prst="rect">
             <a:avLst/>
@@ -12264,7 +12277,7 @@
                 <a:latin typeface="Arial"/>
                 <a:ea typeface="DejaVu Sans"/>
               </a:rPr>
-              <a:t>Time to unittest!</a:t>
+              <a:t>Time to unit test!</a:t>
             </a:r>
             <a:endParaRPr b="0" lang="en-US" sz="3200" spc="-1" strike="noStrike">
               <a:latin typeface="Arial"/>
@@ -12311,7 +12324,7 @@
         <p:spPr>
           <a:xfrm>
             <a:off x="979200" y="356760"/>
-            <a:ext cx="7324200" cy="1105560"/>
+            <a:ext cx="7323840" cy="1105200"/>
           </a:xfrm>
           <a:prstGeom prst="rect">
             <a:avLst/>
@@ -12375,7 +12388,7 @@
                 <a:latin typeface="Arial"/>
                 <a:ea typeface="DejaVu Sans"/>
               </a:rPr>
-              <a:t>(1) test environments were build:</a:t>
+              <a:t>(1) Test environments were built:</a:t>
             </a:r>
             <a:endParaRPr b="0" lang="en-US" sz="1800" spc="-1" strike="noStrike">
               <a:latin typeface="Arial"/>
@@ -12396,7 +12409,7 @@
         <p:spPr>
           <a:xfrm>
             <a:off x="1069200" y="1645920"/>
-            <a:ext cx="5784120" cy="3753360"/>
+            <a:ext cx="5783760" cy="3753000"/>
           </a:xfrm>
           <a:prstGeom prst="rect">
             <a:avLst/>
@@ -12415,7 +12428,7 @@
         <p:spPr>
           <a:xfrm>
             <a:off x="1088280" y="5468760"/>
-            <a:ext cx="8008560" cy="593640"/>
+            <a:ext cx="8008200" cy="593280"/>
           </a:xfrm>
           <a:prstGeom prst="rect">
             <a:avLst/>
@@ -12441,7 +12454,7 @@
         <p:spPr>
           <a:xfrm>
             <a:off x="1373400" y="91440"/>
-            <a:ext cx="7034400" cy="1077120"/>
+            <a:ext cx="7034040" cy="1076760"/>
           </a:xfrm>
           <a:prstGeom prst="rect">
             <a:avLst/>
